--- a/Lariat_rental.present version 2.pptx
+++ b/Lariat_rental.present version 2.pptx
@@ -12,7 +12,7 @@
     <p:sldId id="283" r:id="rId3"/>
     <p:sldId id="279" r:id="rId4"/>
     <p:sldId id="277" r:id="rId5"/>
-    <p:sldId id="286" r:id="rId6"/>
+    <p:sldId id="287" r:id="rId6"/>
     <p:sldId id="284" r:id="rId7"/>
     <p:sldId id="274" r:id="rId8"/>
   </p:sldIdLst>
@@ -124,7 +124,7 @@
 <file path=ppt/revisionInfo.xml><?xml version="1.0" encoding="utf-8"?>
 <p1510:revInfo xmlns:a="http://schemas.openxmlformats.org/drawingml/2006/main" xmlns:r="http://schemas.openxmlformats.org/officeDocument/2006/relationships" xmlns:p1510="http://schemas.microsoft.com/office/powerpoint/2015/10/main">
   <p1510:revLst>
-    <p1510:client id="{7A6A8105-2BAE-451D-9B2A-7523129779AB}" v="35" dt="2021-02-10T17:33:07.083"/>
+    <p1510:client id="{7A6A8105-2BAE-451D-9B2A-7523129779AB}" v="137" dt="2021-02-10T17:59:16.731"/>
   </p1510:revLst>
 </p1510:revInfo>
 </file>
@@ -134,10 +134,25 @@
   <pc:docChgLst>
     <pc:chgData name="alton jr baugh" userId="57e08b997db96fa4" providerId="LiveId" clId="{7A6A8105-2BAE-451D-9B2A-7523129779AB}"/>
     <pc:docChg chg="undo custSel addSld delSld modSld sldOrd">
-      <pc:chgData name="alton jr baugh" userId="57e08b997db96fa4" providerId="LiveId" clId="{7A6A8105-2BAE-451D-9B2A-7523129779AB}" dt="2021-02-10T17:33:14.857" v="105" actId="47"/>
+      <pc:chgData name="alton jr baugh" userId="57e08b997db96fa4" providerId="LiveId" clId="{7A6A8105-2BAE-451D-9B2A-7523129779AB}" dt="2021-02-10T19:00:05.228" v="577"/>
       <pc:docMkLst>
         <pc:docMk/>
       </pc:docMkLst>
+      <pc:sldChg chg="modSp mod">
+        <pc:chgData name="alton jr baugh" userId="57e08b997db96fa4" providerId="LiveId" clId="{7A6A8105-2BAE-451D-9B2A-7523129779AB}" dt="2021-02-10T17:41:14.973" v="134" actId="6549"/>
+        <pc:sldMkLst>
+          <pc:docMk/>
+          <pc:sldMk cId="4274632287" sldId="256"/>
+        </pc:sldMkLst>
+        <pc:spChg chg="mod">
+          <ac:chgData name="alton jr baugh" userId="57e08b997db96fa4" providerId="LiveId" clId="{7A6A8105-2BAE-451D-9B2A-7523129779AB}" dt="2021-02-10T17:41:14.973" v="134" actId="6549"/>
+          <ac:spMkLst>
+            <pc:docMk/>
+            <pc:sldMk cId="4274632287" sldId="256"/>
+            <ac:spMk id="2" creationId="{2FC8F33F-6F3E-4323-AF5F-724DD6815922}"/>
+          </ac:spMkLst>
+        </pc:spChg>
+      </pc:sldChg>
       <pc:sldChg chg="addSp delSp modSp mod setBg setClrOvrMap">
         <pc:chgData name="alton jr baugh" userId="57e08b997db96fa4" providerId="LiveId" clId="{7A6A8105-2BAE-451D-9B2A-7523129779AB}" dt="2021-02-10T17:15:28.086" v="2" actId="26606"/>
         <pc:sldMkLst>
@@ -232,6 +247,36 @@
             <ac:picMk id="12" creationId="{7F487851-BFAF-46D8-A1ED-50CAD6E46F59}"/>
           </ac:picMkLst>
         </pc:picChg>
+      </pc:sldChg>
+      <pc:sldChg chg="modSp mod modNotesTx">
+        <pc:chgData name="alton jr baugh" userId="57e08b997db96fa4" providerId="LiveId" clId="{7A6A8105-2BAE-451D-9B2A-7523129779AB}" dt="2021-02-10T18:57:21.869" v="568" actId="6549"/>
+        <pc:sldMkLst>
+          <pc:docMk/>
+          <pc:sldMk cId="2512542246" sldId="277"/>
+        </pc:sldMkLst>
+        <pc:spChg chg="mod">
+          <ac:chgData name="alton jr baugh" userId="57e08b997db96fa4" providerId="LiveId" clId="{7A6A8105-2BAE-451D-9B2A-7523129779AB}" dt="2021-02-10T17:56:58.527" v="490" actId="20577"/>
+          <ac:spMkLst>
+            <pc:docMk/>
+            <pc:sldMk cId="2512542246" sldId="277"/>
+            <ac:spMk id="5" creationId="{DC258E42-D179-4F32-A05C-1B50AFA1E298}"/>
+          </ac:spMkLst>
+        </pc:spChg>
+      </pc:sldChg>
+      <pc:sldChg chg="modSp mod modNotesTx">
+        <pc:chgData name="alton jr baugh" userId="57e08b997db96fa4" providerId="LiveId" clId="{7A6A8105-2BAE-451D-9B2A-7523129779AB}" dt="2021-02-10T19:00:05.228" v="577"/>
+        <pc:sldMkLst>
+          <pc:docMk/>
+          <pc:sldMk cId="3062718717" sldId="279"/>
+        </pc:sldMkLst>
+        <pc:spChg chg="mod">
+          <ac:chgData name="alton jr baugh" userId="57e08b997db96fa4" providerId="LiveId" clId="{7A6A8105-2BAE-451D-9B2A-7523129779AB}" dt="2021-02-10T18:58:10.653" v="576" actId="27636"/>
+          <ac:spMkLst>
+            <pc:docMk/>
+            <pc:sldMk cId="3062718717" sldId="279"/>
+            <ac:spMk id="5" creationId="{DC258E42-D179-4F32-A05C-1B50AFA1E298}"/>
+          </ac:spMkLst>
+        </pc:spChg>
       </pc:sldChg>
       <pc:sldChg chg="addSp delSp modSp del mod modClrScheme delDesignElem chgLayout">
         <pc:chgData name="alton jr baugh" userId="57e08b997db96fa4" providerId="LiveId" clId="{7A6A8105-2BAE-451D-9B2A-7523129779AB}" dt="2021-02-10T17:28:31.535" v="84" actId="47"/>
@@ -335,6 +380,21 @@
           <pc:sldMk cId="72558124" sldId="281"/>
         </pc:sldMkLst>
       </pc:sldChg>
+      <pc:sldChg chg="modSp mod">
+        <pc:chgData name="alton jr baugh" userId="57e08b997db96fa4" providerId="LiveId" clId="{7A6A8105-2BAE-451D-9B2A-7523129779AB}" dt="2021-02-10T18:57:59.671" v="574" actId="14100"/>
+        <pc:sldMkLst>
+          <pc:docMk/>
+          <pc:sldMk cId="3382015304" sldId="283"/>
+        </pc:sldMkLst>
+        <pc:spChg chg="mod">
+          <ac:chgData name="alton jr baugh" userId="57e08b997db96fa4" providerId="LiveId" clId="{7A6A8105-2BAE-451D-9B2A-7523129779AB}" dt="2021-02-10T18:57:59.671" v="574" actId="14100"/>
+          <ac:spMkLst>
+            <pc:docMk/>
+            <pc:sldMk cId="3382015304" sldId="283"/>
+            <ac:spMk id="10" creationId="{2AB4558C-CCFD-4B0A-8F63-D21F4B6C3C01}"/>
+          </ac:spMkLst>
+        </pc:spChg>
+      </pc:sldChg>
       <pc:sldChg chg="add del">
         <pc:chgData name="alton jr baugh" userId="57e08b997db96fa4" providerId="LiveId" clId="{7A6A8105-2BAE-451D-9B2A-7523129779AB}" dt="2021-02-10T17:18:34.886" v="10" actId="2890"/>
         <pc:sldMkLst>
@@ -343,7 +403,7 @@
         </pc:sldMkLst>
       </pc:sldChg>
       <pc:sldChg chg="addSp delSp modSp new mod modClrScheme chgLayout">
-        <pc:chgData name="alton jr baugh" userId="57e08b997db96fa4" providerId="LiveId" clId="{7A6A8105-2BAE-451D-9B2A-7523129779AB}" dt="2021-02-10T17:33:07.082" v="104" actId="14100"/>
+        <pc:chgData name="alton jr baugh" userId="57e08b997db96fa4" providerId="LiveId" clId="{7A6A8105-2BAE-451D-9B2A-7523129779AB}" dt="2021-02-10T18:57:29.292" v="569" actId="2"/>
         <pc:sldMkLst>
           <pc:docMk/>
           <pc:sldMk cId="2702992039" sldId="284"/>
@@ -525,7 +585,7 @@
           </ac:graphicFrameMkLst>
         </pc:graphicFrameChg>
         <pc:graphicFrameChg chg="add mod modGraphic">
-          <ac:chgData name="alton jr baugh" userId="57e08b997db96fa4" providerId="LiveId" clId="{7A6A8105-2BAE-451D-9B2A-7523129779AB}" dt="2021-02-10T17:28:15.584" v="83" actId="13238"/>
+          <ac:chgData name="alton jr baugh" userId="57e08b997db96fa4" providerId="LiveId" clId="{7A6A8105-2BAE-451D-9B2A-7523129779AB}" dt="2021-02-10T18:57:29.292" v="569" actId="2"/>
           <ac:graphicFrameMkLst>
             <pc:docMk/>
             <pc:sldMk cId="2702992039" sldId="284"/>
@@ -571,8 +631,8 @@
           <pc:sldMk cId="1762391772" sldId="285"/>
         </pc:sldMkLst>
       </pc:sldChg>
-      <pc:sldChg chg="addSp delSp modSp new mod ord">
-        <pc:chgData name="alton jr baugh" userId="57e08b997db96fa4" providerId="LiveId" clId="{7A6A8105-2BAE-451D-9B2A-7523129779AB}" dt="2021-02-10T17:32:52.417" v="103" actId="207"/>
+      <pc:sldChg chg="addSp delSp modSp new del mod ord modNotesTx">
+        <pc:chgData name="alton jr baugh" userId="57e08b997db96fa4" providerId="LiveId" clId="{7A6A8105-2BAE-451D-9B2A-7523129779AB}" dt="2021-02-10T17:57:41.967" v="495" actId="47"/>
         <pc:sldMkLst>
           <pc:docMk/>
           <pc:sldMk cId="2491731863" sldId="286"/>
@@ -583,6 +643,14 @@
             <pc:docMk/>
             <pc:sldMk cId="2491731863" sldId="286"/>
             <ac:spMk id="2" creationId="{634F5657-4EF4-4B87-87A8-C1B51F7C8D42}"/>
+          </ac:spMkLst>
+        </pc:spChg>
+        <pc:spChg chg="add del mod">
+          <ac:chgData name="alton jr baugh" userId="57e08b997db96fa4" providerId="LiveId" clId="{7A6A8105-2BAE-451D-9B2A-7523129779AB}" dt="2021-02-10T17:43:37.859" v="136"/>
+          <ac:spMkLst>
+            <pc:docMk/>
+            <pc:sldMk cId="2491731863" sldId="286"/>
+            <ac:spMk id="3" creationId="{8AD36F80-7E08-484F-A1AC-BDB14FF5A35B}"/>
           </ac:spMkLst>
         </pc:spChg>
         <pc:spChg chg="del">
@@ -618,10 +686,105 @@
           </ac:graphicFrameMkLst>
         </pc:graphicFrameChg>
         <pc:graphicFrameChg chg="add mod">
-          <ac:chgData name="alton jr baugh" userId="57e08b997db96fa4" providerId="LiveId" clId="{7A6A8105-2BAE-451D-9B2A-7523129779AB}" dt="2021-02-10T17:32:52.417" v="103" actId="207"/>
+          <ac:chgData name="alton jr baugh" userId="57e08b997db96fa4" providerId="LiveId" clId="{7A6A8105-2BAE-451D-9B2A-7523129779AB}" dt="2021-02-10T17:50:04.465" v="406"/>
           <ac:graphicFrameMkLst>
             <pc:docMk/>
             <pc:sldMk cId="2491731863" sldId="286"/>
+            <ac:graphicFrameMk id="6" creationId="{235DF65F-7C74-4570-99E5-5BBC798BC4DF}"/>
+          </ac:graphicFrameMkLst>
+        </pc:graphicFrameChg>
+        <pc:graphicFrameChg chg="add del mod">
+          <ac:chgData name="alton jr baugh" userId="57e08b997db96fa4" providerId="LiveId" clId="{7A6A8105-2BAE-451D-9B2A-7523129779AB}" dt="2021-02-10T17:43:31.616" v="135" actId="478"/>
+          <ac:graphicFrameMkLst>
+            <pc:docMk/>
+            <pc:sldMk cId="2491731863" sldId="286"/>
+            <ac:graphicFrameMk id="7" creationId="{235DF65F-7C74-4570-99E5-5BBC798BC4DF}"/>
+          </ac:graphicFrameMkLst>
+        </pc:graphicFrameChg>
+      </pc:sldChg>
+      <pc:sldChg chg="addSp delSp modSp add mod modClrScheme chgLayout modNotesTx">
+        <pc:chgData name="alton jr baugh" userId="57e08b997db96fa4" providerId="LiveId" clId="{7A6A8105-2BAE-451D-9B2A-7523129779AB}" dt="2021-02-10T17:59:46.266" v="538" actId="20577"/>
+        <pc:sldMkLst>
+          <pc:docMk/>
+          <pc:sldMk cId="3751381641" sldId="287"/>
+        </pc:sldMkLst>
+        <pc:spChg chg="add del mod ord">
+          <ac:chgData name="alton jr baugh" userId="57e08b997db96fa4" providerId="LiveId" clId="{7A6A8105-2BAE-451D-9B2A-7523129779AB}" dt="2021-02-10T17:59:18.733" v="534" actId="700"/>
+          <ac:spMkLst>
+            <pc:docMk/>
+            <pc:sldMk cId="3751381641" sldId="287"/>
+            <ac:spMk id="2" creationId="{4CDE65C0-4DDB-46B0-88EB-ED98D8C35565}"/>
+          </ac:spMkLst>
+        </pc:spChg>
+        <pc:spChg chg="add del mod">
+          <ac:chgData name="alton jr baugh" userId="57e08b997db96fa4" providerId="LiveId" clId="{7A6A8105-2BAE-451D-9B2A-7523129779AB}" dt="2021-02-10T17:49:58.396" v="405"/>
+          <ac:spMkLst>
+            <pc:docMk/>
+            <pc:sldMk cId="3751381641" sldId="287"/>
+            <ac:spMk id="3" creationId="{0514BC34-67E3-430C-9692-57E01D37464B}"/>
+          </ac:spMkLst>
+        </pc:spChg>
+        <pc:spChg chg="add del mod ord">
+          <ac:chgData name="alton jr baugh" userId="57e08b997db96fa4" providerId="LiveId" clId="{7A6A8105-2BAE-451D-9B2A-7523129779AB}" dt="2021-02-10T17:59:18.733" v="534" actId="700"/>
+          <ac:spMkLst>
+            <pc:docMk/>
+            <pc:sldMk cId="3751381641" sldId="287"/>
+            <ac:spMk id="3" creationId="{CE5506BA-B26C-4954-BE84-28F265073431}"/>
+          </ac:spMkLst>
+        </pc:spChg>
+        <pc:spChg chg="add del mod ord">
+          <ac:chgData name="alton jr baugh" userId="57e08b997db96fa4" providerId="LiveId" clId="{7A6A8105-2BAE-451D-9B2A-7523129779AB}" dt="2021-02-10T17:59:18.733" v="534" actId="700"/>
+          <ac:spMkLst>
+            <pc:docMk/>
+            <pc:sldMk cId="3751381641" sldId="287"/>
+            <ac:spMk id="4" creationId="{98F1B63D-27A2-4C4E-B041-66FA08FA4C07}"/>
+          </ac:spMkLst>
+        </pc:spChg>
+        <pc:spChg chg="mod ord">
+          <ac:chgData name="alton jr baugh" userId="57e08b997db96fa4" providerId="LiveId" clId="{7A6A8105-2BAE-451D-9B2A-7523129779AB}" dt="2021-02-10T17:59:18.733" v="534" actId="700"/>
+          <ac:spMkLst>
+            <pc:docMk/>
+            <pc:sldMk cId="3751381641" sldId="287"/>
+            <ac:spMk id="8" creationId="{80599DBD-7EE0-482C-9E0A-64108F8C2F1D}"/>
+          </ac:spMkLst>
+        </pc:spChg>
+        <pc:graphicFrameChg chg="add mod">
+          <ac:chgData name="alton jr baugh" userId="57e08b997db96fa4" providerId="LiveId" clId="{7A6A8105-2BAE-451D-9B2A-7523129779AB}" dt="2021-02-10T17:49:54.590" v="403"/>
+          <ac:graphicFrameMkLst>
+            <pc:docMk/>
+            <pc:sldMk cId="3751381641" sldId="287"/>
+            <ac:graphicFrameMk id="4" creationId="{235DF65F-7C74-4570-99E5-5BBC798BC4DF}"/>
+          </ac:graphicFrameMkLst>
+        </pc:graphicFrameChg>
+        <pc:graphicFrameChg chg="add del mod">
+          <ac:chgData name="alton jr baugh" userId="57e08b997db96fa4" providerId="LiveId" clId="{7A6A8105-2BAE-451D-9B2A-7523129779AB}" dt="2021-02-10T17:58:57.787" v="526"/>
+          <ac:graphicFrameMkLst>
+            <pc:docMk/>
+            <pc:sldMk cId="3751381641" sldId="287"/>
+            <ac:graphicFrameMk id="5" creationId="{CC6CF67D-47FA-45AE-AAD0-1895F30A8618}"/>
+          </ac:graphicFrameMkLst>
+        </pc:graphicFrameChg>
+        <pc:graphicFrameChg chg="del">
+          <ac:chgData name="alton jr baugh" userId="57e08b997db96fa4" providerId="LiveId" clId="{7A6A8105-2BAE-451D-9B2A-7523129779AB}" dt="2021-02-10T17:49:56.837" v="404" actId="478"/>
+          <ac:graphicFrameMkLst>
+            <pc:docMk/>
+            <pc:sldMk cId="3751381641" sldId="287"/>
+            <ac:graphicFrameMk id="6" creationId="{235DF65F-7C74-4570-99E5-5BBC798BC4DF}"/>
+          </ac:graphicFrameMkLst>
+        </pc:graphicFrameChg>
+        <pc:graphicFrameChg chg="add del mod">
+          <ac:chgData name="alton jr baugh" userId="57e08b997db96fa4" providerId="LiveId" clId="{7A6A8105-2BAE-451D-9B2A-7523129779AB}" dt="2021-02-10T17:59:16.731" v="531"/>
+          <ac:graphicFrameMkLst>
+            <pc:docMk/>
+            <pc:sldMk cId="3751381641" sldId="287"/>
+            <ac:graphicFrameMk id="6" creationId="{94B6EA9A-4A5E-4428-908B-822254C34746}"/>
+          </ac:graphicFrameMkLst>
+        </pc:graphicFrameChg>
+        <pc:graphicFrameChg chg="add mod ord">
+          <ac:chgData name="alton jr baugh" userId="57e08b997db96fa4" providerId="LiveId" clId="{7A6A8105-2BAE-451D-9B2A-7523129779AB}" dt="2021-02-10T17:59:18.733" v="534" actId="700"/>
+          <ac:graphicFrameMkLst>
+            <pc:docMk/>
+            <pc:sldMk cId="3751381641" sldId="287"/>
             <ac:graphicFrameMk id="7" creationId="{235DF65F-7C74-4570-99E5-5BBC798BC4DF}"/>
           </ac:graphicFrameMkLst>
         </pc:graphicFrameChg>
@@ -685,26 +848,6 @@
         </a:ln>
         <a:effectLst/>
       </c:spPr>
-      <c:txPr>
-        <a:bodyPr rot="0" spcFirstLastPara="1" vertOverflow="ellipsis" vert="horz" wrap="square" anchor="ctr" anchorCtr="1"/>
-        <a:lstStyle/>
-        <a:p>
-          <a:pPr>
-            <a:defRPr sz="1400" b="0" i="0" u="none" strike="noStrike" kern="1200" spc="0" baseline="0">
-              <a:solidFill>
-                <a:schemeClr val="tx1">
-                  <a:lumMod val="65000"/>
-                  <a:lumOff val="35000"/>
-                </a:schemeClr>
-              </a:solidFill>
-              <a:latin typeface="+mn-lt"/>
-              <a:ea typeface="+mn-ea"/>
-              <a:cs typeface="+mn-cs"/>
-            </a:defRPr>
-          </a:pPr>
-          <a:endParaRPr lang="en-US"/>
-        </a:p>
-      </c:txPr>
     </c:title>
     <c:autoTitleDeleted val="0"/>
     <c:pivotFmts>
@@ -724,41 +867,7 @@
         </c:marker>
         <c:dLbl>
           <c:idx val="0"/>
-          <c:spPr>
-            <a:noFill/>
-            <a:ln>
-              <a:noFill/>
-            </a:ln>
-            <a:effectLst/>
-          </c:spPr>
-          <c:txPr>
-            <a:bodyPr rot="0" spcFirstLastPara="1" vertOverflow="ellipsis" vert="horz" wrap="square" lIns="38100" tIns="19050" rIns="38100" bIns="19050" anchor="ctr" anchorCtr="1">
-              <a:spAutoFit/>
-            </a:bodyPr>
-            <a:lstStyle/>
-            <a:p>
-              <a:pPr>
-                <a:defRPr sz="900" b="0" i="0" u="none" strike="noStrike" kern="1200" baseline="0">
-                  <a:solidFill>
-                    <a:schemeClr val="tx1">
-                      <a:lumMod val="75000"/>
-                      <a:lumOff val="25000"/>
-                    </a:schemeClr>
-                  </a:solidFill>
-                  <a:latin typeface="+mn-lt"/>
-                  <a:ea typeface="+mn-ea"/>
-                  <a:cs typeface="+mn-cs"/>
-                </a:defRPr>
-              </a:pPr>
-              <a:endParaRPr lang="en-US"/>
-            </a:p>
-          </c:txPr>
-          <c:showLegendKey val="0"/>
-          <c:showVal val="0"/>
-          <c:showCatName val="0"/>
-          <c:showSerName val="0"/>
-          <c:showPercent val="0"/>
-          <c:showBubbleSize val="0"/>
+          <c:delete val="1"/>
           <c:extLst>
             <c:ext xmlns:c15="http://schemas.microsoft.com/office/drawing/2012/chart" uri="{CE6537A1-D6FC-4f65-9D91-7224C49458BB}"/>
           </c:extLst>
@@ -780,41 +889,7 @@
         </c:marker>
         <c:dLbl>
           <c:idx val="0"/>
-          <c:spPr>
-            <a:noFill/>
-            <a:ln>
-              <a:noFill/>
-            </a:ln>
-            <a:effectLst/>
-          </c:spPr>
-          <c:txPr>
-            <a:bodyPr rot="0" spcFirstLastPara="1" vertOverflow="ellipsis" vert="horz" wrap="square" lIns="38100" tIns="19050" rIns="38100" bIns="19050" anchor="ctr" anchorCtr="1">
-              <a:spAutoFit/>
-            </a:bodyPr>
-            <a:lstStyle/>
-            <a:p>
-              <a:pPr>
-                <a:defRPr sz="900" b="0" i="0" u="none" strike="noStrike" kern="1200" baseline="0">
-                  <a:solidFill>
-                    <a:schemeClr val="tx1">
-                      <a:lumMod val="75000"/>
-                      <a:lumOff val="25000"/>
-                    </a:schemeClr>
-                  </a:solidFill>
-                  <a:latin typeface="+mn-lt"/>
-                  <a:ea typeface="+mn-ea"/>
-                  <a:cs typeface="+mn-cs"/>
-                </a:defRPr>
-              </a:pPr>
-              <a:endParaRPr lang="en-US"/>
-            </a:p>
-          </c:txPr>
-          <c:showLegendKey val="0"/>
-          <c:showVal val="0"/>
-          <c:showCatName val="0"/>
-          <c:showSerName val="0"/>
-          <c:showPercent val="0"/>
-          <c:showBubbleSize val="0"/>
+          <c:delete val="1"/>
           <c:extLst>
             <c:ext xmlns:c15="http://schemas.microsoft.com/office/drawing/2012/chart" uri="{CE6537A1-D6FC-4f65-9D91-7224C49458BB}"/>
           </c:extLst>
@@ -836,41 +911,7 @@
         </c:marker>
         <c:dLbl>
           <c:idx val="0"/>
-          <c:spPr>
-            <a:noFill/>
-            <a:ln>
-              <a:noFill/>
-            </a:ln>
-            <a:effectLst/>
-          </c:spPr>
-          <c:txPr>
-            <a:bodyPr rot="0" spcFirstLastPara="1" vertOverflow="ellipsis" vert="horz" wrap="square" lIns="38100" tIns="19050" rIns="38100" bIns="19050" anchor="ctr" anchorCtr="1">
-              <a:spAutoFit/>
-            </a:bodyPr>
-            <a:lstStyle/>
-            <a:p>
-              <a:pPr>
-                <a:defRPr sz="900" b="0" i="0" u="none" strike="noStrike" kern="1200" baseline="0">
-                  <a:solidFill>
-                    <a:schemeClr val="tx1">
-                      <a:lumMod val="75000"/>
-                      <a:lumOff val="25000"/>
-                    </a:schemeClr>
-                  </a:solidFill>
-                  <a:latin typeface="+mn-lt"/>
-                  <a:ea typeface="+mn-ea"/>
-                  <a:cs typeface="+mn-cs"/>
-                </a:defRPr>
-              </a:pPr>
-              <a:endParaRPr lang="en-US"/>
-            </a:p>
-          </c:txPr>
-          <c:showLegendKey val="0"/>
-          <c:showVal val="0"/>
-          <c:showCatName val="0"/>
-          <c:showSerName val="0"/>
-          <c:showPercent val="0"/>
-          <c:showBubbleSize val="0"/>
+          <c:delete val="1"/>
           <c:extLst>
             <c:ext xmlns:c15="http://schemas.microsoft.com/office/drawing/2012/chart" uri="{CE6537A1-D6FC-4f65-9D91-7224C49458BB}"/>
           </c:extLst>
@@ -892,41 +933,7 @@
         </c:marker>
         <c:dLbl>
           <c:idx val="0"/>
-          <c:spPr>
-            <a:noFill/>
-            <a:ln>
-              <a:noFill/>
-            </a:ln>
-            <a:effectLst/>
-          </c:spPr>
-          <c:txPr>
-            <a:bodyPr rot="0" spcFirstLastPara="1" vertOverflow="ellipsis" vert="horz" wrap="square" lIns="38100" tIns="19050" rIns="38100" bIns="19050" anchor="ctr" anchorCtr="1">
-              <a:spAutoFit/>
-            </a:bodyPr>
-            <a:lstStyle/>
-            <a:p>
-              <a:pPr>
-                <a:defRPr sz="900" b="0" i="0" u="none" strike="noStrike" kern="1200" baseline="0">
-                  <a:solidFill>
-                    <a:schemeClr val="tx1">
-                      <a:lumMod val="75000"/>
-                      <a:lumOff val="25000"/>
-                    </a:schemeClr>
-                  </a:solidFill>
-                  <a:latin typeface="+mn-lt"/>
-                  <a:ea typeface="+mn-ea"/>
-                  <a:cs typeface="+mn-cs"/>
-                </a:defRPr>
-              </a:pPr>
-              <a:endParaRPr lang="en-US"/>
-            </a:p>
-          </c:txPr>
-          <c:showLegendKey val="0"/>
-          <c:showVal val="0"/>
-          <c:showCatName val="0"/>
-          <c:showSerName val="0"/>
-          <c:showPercent val="0"/>
-          <c:showBubbleSize val="0"/>
+          <c:delete val="1"/>
           <c:extLst>
             <c:ext xmlns:c15="http://schemas.microsoft.com/office/drawing/2012/chart" uri="{CE6537A1-D6FC-4f65-9D91-7224C49458BB}"/>
           </c:extLst>
@@ -948,41 +955,7 @@
         </c:marker>
         <c:dLbl>
           <c:idx val="0"/>
-          <c:spPr>
-            <a:noFill/>
-            <a:ln>
-              <a:noFill/>
-            </a:ln>
-            <a:effectLst/>
-          </c:spPr>
-          <c:txPr>
-            <a:bodyPr rot="0" spcFirstLastPara="1" vertOverflow="ellipsis" vert="horz" wrap="square" lIns="38100" tIns="19050" rIns="38100" bIns="19050" anchor="ctr" anchorCtr="1">
-              <a:spAutoFit/>
-            </a:bodyPr>
-            <a:lstStyle/>
-            <a:p>
-              <a:pPr>
-                <a:defRPr sz="900" b="0" i="0" u="none" strike="noStrike" kern="1200" baseline="0">
-                  <a:solidFill>
-                    <a:schemeClr val="tx1">
-                      <a:lumMod val="75000"/>
-                      <a:lumOff val="25000"/>
-                    </a:schemeClr>
-                  </a:solidFill>
-                  <a:latin typeface="+mn-lt"/>
-                  <a:ea typeface="+mn-ea"/>
-                  <a:cs typeface="+mn-cs"/>
-                </a:defRPr>
-              </a:pPr>
-              <a:endParaRPr lang="en-US"/>
-            </a:p>
-          </c:txPr>
-          <c:showLegendKey val="0"/>
-          <c:showVal val="0"/>
-          <c:showCatName val="0"/>
-          <c:showSerName val="0"/>
-          <c:showPercent val="0"/>
-          <c:showBubbleSize val="0"/>
+          <c:delete val="1"/>
           <c:extLst>
             <c:ext xmlns:c15="http://schemas.microsoft.com/office/drawing/2012/chart" uri="{CE6537A1-D6FC-4f65-9D91-7224C49458BB}"/>
           </c:extLst>
@@ -1007,41 +980,7 @@
         </c:marker>
         <c:dLbl>
           <c:idx val="0"/>
-          <c:spPr>
-            <a:noFill/>
-            <a:ln>
-              <a:noFill/>
-            </a:ln>
-            <a:effectLst/>
-          </c:spPr>
-          <c:txPr>
-            <a:bodyPr rot="0" spcFirstLastPara="1" vertOverflow="ellipsis" vert="horz" wrap="square" lIns="38100" tIns="19050" rIns="38100" bIns="19050" anchor="ctr" anchorCtr="1">
-              <a:spAutoFit/>
-            </a:bodyPr>
-            <a:lstStyle/>
-            <a:p>
-              <a:pPr>
-                <a:defRPr sz="900" b="0" i="0" u="none" strike="noStrike" kern="1200" baseline="0">
-                  <a:solidFill>
-                    <a:schemeClr val="tx1">
-                      <a:lumMod val="75000"/>
-                      <a:lumOff val="25000"/>
-                    </a:schemeClr>
-                  </a:solidFill>
-                  <a:latin typeface="+mn-lt"/>
-                  <a:ea typeface="+mn-ea"/>
-                  <a:cs typeface="+mn-cs"/>
-                </a:defRPr>
-              </a:pPr>
-              <a:endParaRPr lang="en-US"/>
-            </a:p>
-          </c:txPr>
-          <c:showLegendKey val="0"/>
-          <c:showVal val="0"/>
-          <c:showCatName val="0"/>
-          <c:showSerName val="0"/>
-          <c:showPercent val="0"/>
-          <c:showBubbleSize val="0"/>
+          <c:delete val="1"/>
           <c:extLst>
             <c:ext xmlns:c15="http://schemas.microsoft.com/office/drawing/2012/chart" uri="{CE6537A1-D6FC-4f65-9D91-7224C49458BB}"/>
           </c:extLst>
@@ -1063,41 +1002,7 @@
         </c:marker>
         <c:dLbl>
           <c:idx val="0"/>
-          <c:spPr>
-            <a:noFill/>
-            <a:ln>
-              <a:noFill/>
-            </a:ln>
-            <a:effectLst/>
-          </c:spPr>
-          <c:txPr>
-            <a:bodyPr rot="0" spcFirstLastPara="1" vertOverflow="ellipsis" vert="horz" wrap="square" lIns="38100" tIns="19050" rIns="38100" bIns="19050" anchor="ctr" anchorCtr="1">
-              <a:spAutoFit/>
-            </a:bodyPr>
-            <a:lstStyle/>
-            <a:p>
-              <a:pPr>
-                <a:defRPr sz="900" b="0" i="0" u="none" strike="noStrike" kern="1200" baseline="0">
-                  <a:solidFill>
-                    <a:schemeClr val="tx1">
-                      <a:lumMod val="75000"/>
-                      <a:lumOff val="25000"/>
-                    </a:schemeClr>
-                  </a:solidFill>
-                  <a:latin typeface="+mn-lt"/>
-                  <a:ea typeface="+mn-ea"/>
-                  <a:cs typeface="+mn-cs"/>
-                </a:defRPr>
-              </a:pPr>
-              <a:endParaRPr lang="en-US"/>
-            </a:p>
-          </c:txPr>
-          <c:showLegendKey val="0"/>
-          <c:showVal val="0"/>
-          <c:showCatName val="0"/>
-          <c:showSerName val="0"/>
-          <c:showPercent val="0"/>
-          <c:showBubbleSize val="0"/>
+          <c:delete val="1"/>
           <c:extLst>
             <c:ext xmlns:c15="http://schemas.microsoft.com/office/drawing/2012/chart" uri="{CE6537A1-D6FC-4f65-9D91-7224C49458BB}"/>
           </c:extLst>
@@ -1119,41 +1024,7 @@
         </c:marker>
         <c:dLbl>
           <c:idx val="0"/>
-          <c:spPr>
-            <a:noFill/>
-            <a:ln>
-              <a:noFill/>
-            </a:ln>
-            <a:effectLst/>
-          </c:spPr>
-          <c:txPr>
-            <a:bodyPr rot="0" spcFirstLastPara="1" vertOverflow="ellipsis" vert="horz" wrap="square" lIns="38100" tIns="19050" rIns="38100" bIns="19050" anchor="ctr" anchorCtr="1">
-              <a:spAutoFit/>
-            </a:bodyPr>
-            <a:lstStyle/>
-            <a:p>
-              <a:pPr>
-                <a:defRPr sz="900" b="0" i="0" u="none" strike="noStrike" kern="1200" baseline="0">
-                  <a:solidFill>
-                    <a:schemeClr val="tx1">
-                      <a:lumMod val="75000"/>
-                      <a:lumOff val="25000"/>
-                    </a:schemeClr>
-                  </a:solidFill>
-                  <a:latin typeface="+mn-lt"/>
-                  <a:ea typeface="+mn-ea"/>
-                  <a:cs typeface="+mn-cs"/>
-                </a:defRPr>
-              </a:pPr>
-              <a:endParaRPr lang="en-US"/>
-            </a:p>
-          </c:txPr>
-          <c:showLegendKey val="0"/>
-          <c:showVal val="0"/>
-          <c:showCatName val="0"/>
-          <c:showSerName val="0"/>
-          <c:showPercent val="0"/>
-          <c:showBubbleSize val="0"/>
+          <c:delete val="1"/>
           <c:extLst>
             <c:ext xmlns:c15="http://schemas.microsoft.com/office/drawing/2012/chart" uri="{CE6537A1-D6FC-4f65-9D91-7224C49458BB}"/>
           </c:extLst>
@@ -1175,41 +1046,7 @@
         </c:marker>
         <c:dLbl>
           <c:idx val="0"/>
-          <c:spPr>
-            <a:noFill/>
-            <a:ln>
-              <a:noFill/>
-            </a:ln>
-            <a:effectLst/>
-          </c:spPr>
-          <c:txPr>
-            <a:bodyPr rot="0" spcFirstLastPara="1" vertOverflow="ellipsis" vert="horz" wrap="square" lIns="38100" tIns="19050" rIns="38100" bIns="19050" anchor="ctr" anchorCtr="1">
-              <a:spAutoFit/>
-            </a:bodyPr>
-            <a:lstStyle/>
-            <a:p>
-              <a:pPr>
-                <a:defRPr sz="900" b="0" i="0" u="none" strike="noStrike" kern="1200" baseline="0">
-                  <a:solidFill>
-                    <a:schemeClr val="tx1">
-                      <a:lumMod val="75000"/>
-                      <a:lumOff val="25000"/>
-                    </a:schemeClr>
-                  </a:solidFill>
-                  <a:latin typeface="+mn-lt"/>
-                  <a:ea typeface="+mn-ea"/>
-                  <a:cs typeface="+mn-cs"/>
-                </a:defRPr>
-              </a:pPr>
-              <a:endParaRPr lang="en-US"/>
-            </a:p>
-          </c:txPr>
-          <c:showLegendKey val="0"/>
-          <c:showVal val="0"/>
-          <c:showCatName val="0"/>
-          <c:showSerName val="0"/>
-          <c:showPercent val="0"/>
-          <c:showBubbleSize val="0"/>
+          <c:delete val="1"/>
           <c:extLst>
             <c:ext xmlns:c15="http://schemas.microsoft.com/office/drawing/2012/chart" uri="{CE6537A1-D6FC-4f65-9D91-7224C49458BB}"/>
           </c:extLst>
@@ -1231,41 +1068,7 @@
         </c:marker>
         <c:dLbl>
           <c:idx val="0"/>
-          <c:spPr>
-            <a:noFill/>
-            <a:ln>
-              <a:noFill/>
-            </a:ln>
-            <a:effectLst/>
-          </c:spPr>
-          <c:txPr>
-            <a:bodyPr rot="0" spcFirstLastPara="1" vertOverflow="ellipsis" vert="horz" wrap="square" lIns="38100" tIns="19050" rIns="38100" bIns="19050" anchor="ctr" anchorCtr="1">
-              <a:spAutoFit/>
-            </a:bodyPr>
-            <a:lstStyle/>
-            <a:p>
-              <a:pPr>
-                <a:defRPr sz="900" b="0" i="0" u="none" strike="noStrike" kern="1200" baseline="0">
-                  <a:solidFill>
-                    <a:schemeClr val="tx1">
-                      <a:lumMod val="75000"/>
-                      <a:lumOff val="25000"/>
-                    </a:schemeClr>
-                  </a:solidFill>
-                  <a:latin typeface="+mn-lt"/>
-                  <a:ea typeface="+mn-ea"/>
-                  <a:cs typeface="+mn-cs"/>
-                </a:defRPr>
-              </a:pPr>
-              <a:endParaRPr lang="en-US"/>
-            </a:p>
-          </c:txPr>
-          <c:showLegendKey val="0"/>
-          <c:showVal val="0"/>
-          <c:showCatName val="0"/>
-          <c:showSerName val="0"/>
-          <c:showPercent val="0"/>
-          <c:showBubbleSize val="0"/>
+          <c:delete val="1"/>
           <c:extLst>
             <c:ext xmlns:c15="http://schemas.microsoft.com/office/drawing/2012/chart" uri="{CE6537A1-D6FC-4f65-9D91-7224C49458BB}"/>
           </c:extLst>
@@ -1287,41 +1090,7 @@
         </c:marker>
         <c:dLbl>
           <c:idx val="0"/>
-          <c:spPr>
-            <a:noFill/>
-            <a:ln>
-              <a:noFill/>
-            </a:ln>
-            <a:effectLst/>
-          </c:spPr>
-          <c:txPr>
-            <a:bodyPr rot="0" spcFirstLastPara="1" vertOverflow="ellipsis" vert="horz" wrap="square" lIns="38100" tIns="19050" rIns="38100" bIns="19050" anchor="ctr" anchorCtr="1">
-              <a:spAutoFit/>
-            </a:bodyPr>
-            <a:lstStyle/>
-            <a:p>
-              <a:pPr>
-                <a:defRPr sz="900" b="0" i="0" u="none" strike="noStrike" kern="1200" baseline="0">
-                  <a:solidFill>
-                    <a:schemeClr val="tx1">
-                      <a:lumMod val="75000"/>
-                      <a:lumOff val="25000"/>
-                    </a:schemeClr>
-                  </a:solidFill>
-                  <a:latin typeface="+mn-lt"/>
-                  <a:ea typeface="+mn-ea"/>
-                  <a:cs typeface="+mn-cs"/>
-                </a:defRPr>
-              </a:pPr>
-              <a:endParaRPr lang="en-US"/>
-            </a:p>
-          </c:txPr>
-          <c:showLegendKey val="0"/>
-          <c:showVal val="0"/>
-          <c:showCatName val="0"/>
-          <c:showSerName val="0"/>
-          <c:showPercent val="0"/>
-          <c:showBubbleSize val="0"/>
+          <c:delete val="1"/>
           <c:extLst>
             <c:ext xmlns:c15="http://schemas.microsoft.com/office/drawing/2012/chart" uri="{CE6537A1-D6FC-4f65-9D91-7224C49458BB}"/>
           </c:extLst>
@@ -1343,41 +1112,7 @@
         </c:marker>
         <c:dLbl>
           <c:idx val="0"/>
-          <c:spPr>
-            <a:noFill/>
-            <a:ln>
-              <a:noFill/>
-            </a:ln>
-            <a:effectLst/>
-          </c:spPr>
-          <c:txPr>
-            <a:bodyPr rot="0" spcFirstLastPara="1" vertOverflow="ellipsis" vert="horz" wrap="square" lIns="38100" tIns="19050" rIns="38100" bIns="19050" anchor="ctr" anchorCtr="1">
-              <a:spAutoFit/>
-            </a:bodyPr>
-            <a:lstStyle/>
-            <a:p>
-              <a:pPr>
-                <a:defRPr sz="900" b="0" i="0" u="none" strike="noStrike" kern="1200" baseline="0">
-                  <a:solidFill>
-                    <a:schemeClr val="tx1">
-                      <a:lumMod val="75000"/>
-                      <a:lumOff val="25000"/>
-                    </a:schemeClr>
-                  </a:solidFill>
-                  <a:latin typeface="+mn-lt"/>
-                  <a:ea typeface="+mn-ea"/>
-                  <a:cs typeface="+mn-cs"/>
-                </a:defRPr>
-              </a:pPr>
-              <a:endParaRPr lang="en-US"/>
-            </a:p>
-          </c:txPr>
-          <c:showLegendKey val="0"/>
-          <c:showVal val="0"/>
-          <c:showCatName val="0"/>
-          <c:showSerName val="0"/>
-          <c:showPercent val="0"/>
-          <c:showBubbleSize val="0"/>
+          <c:delete val="1"/>
           <c:extLst>
             <c:ext xmlns:c15="http://schemas.microsoft.com/office/drawing/2012/chart" uri="{CE6537A1-D6FC-4f65-9D91-7224C49458BB}"/>
           </c:extLst>
@@ -1399,41 +1134,7 @@
         </c:marker>
         <c:dLbl>
           <c:idx val="0"/>
-          <c:spPr>
-            <a:noFill/>
-            <a:ln>
-              <a:noFill/>
-            </a:ln>
-            <a:effectLst/>
-          </c:spPr>
-          <c:txPr>
-            <a:bodyPr rot="0" spcFirstLastPara="1" vertOverflow="ellipsis" vert="horz" wrap="square" lIns="38100" tIns="19050" rIns="38100" bIns="19050" anchor="ctr" anchorCtr="1">
-              <a:spAutoFit/>
-            </a:bodyPr>
-            <a:lstStyle/>
-            <a:p>
-              <a:pPr>
-                <a:defRPr sz="900" b="0" i="0" u="none" strike="noStrike" kern="1200" baseline="0">
-                  <a:solidFill>
-                    <a:schemeClr val="tx1">
-                      <a:lumMod val="75000"/>
-                      <a:lumOff val="25000"/>
-                    </a:schemeClr>
-                  </a:solidFill>
-                  <a:latin typeface="+mn-lt"/>
-                  <a:ea typeface="+mn-ea"/>
-                  <a:cs typeface="+mn-cs"/>
-                </a:defRPr>
-              </a:pPr>
-              <a:endParaRPr lang="en-US"/>
-            </a:p>
-          </c:txPr>
-          <c:showLegendKey val="0"/>
-          <c:showVal val="0"/>
-          <c:showCatName val="0"/>
-          <c:showSerName val="0"/>
-          <c:showPercent val="0"/>
-          <c:showBubbleSize val="0"/>
+          <c:delete val="1"/>
           <c:extLst>
             <c:ext xmlns:c15="http://schemas.microsoft.com/office/drawing/2012/chart" uri="{CE6537A1-D6FC-4f65-9D91-7224C49458BB}"/>
           </c:extLst>
@@ -1455,41 +1156,7 @@
         </c:marker>
         <c:dLbl>
           <c:idx val="0"/>
-          <c:spPr>
-            <a:noFill/>
-            <a:ln>
-              <a:noFill/>
-            </a:ln>
-            <a:effectLst/>
-          </c:spPr>
-          <c:txPr>
-            <a:bodyPr rot="0" spcFirstLastPara="1" vertOverflow="ellipsis" vert="horz" wrap="square" lIns="38100" tIns="19050" rIns="38100" bIns="19050" anchor="ctr" anchorCtr="1">
-              <a:spAutoFit/>
-            </a:bodyPr>
-            <a:lstStyle/>
-            <a:p>
-              <a:pPr>
-                <a:defRPr sz="900" b="0" i="0" u="none" strike="noStrike" kern="1200" baseline="0">
-                  <a:solidFill>
-                    <a:schemeClr val="tx1">
-                      <a:lumMod val="75000"/>
-                      <a:lumOff val="25000"/>
-                    </a:schemeClr>
-                  </a:solidFill>
-                  <a:latin typeface="+mn-lt"/>
-                  <a:ea typeface="+mn-ea"/>
-                  <a:cs typeface="+mn-cs"/>
-                </a:defRPr>
-              </a:pPr>
-              <a:endParaRPr lang="en-US"/>
-            </a:p>
-          </c:txPr>
-          <c:showLegendKey val="0"/>
-          <c:showVal val="0"/>
-          <c:showCatName val="0"/>
-          <c:showSerName val="0"/>
-          <c:showPercent val="0"/>
-          <c:showBubbleSize val="0"/>
+          <c:delete val="1"/>
           <c:extLst>
             <c:ext xmlns:c15="http://schemas.microsoft.com/office/drawing/2012/chart" uri="{CE6537A1-D6FC-4f65-9D91-7224C49458BB}"/>
           </c:extLst>
@@ -1511,41 +1178,7 @@
         </c:marker>
         <c:dLbl>
           <c:idx val="0"/>
-          <c:spPr>
-            <a:noFill/>
-            <a:ln>
-              <a:noFill/>
-            </a:ln>
-            <a:effectLst/>
-          </c:spPr>
-          <c:txPr>
-            <a:bodyPr rot="0" spcFirstLastPara="1" vertOverflow="ellipsis" vert="horz" wrap="square" lIns="38100" tIns="19050" rIns="38100" bIns="19050" anchor="ctr" anchorCtr="1">
-              <a:spAutoFit/>
-            </a:bodyPr>
-            <a:lstStyle/>
-            <a:p>
-              <a:pPr>
-                <a:defRPr sz="900" b="0" i="0" u="none" strike="noStrike" kern="1200" baseline="0">
-                  <a:solidFill>
-                    <a:schemeClr val="tx1">
-                      <a:lumMod val="75000"/>
-                      <a:lumOff val="25000"/>
-                    </a:schemeClr>
-                  </a:solidFill>
-                  <a:latin typeface="+mn-lt"/>
-                  <a:ea typeface="+mn-ea"/>
-                  <a:cs typeface="+mn-cs"/>
-                </a:defRPr>
-              </a:pPr>
-              <a:endParaRPr lang="en-US"/>
-            </a:p>
-          </c:txPr>
-          <c:showLegendKey val="0"/>
-          <c:showVal val="0"/>
-          <c:showCatName val="0"/>
-          <c:showSerName val="0"/>
-          <c:showPercent val="0"/>
-          <c:showBubbleSize val="0"/>
+          <c:delete val="1"/>
           <c:extLst>
             <c:ext xmlns:c15="http://schemas.microsoft.com/office/drawing/2012/chart" uri="{CE6537A1-D6FC-4f65-9D91-7224C49458BB}"/>
           </c:extLst>
@@ -1567,41 +1200,7 @@
         </c:marker>
         <c:dLbl>
           <c:idx val="0"/>
-          <c:spPr>
-            <a:noFill/>
-            <a:ln>
-              <a:noFill/>
-            </a:ln>
-            <a:effectLst/>
-          </c:spPr>
-          <c:txPr>
-            <a:bodyPr rot="0" spcFirstLastPara="1" vertOverflow="ellipsis" vert="horz" wrap="square" lIns="38100" tIns="19050" rIns="38100" bIns="19050" anchor="ctr" anchorCtr="1">
-              <a:spAutoFit/>
-            </a:bodyPr>
-            <a:lstStyle/>
-            <a:p>
-              <a:pPr>
-                <a:defRPr sz="900" b="0" i="0" u="none" strike="noStrike" kern="1200" baseline="0">
-                  <a:solidFill>
-                    <a:schemeClr val="tx1">
-                      <a:lumMod val="75000"/>
-                      <a:lumOff val="25000"/>
-                    </a:schemeClr>
-                  </a:solidFill>
-                  <a:latin typeface="+mn-lt"/>
-                  <a:ea typeface="+mn-ea"/>
-                  <a:cs typeface="+mn-cs"/>
-                </a:defRPr>
-              </a:pPr>
-              <a:endParaRPr lang="en-US"/>
-            </a:p>
-          </c:txPr>
-          <c:showLegendKey val="0"/>
-          <c:showVal val="0"/>
-          <c:showCatName val="0"/>
-          <c:showSerName val="0"/>
-          <c:showPercent val="0"/>
-          <c:showBubbleSize val="0"/>
+          <c:delete val="1"/>
           <c:extLst>
             <c:ext xmlns:c15="http://schemas.microsoft.com/office/drawing/2012/chart" uri="{CE6537A1-D6FC-4f65-9D91-7224C49458BB}"/>
           </c:extLst>
@@ -1623,41 +1222,7 @@
         </c:marker>
         <c:dLbl>
           <c:idx val="0"/>
-          <c:spPr>
-            <a:noFill/>
-            <a:ln>
-              <a:noFill/>
-            </a:ln>
-            <a:effectLst/>
-          </c:spPr>
-          <c:txPr>
-            <a:bodyPr rot="0" spcFirstLastPara="1" vertOverflow="ellipsis" vert="horz" wrap="square" lIns="38100" tIns="19050" rIns="38100" bIns="19050" anchor="ctr" anchorCtr="1">
-              <a:spAutoFit/>
-            </a:bodyPr>
-            <a:lstStyle/>
-            <a:p>
-              <a:pPr>
-                <a:defRPr sz="900" b="0" i="0" u="none" strike="noStrike" kern="1200" baseline="0">
-                  <a:solidFill>
-                    <a:schemeClr val="tx1">
-                      <a:lumMod val="75000"/>
-                      <a:lumOff val="25000"/>
-                    </a:schemeClr>
-                  </a:solidFill>
-                  <a:latin typeface="+mn-lt"/>
-                  <a:ea typeface="+mn-ea"/>
-                  <a:cs typeface="+mn-cs"/>
-                </a:defRPr>
-              </a:pPr>
-              <a:endParaRPr lang="en-US"/>
-            </a:p>
-          </c:txPr>
-          <c:showLegendKey val="0"/>
-          <c:showVal val="0"/>
-          <c:showCatName val="0"/>
-          <c:showSerName val="0"/>
-          <c:showPercent val="0"/>
-          <c:showBubbleSize val="0"/>
+          <c:delete val="1"/>
           <c:extLst>
             <c:ext xmlns:c15="http://schemas.microsoft.com/office/drawing/2012/chart" uri="{CE6537A1-D6FC-4f65-9D91-7224C49458BB}"/>
           </c:extLst>
@@ -1679,41 +1244,7 @@
         </c:marker>
         <c:dLbl>
           <c:idx val="0"/>
-          <c:spPr>
-            <a:noFill/>
-            <a:ln>
-              <a:noFill/>
-            </a:ln>
-            <a:effectLst/>
-          </c:spPr>
-          <c:txPr>
-            <a:bodyPr rot="0" spcFirstLastPara="1" vertOverflow="ellipsis" vert="horz" wrap="square" lIns="38100" tIns="19050" rIns="38100" bIns="19050" anchor="ctr" anchorCtr="1">
-              <a:spAutoFit/>
-            </a:bodyPr>
-            <a:lstStyle/>
-            <a:p>
-              <a:pPr>
-                <a:defRPr sz="900" b="0" i="0" u="none" strike="noStrike" kern="1200" baseline="0">
-                  <a:solidFill>
-                    <a:schemeClr val="tx1">
-                      <a:lumMod val="75000"/>
-                      <a:lumOff val="25000"/>
-                    </a:schemeClr>
-                  </a:solidFill>
-                  <a:latin typeface="+mn-lt"/>
-                  <a:ea typeface="+mn-ea"/>
-                  <a:cs typeface="+mn-cs"/>
-                </a:defRPr>
-              </a:pPr>
-              <a:endParaRPr lang="en-US"/>
-            </a:p>
-          </c:txPr>
-          <c:showLegendKey val="0"/>
-          <c:showVal val="0"/>
-          <c:showCatName val="0"/>
-          <c:showSerName val="0"/>
-          <c:showPercent val="0"/>
-          <c:showBubbleSize val="0"/>
+          <c:delete val="1"/>
           <c:extLst>
             <c:ext xmlns:c15="http://schemas.microsoft.com/office/drawing/2012/chart" uri="{CE6537A1-D6FC-4f65-9D91-7224C49458BB}"/>
           </c:extLst>
@@ -1735,41 +1266,7 @@
         </c:marker>
         <c:dLbl>
           <c:idx val="0"/>
-          <c:spPr>
-            <a:noFill/>
-            <a:ln>
-              <a:noFill/>
-            </a:ln>
-            <a:effectLst/>
-          </c:spPr>
-          <c:txPr>
-            <a:bodyPr rot="0" spcFirstLastPara="1" vertOverflow="ellipsis" vert="horz" wrap="square" lIns="38100" tIns="19050" rIns="38100" bIns="19050" anchor="ctr" anchorCtr="1">
-              <a:spAutoFit/>
-            </a:bodyPr>
-            <a:lstStyle/>
-            <a:p>
-              <a:pPr>
-                <a:defRPr sz="900" b="0" i="0" u="none" strike="noStrike" kern="1200" baseline="0">
-                  <a:solidFill>
-                    <a:schemeClr val="tx1">
-                      <a:lumMod val="75000"/>
-                      <a:lumOff val="25000"/>
-                    </a:schemeClr>
-                  </a:solidFill>
-                  <a:latin typeface="+mn-lt"/>
-                  <a:ea typeface="+mn-ea"/>
-                  <a:cs typeface="+mn-cs"/>
-                </a:defRPr>
-              </a:pPr>
-              <a:endParaRPr lang="en-US"/>
-            </a:p>
-          </c:txPr>
-          <c:showLegendKey val="0"/>
-          <c:showVal val="0"/>
-          <c:showCatName val="0"/>
-          <c:showSerName val="0"/>
-          <c:showPercent val="0"/>
-          <c:showBubbleSize val="0"/>
+          <c:delete val="1"/>
           <c:extLst>
             <c:ext xmlns:c15="http://schemas.microsoft.com/office/drawing/2012/chart" uri="{CE6537A1-D6FC-4f65-9D91-7224C49458BB}"/>
           </c:extLst>
@@ -1791,41 +1288,7 @@
         </c:marker>
         <c:dLbl>
           <c:idx val="0"/>
-          <c:spPr>
-            <a:noFill/>
-            <a:ln>
-              <a:noFill/>
-            </a:ln>
-            <a:effectLst/>
-          </c:spPr>
-          <c:txPr>
-            <a:bodyPr rot="0" spcFirstLastPara="1" vertOverflow="ellipsis" vert="horz" wrap="square" lIns="38100" tIns="19050" rIns="38100" bIns="19050" anchor="ctr" anchorCtr="1">
-              <a:spAutoFit/>
-            </a:bodyPr>
-            <a:lstStyle/>
-            <a:p>
-              <a:pPr>
-                <a:defRPr sz="900" b="0" i="0" u="none" strike="noStrike" kern="1200" baseline="0">
-                  <a:solidFill>
-                    <a:schemeClr val="tx1">
-                      <a:lumMod val="75000"/>
-                      <a:lumOff val="25000"/>
-                    </a:schemeClr>
-                  </a:solidFill>
-                  <a:latin typeface="+mn-lt"/>
-                  <a:ea typeface="+mn-ea"/>
-                  <a:cs typeface="+mn-cs"/>
-                </a:defRPr>
-              </a:pPr>
-              <a:endParaRPr lang="en-US"/>
-            </a:p>
-          </c:txPr>
-          <c:showLegendKey val="0"/>
-          <c:showVal val="0"/>
-          <c:showCatName val="0"/>
-          <c:showSerName val="0"/>
-          <c:showPercent val="0"/>
-          <c:showBubbleSize val="0"/>
+          <c:delete val="1"/>
           <c:extLst>
             <c:ext xmlns:c15="http://schemas.microsoft.com/office/drawing/2012/chart" uri="{CE6537A1-D6FC-4f65-9D91-7224C49458BB}"/>
           </c:extLst>
@@ -1847,41 +1310,7 @@
         </c:marker>
         <c:dLbl>
           <c:idx val="0"/>
-          <c:spPr>
-            <a:noFill/>
-            <a:ln>
-              <a:noFill/>
-            </a:ln>
-            <a:effectLst/>
-          </c:spPr>
-          <c:txPr>
-            <a:bodyPr rot="0" spcFirstLastPara="1" vertOverflow="ellipsis" vert="horz" wrap="square" lIns="38100" tIns="19050" rIns="38100" bIns="19050" anchor="ctr" anchorCtr="1">
-              <a:spAutoFit/>
-            </a:bodyPr>
-            <a:lstStyle/>
-            <a:p>
-              <a:pPr>
-                <a:defRPr sz="900" b="0" i="0" u="none" strike="noStrike" kern="1200" baseline="0">
-                  <a:solidFill>
-                    <a:schemeClr val="tx1">
-                      <a:lumMod val="75000"/>
-                      <a:lumOff val="25000"/>
-                    </a:schemeClr>
-                  </a:solidFill>
-                  <a:latin typeface="+mn-lt"/>
-                  <a:ea typeface="+mn-ea"/>
-                  <a:cs typeface="+mn-cs"/>
-                </a:defRPr>
-              </a:pPr>
-              <a:endParaRPr lang="en-US"/>
-            </a:p>
-          </c:txPr>
-          <c:showLegendKey val="0"/>
-          <c:showVal val="0"/>
-          <c:showCatName val="0"/>
-          <c:showSerName val="0"/>
-          <c:showPercent val="0"/>
-          <c:showBubbleSize val="0"/>
+          <c:delete val="1"/>
           <c:extLst>
             <c:ext xmlns:c15="http://schemas.microsoft.com/office/drawing/2012/chart" uri="{CE6537A1-D6FC-4f65-9D91-7224C49458BB}"/>
           </c:extLst>
@@ -1903,41 +1332,7 @@
         </c:marker>
         <c:dLbl>
           <c:idx val="0"/>
-          <c:spPr>
-            <a:noFill/>
-            <a:ln>
-              <a:noFill/>
-            </a:ln>
-            <a:effectLst/>
-          </c:spPr>
-          <c:txPr>
-            <a:bodyPr rot="0" spcFirstLastPara="1" vertOverflow="ellipsis" vert="horz" wrap="square" lIns="38100" tIns="19050" rIns="38100" bIns="19050" anchor="ctr" anchorCtr="1">
-              <a:spAutoFit/>
-            </a:bodyPr>
-            <a:lstStyle/>
-            <a:p>
-              <a:pPr>
-                <a:defRPr sz="900" b="0" i="0" u="none" strike="noStrike" kern="1200" baseline="0">
-                  <a:solidFill>
-                    <a:schemeClr val="tx1">
-                      <a:lumMod val="75000"/>
-                      <a:lumOff val="25000"/>
-                    </a:schemeClr>
-                  </a:solidFill>
-                  <a:latin typeface="+mn-lt"/>
-                  <a:ea typeface="+mn-ea"/>
-                  <a:cs typeface="+mn-cs"/>
-                </a:defRPr>
-              </a:pPr>
-              <a:endParaRPr lang="en-US"/>
-            </a:p>
-          </c:txPr>
-          <c:showLegendKey val="0"/>
-          <c:showVal val="0"/>
-          <c:showCatName val="0"/>
-          <c:showSerName val="0"/>
-          <c:showPercent val="0"/>
-          <c:showBubbleSize val="0"/>
+          <c:delete val="1"/>
           <c:extLst>
             <c:ext xmlns:c15="http://schemas.microsoft.com/office/drawing/2012/chart" uri="{CE6537A1-D6FC-4f65-9D91-7224C49458BB}"/>
           </c:extLst>
@@ -1959,41 +1354,7 @@
         </c:marker>
         <c:dLbl>
           <c:idx val="0"/>
-          <c:spPr>
-            <a:noFill/>
-            <a:ln>
-              <a:noFill/>
-            </a:ln>
-            <a:effectLst/>
-          </c:spPr>
-          <c:txPr>
-            <a:bodyPr rot="0" spcFirstLastPara="1" vertOverflow="ellipsis" vert="horz" wrap="square" lIns="38100" tIns="19050" rIns="38100" bIns="19050" anchor="ctr" anchorCtr="1">
-              <a:spAutoFit/>
-            </a:bodyPr>
-            <a:lstStyle/>
-            <a:p>
-              <a:pPr>
-                <a:defRPr sz="900" b="0" i="0" u="none" strike="noStrike" kern="1200" baseline="0">
-                  <a:solidFill>
-                    <a:schemeClr val="tx1">
-                      <a:lumMod val="75000"/>
-                      <a:lumOff val="25000"/>
-                    </a:schemeClr>
-                  </a:solidFill>
-                  <a:latin typeface="+mn-lt"/>
-                  <a:ea typeface="+mn-ea"/>
-                  <a:cs typeface="+mn-cs"/>
-                </a:defRPr>
-              </a:pPr>
-              <a:endParaRPr lang="en-US"/>
-            </a:p>
-          </c:txPr>
-          <c:showLegendKey val="0"/>
-          <c:showVal val="0"/>
-          <c:showCatName val="0"/>
-          <c:showSerName val="0"/>
-          <c:showPercent val="0"/>
-          <c:showBubbleSize val="0"/>
+          <c:delete val="1"/>
           <c:extLst>
             <c:ext xmlns:c15="http://schemas.microsoft.com/office/drawing/2012/chart" uri="{CE6537A1-D6FC-4f65-9D91-7224C49458BB}"/>
           </c:extLst>
@@ -2015,41 +1376,7 @@
         </c:marker>
         <c:dLbl>
           <c:idx val="0"/>
-          <c:spPr>
-            <a:noFill/>
-            <a:ln>
-              <a:noFill/>
-            </a:ln>
-            <a:effectLst/>
-          </c:spPr>
-          <c:txPr>
-            <a:bodyPr rot="0" spcFirstLastPara="1" vertOverflow="ellipsis" vert="horz" wrap="square" lIns="38100" tIns="19050" rIns="38100" bIns="19050" anchor="ctr" anchorCtr="1">
-              <a:spAutoFit/>
-            </a:bodyPr>
-            <a:lstStyle/>
-            <a:p>
-              <a:pPr>
-                <a:defRPr sz="900" b="0" i="0" u="none" strike="noStrike" kern="1200" baseline="0">
-                  <a:solidFill>
-                    <a:schemeClr val="tx1">
-                      <a:lumMod val="75000"/>
-                      <a:lumOff val="25000"/>
-                    </a:schemeClr>
-                  </a:solidFill>
-                  <a:latin typeface="+mn-lt"/>
-                  <a:ea typeface="+mn-ea"/>
-                  <a:cs typeface="+mn-cs"/>
-                </a:defRPr>
-              </a:pPr>
-              <a:endParaRPr lang="en-US"/>
-            </a:p>
-          </c:txPr>
-          <c:showLegendKey val="0"/>
-          <c:showVal val="0"/>
-          <c:showCatName val="0"/>
-          <c:showSerName val="0"/>
-          <c:showPercent val="0"/>
-          <c:showBubbleSize val="0"/>
+          <c:delete val="1"/>
           <c:extLst>
             <c:ext xmlns:c15="http://schemas.microsoft.com/office/drawing/2012/chart" uri="{CE6537A1-D6FC-4f65-9D91-7224C49458BB}"/>
           </c:extLst>
@@ -2071,41 +1398,7 @@
         </c:marker>
         <c:dLbl>
           <c:idx val="0"/>
-          <c:spPr>
-            <a:noFill/>
-            <a:ln>
-              <a:noFill/>
-            </a:ln>
-            <a:effectLst/>
-          </c:spPr>
-          <c:txPr>
-            <a:bodyPr rot="0" spcFirstLastPara="1" vertOverflow="ellipsis" vert="horz" wrap="square" lIns="38100" tIns="19050" rIns="38100" bIns="19050" anchor="ctr" anchorCtr="1">
-              <a:spAutoFit/>
-            </a:bodyPr>
-            <a:lstStyle/>
-            <a:p>
-              <a:pPr>
-                <a:defRPr sz="900" b="0" i="0" u="none" strike="noStrike" kern="1200" baseline="0">
-                  <a:solidFill>
-                    <a:schemeClr val="tx1">
-                      <a:lumMod val="75000"/>
-                      <a:lumOff val="25000"/>
-                    </a:schemeClr>
-                  </a:solidFill>
-                  <a:latin typeface="+mn-lt"/>
-                  <a:ea typeface="+mn-ea"/>
-                  <a:cs typeface="+mn-cs"/>
-                </a:defRPr>
-              </a:pPr>
-              <a:endParaRPr lang="en-US"/>
-            </a:p>
-          </c:txPr>
-          <c:showLegendKey val="0"/>
-          <c:showVal val="0"/>
-          <c:showCatName val="0"/>
-          <c:showSerName val="0"/>
-          <c:showPercent val="0"/>
-          <c:showBubbleSize val="0"/>
+          <c:delete val="1"/>
           <c:extLst>
             <c:ext xmlns:c15="http://schemas.microsoft.com/office/drawing/2012/chart" uri="{CE6537A1-D6FC-4f65-9D91-7224C49458BB}"/>
           </c:extLst>
@@ -2130,41 +1423,7 @@
         </c:marker>
         <c:dLbl>
           <c:idx val="0"/>
-          <c:spPr>
-            <a:noFill/>
-            <a:ln>
-              <a:noFill/>
-            </a:ln>
-            <a:effectLst/>
-          </c:spPr>
-          <c:txPr>
-            <a:bodyPr rot="0" spcFirstLastPara="1" vertOverflow="ellipsis" vert="horz" wrap="square" lIns="38100" tIns="19050" rIns="38100" bIns="19050" anchor="ctr" anchorCtr="1">
-              <a:spAutoFit/>
-            </a:bodyPr>
-            <a:lstStyle/>
-            <a:p>
-              <a:pPr>
-                <a:defRPr sz="900" b="0" i="0" u="none" strike="noStrike" kern="1200" baseline="0">
-                  <a:solidFill>
-                    <a:schemeClr val="tx1">
-                      <a:lumMod val="75000"/>
-                      <a:lumOff val="25000"/>
-                    </a:schemeClr>
-                  </a:solidFill>
-                  <a:latin typeface="+mn-lt"/>
-                  <a:ea typeface="+mn-ea"/>
-                  <a:cs typeface="+mn-cs"/>
-                </a:defRPr>
-              </a:pPr>
-              <a:endParaRPr lang="en-US"/>
-            </a:p>
-          </c:txPr>
-          <c:showLegendKey val="0"/>
-          <c:showVal val="0"/>
-          <c:showCatName val="0"/>
-          <c:showSerName val="0"/>
-          <c:showPercent val="0"/>
-          <c:showBubbleSize val="0"/>
+          <c:delete val="1"/>
           <c:extLst>
             <c:ext xmlns:c15="http://schemas.microsoft.com/office/drawing/2012/chart" uri="{CE6537A1-D6FC-4f65-9D91-7224C49458BB}"/>
           </c:extLst>
@@ -2196,12 +1455,7 @@
         </c:marker>
         <c:dLbl>
           <c:idx val="0"/>
-          <c:showLegendKey val="0"/>
-          <c:showVal val="0"/>
-          <c:showCatName val="0"/>
-          <c:showSerName val="0"/>
-          <c:showPercent val="0"/>
-          <c:showBubbleSize val="0"/>
+          <c:delete val="1"/>
           <c:extLst>
             <c:ext xmlns:c15="http://schemas.microsoft.com/office/drawing/2012/chart" uri="{CE6537A1-D6FC-4f65-9D91-7224C49458BB}"/>
           </c:extLst>
@@ -2233,12 +1487,7 @@
         </c:marker>
         <c:dLbl>
           <c:idx val="0"/>
-          <c:showLegendKey val="0"/>
-          <c:showVal val="0"/>
-          <c:showCatName val="0"/>
-          <c:showSerName val="0"/>
-          <c:showPercent val="0"/>
-          <c:showBubbleSize val="0"/>
+          <c:delete val="1"/>
           <c:extLst>
             <c:ext xmlns:c15="http://schemas.microsoft.com/office/drawing/2012/chart" uri="{CE6537A1-D6FC-4f65-9D91-7224C49458BB}"/>
           </c:extLst>
@@ -2270,12 +1519,7 @@
         </c:marker>
         <c:dLbl>
           <c:idx val="0"/>
-          <c:showLegendKey val="0"/>
-          <c:showVal val="0"/>
-          <c:showCatName val="0"/>
-          <c:showSerName val="0"/>
-          <c:showPercent val="0"/>
-          <c:showBubbleSize val="0"/>
+          <c:delete val="1"/>
           <c:extLst>
             <c:ext xmlns:c15="http://schemas.microsoft.com/office/drawing/2012/chart" uri="{CE6537A1-D6FC-4f65-9D91-7224C49458BB}"/>
           </c:extLst>
@@ -2307,12 +1551,7 @@
         </c:marker>
         <c:dLbl>
           <c:idx val="0"/>
-          <c:showLegendKey val="0"/>
-          <c:showVal val="0"/>
-          <c:showCatName val="0"/>
-          <c:showSerName val="0"/>
-          <c:showPercent val="0"/>
-          <c:showBubbleSize val="0"/>
+          <c:delete val="1"/>
           <c:extLst>
             <c:ext xmlns:c15="http://schemas.microsoft.com/office/drawing/2012/chart" uri="{CE6537A1-D6FC-4f65-9D91-7224C49458BB}"/>
           </c:extLst>
@@ -2344,12 +1583,7 @@
         </c:marker>
         <c:dLbl>
           <c:idx val="0"/>
-          <c:showLegendKey val="0"/>
-          <c:showVal val="0"/>
-          <c:showCatName val="0"/>
-          <c:showSerName val="0"/>
-          <c:showPercent val="0"/>
-          <c:showBubbleSize val="0"/>
+          <c:delete val="1"/>
           <c:extLst>
             <c:ext xmlns:c15="http://schemas.microsoft.com/office/drawing/2012/chart" uri="{CE6537A1-D6FC-4f65-9D91-7224C49458BB}"/>
           </c:extLst>
@@ -2384,12 +1618,7 @@
         </c:marker>
         <c:dLbl>
           <c:idx val="0"/>
-          <c:showLegendKey val="0"/>
-          <c:showVal val="0"/>
-          <c:showCatName val="0"/>
-          <c:showSerName val="0"/>
-          <c:showPercent val="0"/>
-          <c:showBubbleSize val="0"/>
+          <c:delete val="1"/>
           <c:extLst>
             <c:ext xmlns:c15="http://schemas.microsoft.com/office/drawing/2012/chart" uri="{CE6537A1-D6FC-4f65-9D91-7224C49458BB}"/>
           </c:extLst>
@@ -2424,12 +1653,7 @@
         </c:marker>
         <c:dLbl>
           <c:idx val="0"/>
-          <c:showLegendKey val="0"/>
-          <c:showVal val="0"/>
-          <c:showCatName val="0"/>
-          <c:showSerName val="0"/>
-          <c:showPercent val="0"/>
-          <c:showBubbleSize val="0"/>
+          <c:delete val="1"/>
           <c:extLst>
             <c:ext xmlns:c15="http://schemas.microsoft.com/office/drawing/2012/chart" uri="{CE6537A1-D6FC-4f65-9D91-7224C49458BB}"/>
           </c:extLst>
@@ -2464,12 +1688,7 @@
         </c:marker>
         <c:dLbl>
           <c:idx val="0"/>
-          <c:showLegendKey val="0"/>
-          <c:showVal val="0"/>
-          <c:showCatName val="0"/>
-          <c:showSerName val="0"/>
-          <c:showPercent val="0"/>
-          <c:showBubbleSize val="0"/>
+          <c:delete val="1"/>
           <c:extLst>
             <c:ext xmlns:c15="http://schemas.microsoft.com/office/drawing/2012/chart" uri="{CE6537A1-D6FC-4f65-9D91-7224C49458BB}"/>
           </c:extLst>
@@ -2504,12 +1723,7 @@
         </c:marker>
         <c:dLbl>
           <c:idx val="0"/>
-          <c:showLegendKey val="0"/>
-          <c:showVal val="0"/>
-          <c:showCatName val="0"/>
-          <c:showSerName val="0"/>
-          <c:showPercent val="0"/>
-          <c:showBubbleSize val="0"/>
+          <c:delete val="1"/>
           <c:extLst>
             <c:ext xmlns:c15="http://schemas.microsoft.com/office/drawing/2012/chart" uri="{CE6537A1-D6FC-4f65-9D91-7224C49458BB}"/>
           </c:extLst>
@@ -2544,12 +1758,7 @@
         </c:marker>
         <c:dLbl>
           <c:idx val="0"/>
-          <c:showLegendKey val="0"/>
-          <c:showVal val="0"/>
-          <c:showCatName val="0"/>
-          <c:showSerName val="0"/>
-          <c:showPercent val="0"/>
-          <c:showBubbleSize val="0"/>
+          <c:delete val="1"/>
           <c:extLst>
             <c:ext xmlns:c15="http://schemas.microsoft.com/office/drawing/2012/chart" uri="{CE6537A1-D6FC-4f65-9D91-7224C49458BB}"/>
           </c:extLst>
@@ -2584,12 +1793,7 @@
         </c:marker>
         <c:dLbl>
           <c:idx val="0"/>
-          <c:showLegendKey val="0"/>
-          <c:showVal val="0"/>
-          <c:showCatName val="0"/>
-          <c:showSerName val="0"/>
-          <c:showPercent val="0"/>
-          <c:showBubbleSize val="0"/>
+          <c:delete val="1"/>
           <c:extLst>
             <c:ext xmlns:c15="http://schemas.microsoft.com/office/drawing/2012/chart" uri="{CE6537A1-D6FC-4f65-9D91-7224C49458BB}"/>
           </c:extLst>
@@ -2624,12 +1828,7 @@
         </c:marker>
         <c:dLbl>
           <c:idx val="0"/>
-          <c:showLegendKey val="0"/>
-          <c:showVal val="0"/>
-          <c:showCatName val="0"/>
-          <c:showSerName val="0"/>
-          <c:showPercent val="0"/>
-          <c:showBubbleSize val="0"/>
+          <c:delete val="1"/>
           <c:extLst>
             <c:ext xmlns:c15="http://schemas.microsoft.com/office/drawing/2012/chart" uri="{CE6537A1-D6FC-4f65-9D91-7224C49458BB}"/>
           </c:extLst>
@@ -2651,41 +1850,7 @@
         </c:marker>
         <c:dLbl>
           <c:idx val="0"/>
-          <c:spPr>
-            <a:noFill/>
-            <a:ln>
-              <a:noFill/>
-            </a:ln>
-            <a:effectLst/>
-          </c:spPr>
-          <c:txPr>
-            <a:bodyPr rot="0" spcFirstLastPara="1" vertOverflow="ellipsis" vert="horz" wrap="square" lIns="38100" tIns="19050" rIns="38100" bIns="19050" anchor="ctr" anchorCtr="1">
-              <a:spAutoFit/>
-            </a:bodyPr>
-            <a:lstStyle/>
-            <a:p>
-              <a:pPr>
-                <a:defRPr sz="900" b="0" i="0" u="none" strike="noStrike" kern="1200" baseline="0">
-                  <a:solidFill>
-                    <a:schemeClr val="tx1">
-                      <a:lumMod val="75000"/>
-                      <a:lumOff val="25000"/>
-                    </a:schemeClr>
-                  </a:solidFill>
-                  <a:latin typeface="+mn-lt"/>
-                  <a:ea typeface="+mn-ea"/>
-                  <a:cs typeface="+mn-cs"/>
-                </a:defRPr>
-              </a:pPr>
-              <a:endParaRPr lang="en-US"/>
-            </a:p>
-          </c:txPr>
-          <c:showLegendKey val="0"/>
-          <c:showVal val="0"/>
-          <c:showCatName val="0"/>
-          <c:showSerName val="0"/>
-          <c:showPercent val="0"/>
-          <c:showBubbleSize val="0"/>
+          <c:delete val="1"/>
           <c:extLst>
             <c:ext xmlns:c15="http://schemas.microsoft.com/office/drawing/2012/chart" uri="{CE6537A1-D6FC-4f65-9D91-7224C49458BB}"/>
           </c:extLst>
@@ -2707,41 +1872,7 @@
         </c:marker>
         <c:dLbl>
           <c:idx val="0"/>
-          <c:spPr>
-            <a:noFill/>
-            <a:ln>
-              <a:noFill/>
-            </a:ln>
-            <a:effectLst/>
-          </c:spPr>
-          <c:txPr>
-            <a:bodyPr rot="0" spcFirstLastPara="1" vertOverflow="ellipsis" vert="horz" wrap="square" lIns="38100" tIns="19050" rIns="38100" bIns="19050" anchor="ctr" anchorCtr="1">
-              <a:spAutoFit/>
-            </a:bodyPr>
-            <a:lstStyle/>
-            <a:p>
-              <a:pPr>
-                <a:defRPr sz="900" b="0" i="0" u="none" strike="noStrike" kern="1200" baseline="0">
-                  <a:solidFill>
-                    <a:schemeClr val="tx1">
-                      <a:lumMod val="75000"/>
-                      <a:lumOff val="25000"/>
-                    </a:schemeClr>
-                  </a:solidFill>
-                  <a:latin typeface="+mn-lt"/>
-                  <a:ea typeface="+mn-ea"/>
-                  <a:cs typeface="+mn-cs"/>
-                </a:defRPr>
-              </a:pPr>
-              <a:endParaRPr lang="en-US"/>
-            </a:p>
-          </c:txPr>
-          <c:showLegendKey val="0"/>
-          <c:showVal val="0"/>
-          <c:showCatName val="0"/>
-          <c:showSerName val="0"/>
-          <c:showPercent val="0"/>
-          <c:showBubbleSize val="0"/>
+          <c:delete val="1"/>
           <c:extLst>
             <c:ext xmlns:c15="http://schemas.microsoft.com/office/drawing/2012/chart" uri="{CE6537A1-D6FC-4f65-9D91-7224C49458BB}"/>
           </c:extLst>
@@ -2799,10 +1930,6 @@
                 <a:prstGeom prst="wedgeRectCallout">
                   <a:avLst/>
                 </a:prstGeom>
-                <a:noFill/>
-                <a:ln>
-                  <a:noFill/>
-                </a:ln>
               </c15:spPr>
             </c:ext>
           </c:extLst>
@@ -2824,41 +1951,7 @@
         </c:marker>
         <c:dLbl>
           <c:idx val="0"/>
-          <c:spPr>
-            <a:noFill/>
-            <a:ln>
-              <a:noFill/>
-            </a:ln>
-            <a:effectLst/>
-          </c:spPr>
-          <c:txPr>
-            <a:bodyPr rot="0" spcFirstLastPara="1" vertOverflow="ellipsis" vert="horz" wrap="square" lIns="38100" tIns="19050" rIns="38100" bIns="19050" anchor="ctr" anchorCtr="1">
-              <a:spAutoFit/>
-            </a:bodyPr>
-            <a:lstStyle/>
-            <a:p>
-              <a:pPr>
-                <a:defRPr sz="900" b="0" i="0" u="none" strike="noStrike" kern="1200" baseline="0">
-                  <a:solidFill>
-                    <a:schemeClr val="tx1">
-                      <a:lumMod val="75000"/>
-                      <a:lumOff val="25000"/>
-                    </a:schemeClr>
-                  </a:solidFill>
-                  <a:latin typeface="+mn-lt"/>
-                  <a:ea typeface="+mn-ea"/>
-                  <a:cs typeface="+mn-cs"/>
-                </a:defRPr>
-              </a:pPr>
-              <a:endParaRPr lang="en-US"/>
-            </a:p>
-          </c:txPr>
-          <c:showLegendKey val="0"/>
-          <c:showVal val="0"/>
-          <c:showCatName val="0"/>
-          <c:showSerName val="0"/>
-          <c:showPercent val="0"/>
-          <c:showBubbleSize val="0"/>
+          <c:delete val="1"/>
           <c:extLst>
             <c:ext xmlns:c15="http://schemas.microsoft.com/office/drawing/2012/chart" uri="{CE6537A1-D6FC-4f65-9D91-7224C49458BB}"/>
           </c:extLst>
@@ -2880,41 +1973,7 @@
         </c:marker>
         <c:dLbl>
           <c:idx val="0"/>
-          <c:spPr>
-            <a:noFill/>
-            <a:ln>
-              <a:noFill/>
-            </a:ln>
-            <a:effectLst/>
-          </c:spPr>
-          <c:txPr>
-            <a:bodyPr rot="0" spcFirstLastPara="1" vertOverflow="ellipsis" vert="horz" wrap="square" lIns="38100" tIns="19050" rIns="38100" bIns="19050" anchor="ctr" anchorCtr="1">
-              <a:spAutoFit/>
-            </a:bodyPr>
-            <a:lstStyle/>
-            <a:p>
-              <a:pPr>
-                <a:defRPr sz="900" b="0" i="0" u="none" strike="noStrike" kern="1200" baseline="0">
-                  <a:solidFill>
-                    <a:schemeClr val="tx1">
-                      <a:lumMod val="75000"/>
-                      <a:lumOff val="25000"/>
-                    </a:schemeClr>
-                  </a:solidFill>
-                  <a:latin typeface="+mn-lt"/>
-                  <a:ea typeface="+mn-ea"/>
-                  <a:cs typeface="+mn-cs"/>
-                </a:defRPr>
-              </a:pPr>
-              <a:endParaRPr lang="en-US"/>
-            </a:p>
-          </c:txPr>
-          <c:showLegendKey val="0"/>
-          <c:showVal val="0"/>
-          <c:showCatName val="0"/>
-          <c:showSerName val="0"/>
-          <c:showPercent val="0"/>
-          <c:showBubbleSize val="0"/>
+          <c:delete val="1"/>
           <c:extLst>
             <c:ext xmlns:c15="http://schemas.microsoft.com/office/drawing/2012/chart" uri="{CE6537A1-D6FC-4f65-9D91-7224C49458BB}"/>
           </c:extLst>
@@ -2951,41 +2010,7 @@
         </c:marker>
         <c:dLbl>
           <c:idx val="0"/>
-          <c:spPr>
-            <a:noFill/>
-            <a:ln>
-              <a:noFill/>
-            </a:ln>
-            <a:effectLst/>
-          </c:spPr>
-          <c:txPr>
-            <a:bodyPr rot="0" spcFirstLastPara="1" vertOverflow="ellipsis" vert="horz" wrap="square" lIns="38100" tIns="19050" rIns="38100" bIns="19050" anchor="ctr" anchorCtr="1">
-              <a:spAutoFit/>
-            </a:bodyPr>
-            <a:lstStyle/>
-            <a:p>
-              <a:pPr>
-                <a:defRPr sz="900" b="0" i="0" u="none" strike="noStrike" kern="1200" baseline="0">
-                  <a:solidFill>
-                    <a:schemeClr val="tx1">
-                      <a:lumMod val="75000"/>
-                      <a:lumOff val="25000"/>
-                    </a:schemeClr>
-                  </a:solidFill>
-                  <a:latin typeface="+mn-lt"/>
-                  <a:ea typeface="+mn-ea"/>
-                  <a:cs typeface="+mn-cs"/>
-                </a:defRPr>
-              </a:pPr>
-              <a:endParaRPr lang="en-US"/>
-            </a:p>
-          </c:txPr>
-          <c:showLegendKey val="0"/>
-          <c:showVal val="0"/>
-          <c:showCatName val="0"/>
-          <c:showSerName val="0"/>
-          <c:showPercent val="0"/>
-          <c:showBubbleSize val="0"/>
+          <c:delete val="1"/>
           <c:extLst>
             <c:ext xmlns:c15="http://schemas.microsoft.com/office/drawing/2012/chart" uri="{CE6537A1-D6FC-4f65-9D91-7224C49458BB}"/>
           </c:extLst>
@@ -3022,41 +2047,7 @@
         </c:marker>
         <c:dLbl>
           <c:idx val="0"/>
-          <c:spPr>
-            <a:noFill/>
-            <a:ln>
-              <a:noFill/>
-            </a:ln>
-            <a:effectLst/>
-          </c:spPr>
-          <c:txPr>
-            <a:bodyPr rot="0" spcFirstLastPara="1" vertOverflow="ellipsis" vert="horz" wrap="square" lIns="38100" tIns="19050" rIns="38100" bIns="19050" anchor="ctr" anchorCtr="1">
-              <a:spAutoFit/>
-            </a:bodyPr>
-            <a:lstStyle/>
-            <a:p>
-              <a:pPr>
-                <a:defRPr sz="900" b="0" i="0" u="none" strike="noStrike" kern="1200" baseline="0">
-                  <a:solidFill>
-                    <a:schemeClr val="tx1">
-                      <a:lumMod val="75000"/>
-                      <a:lumOff val="25000"/>
-                    </a:schemeClr>
-                  </a:solidFill>
-                  <a:latin typeface="+mn-lt"/>
-                  <a:ea typeface="+mn-ea"/>
-                  <a:cs typeface="+mn-cs"/>
-                </a:defRPr>
-              </a:pPr>
-              <a:endParaRPr lang="en-US"/>
-            </a:p>
-          </c:txPr>
-          <c:showLegendKey val="0"/>
-          <c:showVal val="0"/>
-          <c:showCatName val="0"/>
-          <c:showSerName val="0"/>
-          <c:showPercent val="0"/>
-          <c:showBubbleSize val="0"/>
+          <c:delete val="1"/>
           <c:extLst>
             <c:ext xmlns:c15="http://schemas.microsoft.com/office/drawing/2012/chart" uri="{CE6537A1-D6FC-4f65-9D91-7224C49458BB}"/>
           </c:extLst>
@@ -3078,41 +2069,7 @@
         </c:marker>
         <c:dLbl>
           <c:idx val="0"/>
-          <c:spPr>
-            <a:noFill/>
-            <a:ln>
-              <a:noFill/>
-            </a:ln>
-            <a:effectLst/>
-          </c:spPr>
-          <c:txPr>
-            <a:bodyPr rot="0" spcFirstLastPara="1" vertOverflow="ellipsis" vert="horz" wrap="square" lIns="38100" tIns="19050" rIns="38100" bIns="19050" anchor="ctr" anchorCtr="1">
-              <a:spAutoFit/>
-            </a:bodyPr>
-            <a:lstStyle/>
-            <a:p>
-              <a:pPr>
-                <a:defRPr sz="900" b="0" i="0" u="none" strike="noStrike" kern="1200" baseline="0">
-                  <a:solidFill>
-                    <a:schemeClr val="tx1">
-                      <a:lumMod val="75000"/>
-                      <a:lumOff val="25000"/>
-                    </a:schemeClr>
-                  </a:solidFill>
-                  <a:latin typeface="+mn-lt"/>
-                  <a:ea typeface="+mn-ea"/>
-                  <a:cs typeface="+mn-cs"/>
-                </a:defRPr>
-              </a:pPr>
-              <a:endParaRPr lang="en-US"/>
-            </a:p>
-          </c:txPr>
-          <c:showLegendKey val="0"/>
-          <c:showVal val="0"/>
-          <c:showCatName val="0"/>
-          <c:showSerName val="0"/>
-          <c:showPercent val="0"/>
-          <c:showBubbleSize val="0"/>
+          <c:delete val="1"/>
           <c:extLst>
             <c:ext xmlns:c15="http://schemas.microsoft.com/office/drawing/2012/chart" uri="{CE6537A1-D6FC-4f65-9D91-7224C49458BB}"/>
           </c:extLst>
@@ -3137,41 +2094,7 @@
         </c:marker>
         <c:dLbl>
           <c:idx val="0"/>
-          <c:spPr>
-            <a:noFill/>
-            <a:ln>
-              <a:noFill/>
-            </a:ln>
-            <a:effectLst/>
-          </c:spPr>
-          <c:txPr>
-            <a:bodyPr rot="0" spcFirstLastPara="1" vertOverflow="ellipsis" vert="horz" wrap="square" lIns="38100" tIns="19050" rIns="38100" bIns="19050" anchor="ctr" anchorCtr="1">
-              <a:spAutoFit/>
-            </a:bodyPr>
-            <a:lstStyle/>
-            <a:p>
-              <a:pPr>
-                <a:defRPr sz="900" b="0" i="0" u="none" strike="noStrike" kern="1200" baseline="0">
-                  <a:solidFill>
-                    <a:schemeClr val="tx1">
-                      <a:lumMod val="75000"/>
-                      <a:lumOff val="25000"/>
-                    </a:schemeClr>
-                  </a:solidFill>
-                  <a:latin typeface="+mn-lt"/>
-                  <a:ea typeface="+mn-ea"/>
-                  <a:cs typeface="+mn-cs"/>
-                </a:defRPr>
-              </a:pPr>
-              <a:endParaRPr lang="en-US"/>
-            </a:p>
-          </c:txPr>
-          <c:showLegendKey val="0"/>
-          <c:showVal val="0"/>
-          <c:showCatName val="0"/>
-          <c:showSerName val="0"/>
-          <c:showPercent val="0"/>
-          <c:showBubbleSize val="0"/>
+          <c:delete val="1"/>
           <c:extLst>
             <c:ext xmlns:c15="http://schemas.microsoft.com/office/drawing/2012/chart" uri="{CE6537A1-D6FC-4f65-9D91-7224C49458BB}"/>
           </c:extLst>
@@ -3196,41 +2119,7 @@
         </c:marker>
         <c:dLbl>
           <c:idx val="0"/>
-          <c:spPr>
-            <a:noFill/>
-            <a:ln>
-              <a:noFill/>
-            </a:ln>
-            <a:effectLst/>
-          </c:spPr>
-          <c:txPr>
-            <a:bodyPr rot="0" spcFirstLastPara="1" vertOverflow="ellipsis" vert="horz" wrap="square" lIns="38100" tIns="19050" rIns="38100" bIns="19050" anchor="ctr" anchorCtr="1">
-              <a:spAutoFit/>
-            </a:bodyPr>
-            <a:lstStyle/>
-            <a:p>
-              <a:pPr>
-                <a:defRPr sz="900" b="0" i="0" u="none" strike="noStrike" kern="1200" baseline="0">
-                  <a:solidFill>
-                    <a:schemeClr val="tx1">
-                      <a:lumMod val="75000"/>
-                      <a:lumOff val="25000"/>
-                    </a:schemeClr>
-                  </a:solidFill>
-                  <a:latin typeface="+mn-lt"/>
-                  <a:ea typeface="+mn-ea"/>
-                  <a:cs typeface="+mn-cs"/>
-                </a:defRPr>
-              </a:pPr>
-              <a:endParaRPr lang="en-US"/>
-            </a:p>
-          </c:txPr>
-          <c:showLegendKey val="0"/>
-          <c:showVal val="0"/>
-          <c:showCatName val="0"/>
-          <c:showSerName val="0"/>
-          <c:showPercent val="0"/>
-          <c:showBubbleSize val="0"/>
+          <c:delete val="1"/>
           <c:extLst>
             <c:ext xmlns:c15="http://schemas.microsoft.com/office/drawing/2012/chart" uri="{CE6537A1-D6FC-4f65-9D91-7224C49458BB}"/>
           </c:extLst>
@@ -3255,41 +2144,7 @@
         </c:marker>
         <c:dLbl>
           <c:idx val="0"/>
-          <c:spPr>
-            <a:noFill/>
-            <a:ln>
-              <a:noFill/>
-            </a:ln>
-            <a:effectLst/>
-          </c:spPr>
-          <c:txPr>
-            <a:bodyPr rot="0" spcFirstLastPara="1" vertOverflow="ellipsis" vert="horz" wrap="square" lIns="38100" tIns="19050" rIns="38100" bIns="19050" anchor="ctr" anchorCtr="1">
-              <a:spAutoFit/>
-            </a:bodyPr>
-            <a:lstStyle/>
-            <a:p>
-              <a:pPr>
-                <a:defRPr sz="900" b="0" i="0" u="none" strike="noStrike" kern="1200" baseline="0">
-                  <a:solidFill>
-                    <a:schemeClr val="tx1">
-                      <a:lumMod val="75000"/>
-                      <a:lumOff val="25000"/>
-                    </a:schemeClr>
-                  </a:solidFill>
-                  <a:latin typeface="+mn-lt"/>
-                  <a:ea typeface="+mn-ea"/>
-                  <a:cs typeface="+mn-cs"/>
-                </a:defRPr>
-              </a:pPr>
-              <a:endParaRPr lang="en-US"/>
-            </a:p>
-          </c:txPr>
-          <c:showLegendKey val="0"/>
-          <c:showVal val="0"/>
-          <c:showCatName val="0"/>
-          <c:showSerName val="0"/>
-          <c:showPercent val="0"/>
-          <c:showBubbleSize val="0"/>
+          <c:delete val="1"/>
           <c:extLst>
             <c:ext xmlns:c15="http://schemas.microsoft.com/office/drawing/2012/chart" uri="{CE6537A1-D6FC-4f65-9D91-7224C49458BB}"/>
           </c:extLst>
@@ -3314,41 +2169,7 @@
         </c:marker>
         <c:dLbl>
           <c:idx val="0"/>
-          <c:spPr>
-            <a:noFill/>
-            <a:ln>
-              <a:noFill/>
-            </a:ln>
-            <a:effectLst/>
-          </c:spPr>
-          <c:txPr>
-            <a:bodyPr rot="0" spcFirstLastPara="1" vertOverflow="ellipsis" vert="horz" wrap="square" lIns="38100" tIns="19050" rIns="38100" bIns="19050" anchor="ctr" anchorCtr="1">
-              <a:spAutoFit/>
-            </a:bodyPr>
-            <a:lstStyle/>
-            <a:p>
-              <a:pPr>
-                <a:defRPr sz="900" b="0" i="0" u="none" strike="noStrike" kern="1200" baseline="0">
-                  <a:solidFill>
-                    <a:schemeClr val="tx1">
-                      <a:lumMod val="75000"/>
-                      <a:lumOff val="25000"/>
-                    </a:schemeClr>
-                  </a:solidFill>
-                  <a:latin typeface="+mn-lt"/>
-                  <a:ea typeface="+mn-ea"/>
-                  <a:cs typeface="+mn-cs"/>
-                </a:defRPr>
-              </a:pPr>
-              <a:endParaRPr lang="en-US"/>
-            </a:p>
-          </c:txPr>
-          <c:showLegendKey val="0"/>
-          <c:showVal val="0"/>
-          <c:showCatName val="0"/>
-          <c:showSerName val="0"/>
-          <c:showPercent val="0"/>
-          <c:showBubbleSize val="0"/>
+          <c:delete val="1"/>
           <c:extLst>
             <c:ext xmlns:c15="http://schemas.microsoft.com/office/drawing/2012/chart" uri="{CE6537A1-D6FC-4f65-9D91-7224C49458BB}"/>
           </c:extLst>
@@ -3421,10 +2242,6 @@
                   <a:prstGeom prst="rect">
                     <a:avLst/>
                   </a:prstGeom>
-                  <a:noFill/>
-                  <a:ln>
-                    <a:noFill/>
-                  </a:ln>
                 </c15:spPr>
                 <c15:showLeaderLines val="1"/>
                 <c15:leaderLines>
@@ -3687,26 +2504,6 @@
             </a:ln>
             <a:effectLst/>
           </c:spPr>
-          <c:txPr>
-            <a:bodyPr rot="0" spcFirstLastPara="1" vertOverflow="ellipsis" vert="horz" wrap="square" anchor="ctr" anchorCtr="1"/>
-            <a:lstStyle/>
-            <a:p>
-              <a:pPr>
-                <a:defRPr sz="1000" b="0" i="0" u="none" strike="noStrike" kern="1200" baseline="0">
-                  <a:solidFill>
-                    <a:schemeClr val="tx1">
-                      <a:lumMod val="65000"/>
-                      <a:lumOff val="35000"/>
-                    </a:schemeClr>
-                  </a:solidFill>
-                  <a:latin typeface="+mn-lt"/>
-                  <a:ea typeface="+mn-ea"/>
-                  <a:cs typeface="+mn-cs"/>
-                </a:defRPr>
-              </a:pPr>
-              <a:endParaRPr lang="en-US"/>
-            </a:p>
-          </c:txPr>
         </c:title>
         <c:numFmt formatCode="&quot;$&quot;#,##0" sourceLinked="0"/>
         <c:majorTickMark val="none"/>
@@ -3909,7 +2706,7 @@
       <a:endParaRPr lang="en-US"/>
     </a:p>
   </c:txPr>
-  <c:externalData r:id="rId4">
+  <c:externalData r:id="rId2">
     <c:autoUpdate val="0"/>
   </c:externalData>
   <c:extLst/>
@@ -3937,12 +2734,12 @@
           <a:lstStyle/>
           <a:p>
             <a:pPr>
-              <a:defRPr sz="1400" b="0" i="0" u="none" strike="noStrike" kern="1200" spc="0" baseline="0">
+              <a:defRPr lang="en-US" sz="1680" b="0" i="0" u="none" strike="noStrike" kern="1200" spc="0" baseline="0">
                 <a:solidFill>
-                  <a:schemeClr val="tx1">
+                  <a:prstClr val="black">
                     <a:lumMod val="65000"/>
                     <a:lumOff val="35000"/>
-                  </a:schemeClr>
+                  </a:prstClr>
                 </a:solidFill>
                 <a:latin typeface="+mn-lt"/>
                 <a:ea typeface="+mn-ea"/>
@@ -3950,22 +2747,28 @@
               </a:defRPr>
             </a:pPr>
             <a:r>
-              <a:rPr lang="en-US" sz="1800" baseline="0">
-                <a:latin typeface="Comic Sans MS" panose="030F0702030302020204" pitchFamily="66" charset="0"/>
+              <a:rPr lang="en-US" sz="1800" b="0" i="0" baseline="0" dirty="0">
+                <a:effectLst/>
               </a:rPr>
-              <a:t>Monthly Cost ($)(Insurance+Lease)</a:t>
+              <a:t>Monthly Cost ($)(Insurance + Lease)</a:t>
             </a:r>
+            <a:endParaRPr lang="en-US" dirty="0">
+              <a:effectLst/>
+            </a:endParaRPr>
           </a:p>
           <a:p>
             <a:pPr>
               <a:defRPr/>
             </a:pPr>
             <a:r>
-              <a:rPr lang="en-US" sz="1800" baseline="0">
-                <a:latin typeface="Comic Sans MS" panose="030F0702030302020204" pitchFamily="66" charset="0"/>
+              <a:rPr lang="en-US" sz="1800" b="0" i="0" baseline="0" dirty="0">
+                <a:effectLst/>
               </a:rPr>
-              <a:t>2018 vs 2019 Projections</a:t>
+              <a:t>2018 vs 2019  Projections</a:t>
             </a:r>
+            <a:endParaRPr lang="en-US" dirty="0">
+              <a:effectLst/>
+            </a:endParaRPr>
           </a:p>
         </c:rich>
       </c:tx>
@@ -3982,12 +2785,12 @@
         <a:lstStyle/>
         <a:p>
           <a:pPr>
-            <a:defRPr sz="1400" b="0" i="0" u="none" strike="noStrike" kern="1200" spc="0" baseline="0">
+            <a:defRPr lang="en-US" sz="1680" b="0" i="0" u="none" strike="noStrike" kern="1200" spc="0" baseline="0">
               <a:solidFill>
-                <a:schemeClr val="tx1">
+                <a:prstClr val="black">
                   <a:lumMod val="65000"/>
                   <a:lumOff val="35000"/>
-                </a:schemeClr>
+                </a:prstClr>
               </a:solidFill>
               <a:latin typeface="+mn-lt"/>
               <a:ea typeface="+mn-ea"/>
@@ -4032,6 +2835,64 @@
             <a:effectLst/>
           </c:spPr>
           <c:invertIfNegative val="0"/>
+          <c:dLbls>
+            <c:spPr>
+              <a:noFill/>
+              <a:ln>
+                <a:noFill/>
+              </a:ln>
+              <a:effectLst/>
+            </c:spPr>
+            <c:txPr>
+              <a:bodyPr rot="0" spcFirstLastPara="1" vertOverflow="ellipsis" vert="horz" wrap="square" lIns="38100" tIns="19050" rIns="38100" bIns="19050" anchor="ctr" anchorCtr="1">
+                <a:spAutoFit/>
+              </a:bodyPr>
+              <a:lstStyle/>
+              <a:p>
+                <a:pPr>
+                  <a:defRPr lang="en-US" sz="1100" b="0" i="0" u="none" strike="noStrike" kern="1200" baseline="0">
+                    <a:solidFill>
+                      <a:prstClr val="black">
+                        <a:lumMod val="65000"/>
+                        <a:lumOff val="35000"/>
+                      </a:prstClr>
+                    </a:solidFill>
+                    <a:latin typeface="+mn-lt"/>
+                    <a:ea typeface="+mn-ea"/>
+                    <a:cs typeface="+mn-cs"/>
+                  </a:defRPr>
+                </a:pPr>
+                <a:endParaRPr lang="en-US"/>
+              </a:p>
+            </c:txPr>
+            <c:dLblPos val="outEnd"/>
+            <c:showLegendKey val="0"/>
+            <c:showVal val="1"/>
+            <c:showCatName val="0"/>
+            <c:showSerName val="0"/>
+            <c:showPercent val="0"/>
+            <c:showBubbleSize val="0"/>
+            <c:showLeaderLines val="0"/>
+            <c:extLst>
+              <c:ext xmlns:c15="http://schemas.microsoft.com/office/drawing/2012/chart" uri="{CE6537A1-D6FC-4f65-9D91-7224C49458BB}">
+                <c15:showLeaderLines val="1"/>
+                <c15:leaderLines>
+                  <c:spPr>
+                    <a:ln w="9525" cap="flat" cmpd="sng" algn="ctr">
+                      <a:solidFill>
+                        <a:schemeClr val="tx1">
+                          <a:lumMod val="35000"/>
+                          <a:lumOff val="65000"/>
+                        </a:schemeClr>
+                      </a:solidFill>
+                      <a:round/>
+                    </a:ln>
+                    <a:effectLst/>
+                  </c:spPr>
+                </c15:leaderLines>
+              </c:ext>
+            </c:extLst>
+          </c:dLbls>
           <c:cat>
             <c:strRef>
               <c:f>'[Capstone Lariat Final Version1.xlsx]Model_strategy_2_Cost'!$C$10:$C$14</c:f>
@@ -4081,7 +2942,7 @@
           </c:val>
           <c:extLst>
             <c:ext xmlns:c16="http://schemas.microsoft.com/office/drawing/2014/chart" uri="{C3380CC4-5D6E-409C-BE32-E72D297353CC}">
-              <c16:uniqueId val="{00000000-AAE0-4A08-A69F-D3ADA1CF63C6}"/>
+              <c16:uniqueId val="{00000000-F265-4FFF-ABF0-FC6EAE749BC5}"/>
             </c:ext>
           </c:extLst>
         </c:ser>
@@ -4109,6 +2970,174 @@
             <a:effectLst/>
           </c:spPr>
           <c:invertIfNegative val="0"/>
+          <c:dLbls>
+            <c:dLbl>
+              <c:idx val="0"/>
+              <c:layout>
+                <c:manualLayout>
+                  <c:x val="2.0531400966183531E-2"/>
+                  <c:y val="-2.9186424957105148E-2"/>
+                </c:manualLayout>
+              </c:layout>
+              <c:dLblPos val="outEnd"/>
+              <c:showLegendKey val="0"/>
+              <c:showVal val="1"/>
+              <c:showCatName val="0"/>
+              <c:showSerName val="0"/>
+              <c:showPercent val="0"/>
+              <c:showBubbleSize val="0"/>
+              <c:extLst>
+                <c:ext xmlns:c15="http://schemas.microsoft.com/office/drawing/2012/chart" uri="{CE6537A1-D6FC-4f65-9D91-7224C49458BB}"/>
+                <c:ext xmlns:c16="http://schemas.microsoft.com/office/drawing/2014/chart" uri="{C3380CC4-5D6E-409C-BE32-E72D297353CC}">
+                  <c16:uniqueId val="{00000004-CA07-4316-BEDC-BCF353B86F98}"/>
+                </c:ext>
+              </c:extLst>
+            </c:dLbl>
+            <c:dLbl>
+              <c:idx val="1"/>
+              <c:layout>
+                <c:manualLayout>
+                  <c:x val="1.0869565217391261E-2"/>
+                  <c:y val="-1.1674569982842112E-2"/>
+                </c:manualLayout>
+              </c:layout>
+              <c:dLblPos val="outEnd"/>
+              <c:showLegendKey val="0"/>
+              <c:showVal val="1"/>
+              <c:showCatName val="0"/>
+              <c:showSerName val="0"/>
+              <c:showPercent val="0"/>
+              <c:showBubbleSize val="0"/>
+              <c:extLst>
+                <c:ext xmlns:c15="http://schemas.microsoft.com/office/drawing/2012/chart" uri="{CE6537A1-D6FC-4f65-9D91-7224C49458BB}"/>
+                <c:ext xmlns:c16="http://schemas.microsoft.com/office/drawing/2014/chart" uri="{C3380CC4-5D6E-409C-BE32-E72D297353CC}">
+                  <c16:uniqueId val="{00000000-CA07-4316-BEDC-BCF353B86F98}"/>
+                </c:ext>
+              </c:extLst>
+            </c:dLbl>
+            <c:dLbl>
+              <c:idx val="2"/>
+              <c:layout>
+                <c:manualLayout>
+                  <c:x val="3.9855072463768029E-2"/>
+                  <c:y val="-2.6267782461394686E-2"/>
+                </c:manualLayout>
+              </c:layout>
+              <c:dLblPos val="outEnd"/>
+              <c:showLegendKey val="0"/>
+              <c:showVal val="1"/>
+              <c:showCatName val="0"/>
+              <c:showSerName val="0"/>
+              <c:showPercent val="0"/>
+              <c:showBubbleSize val="0"/>
+              <c:extLst>
+                <c:ext xmlns:c15="http://schemas.microsoft.com/office/drawing/2012/chart" uri="{CE6537A1-D6FC-4f65-9D91-7224C49458BB}"/>
+                <c:ext xmlns:c16="http://schemas.microsoft.com/office/drawing/2014/chart" uri="{C3380CC4-5D6E-409C-BE32-E72D297353CC}">
+                  <c16:uniqueId val="{00000003-CA07-4316-BEDC-BCF353B86F98}"/>
+                </c:ext>
+              </c:extLst>
+            </c:dLbl>
+            <c:dLbl>
+              <c:idx val="3"/>
+              <c:layout>
+                <c:manualLayout>
+                  <c:x val="2.2946859903381644E-2"/>
+                  <c:y val="-2.6267782461394634E-2"/>
+                </c:manualLayout>
+              </c:layout>
+              <c:dLblPos val="outEnd"/>
+              <c:showLegendKey val="0"/>
+              <c:showVal val="1"/>
+              <c:showCatName val="0"/>
+              <c:showSerName val="0"/>
+              <c:showPercent val="0"/>
+              <c:showBubbleSize val="0"/>
+              <c:extLst>
+                <c:ext xmlns:c15="http://schemas.microsoft.com/office/drawing/2012/chart" uri="{CE6537A1-D6FC-4f65-9D91-7224C49458BB}"/>
+                <c:ext xmlns:c16="http://schemas.microsoft.com/office/drawing/2014/chart" uri="{C3380CC4-5D6E-409C-BE32-E72D297353CC}">
+                  <c16:uniqueId val="{00000002-CA07-4316-BEDC-BCF353B86F98}"/>
+                </c:ext>
+              </c:extLst>
+            </c:dLbl>
+            <c:dLbl>
+              <c:idx val="4"/>
+              <c:layout>
+                <c:manualLayout>
+                  <c:x val="1.3285024154589372E-2"/>
+                  <c:y val="-2.9186424957105148E-2"/>
+                </c:manualLayout>
+              </c:layout>
+              <c:dLblPos val="outEnd"/>
+              <c:showLegendKey val="0"/>
+              <c:showVal val="1"/>
+              <c:showCatName val="0"/>
+              <c:showSerName val="0"/>
+              <c:showPercent val="0"/>
+              <c:showBubbleSize val="0"/>
+              <c:extLst>
+                <c:ext xmlns:c15="http://schemas.microsoft.com/office/drawing/2012/chart" uri="{CE6537A1-D6FC-4f65-9D91-7224C49458BB}"/>
+                <c:ext xmlns:c16="http://schemas.microsoft.com/office/drawing/2014/chart" uri="{C3380CC4-5D6E-409C-BE32-E72D297353CC}">
+                  <c16:uniqueId val="{00000001-CA07-4316-BEDC-BCF353B86F98}"/>
+                </c:ext>
+              </c:extLst>
+            </c:dLbl>
+            <c:spPr>
+              <a:noFill/>
+              <a:ln>
+                <a:noFill/>
+              </a:ln>
+              <a:effectLst/>
+            </c:spPr>
+            <c:txPr>
+              <a:bodyPr rot="0" spcFirstLastPara="1" vertOverflow="ellipsis" vert="horz" wrap="square" lIns="38100" tIns="19050" rIns="38100" bIns="19050" anchor="ctr" anchorCtr="1">
+                <a:spAutoFit/>
+              </a:bodyPr>
+              <a:lstStyle/>
+              <a:p>
+                <a:pPr>
+                  <a:defRPr lang="en-US" sz="1100" b="0" i="0" u="none" strike="noStrike" kern="1200" baseline="0">
+                    <a:solidFill>
+                      <a:prstClr val="black">
+                        <a:lumMod val="65000"/>
+                        <a:lumOff val="35000"/>
+                      </a:prstClr>
+                    </a:solidFill>
+                    <a:latin typeface="+mn-lt"/>
+                    <a:ea typeface="+mn-ea"/>
+                    <a:cs typeface="+mn-cs"/>
+                  </a:defRPr>
+                </a:pPr>
+                <a:endParaRPr lang="en-US"/>
+              </a:p>
+            </c:txPr>
+            <c:dLblPos val="outEnd"/>
+            <c:showLegendKey val="0"/>
+            <c:showVal val="1"/>
+            <c:showCatName val="0"/>
+            <c:showSerName val="0"/>
+            <c:showPercent val="0"/>
+            <c:showBubbleSize val="0"/>
+            <c:showLeaderLines val="0"/>
+            <c:extLst>
+              <c:ext xmlns:c15="http://schemas.microsoft.com/office/drawing/2012/chart" uri="{CE6537A1-D6FC-4f65-9D91-7224C49458BB}">
+                <c15:showLeaderLines val="1"/>
+                <c15:leaderLines>
+                  <c:spPr>
+                    <a:ln w="9525" cap="flat" cmpd="sng" algn="ctr">
+                      <a:solidFill>
+                        <a:schemeClr val="tx1">
+                          <a:lumMod val="35000"/>
+                          <a:lumOff val="65000"/>
+                        </a:schemeClr>
+                      </a:solidFill>
+                      <a:round/>
+                    </a:ln>
+                    <a:effectLst/>
+                  </c:spPr>
+                </c15:leaderLines>
+              </c:ext>
+            </c:extLst>
+          </c:dLbls>
           <c:cat>
             <c:strRef>
               <c:f>'[Capstone Lariat Final Version1.xlsx]Model_strategy_2_Cost'!$C$10:$C$14</c:f>
@@ -4139,32 +3168,33 @@
                 <c:formatCode>"$"#,##0</c:formatCode>
                 <c:ptCount val="5"/>
                 <c:pt idx="0">
-                  <c:v>12175693.5</c:v>
+                  <c:v>9740554.8000000007</c:v>
                 </c:pt>
                 <c:pt idx="1">
-                  <c:v>24120897</c:v>
+                  <c:v>19296717.600000001</c:v>
                 </c:pt>
                 <c:pt idx="2">
-                  <c:v>24060651</c:v>
+                  <c:v>19248520.800000001</c:v>
                 </c:pt>
                 <c:pt idx="3">
-                  <c:v>17882055</c:v>
+                  <c:v>12040583.699999999</c:v>
                 </c:pt>
                 <c:pt idx="4">
-                  <c:v>1006014</c:v>
+                  <c:v>677382.76</c:v>
                 </c:pt>
               </c:numCache>
             </c:numRef>
           </c:val>
           <c:extLst>
             <c:ext xmlns:c16="http://schemas.microsoft.com/office/drawing/2014/chart" uri="{C3380CC4-5D6E-409C-BE32-E72D297353CC}">
-              <c16:uniqueId val="{00000001-AAE0-4A08-A69F-D3ADA1CF63C6}"/>
+              <c16:uniqueId val="{00000001-F265-4FFF-ABF0-FC6EAE749BC5}"/>
             </c:ext>
           </c:extLst>
         </c:ser>
         <c:dLbls>
+          <c:dLblPos val="outEnd"/>
           <c:showLegendKey val="0"/>
-          <c:showVal val="0"/>
+          <c:showVal val="1"/>
           <c:showCatName val="0"/>
           <c:showSerName val="0"/>
           <c:showPercent val="0"/>
@@ -4207,6 +3237,64 @@
                   <a:effectLst/>
                 </c:spPr>
                 <c:invertIfNegative val="0"/>
+                <c:dLbls>
+                  <c:spPr>
+                    <a:noFill/>
+                    <a:ln>
+                      <a:noFill/>
+                    </a:ln>
+                    <a:effectLst/>
+                  </c:spPr>
+                  <c:txPr>
+                    <a:bodyPr rot="0" spcFirstLastPara="1" vertOverflow="ellipsis" vert="horz" wrap="square" lIns="38100" tIns="19050" rIns="38100" bIns="19050" anchor="ctr" anchorCtr="1">
+                      <a:spAutoFit/>
+                    </a:bodyPr>
+                    <a:lstStyle/>
+                    <a:p>
+                      <a:pPr>
+                        <a:defRPr lang="en-US" sz="1400" b="0" i="0" u="none" strike="noStrike" kern="1200" baseline="0">
+                          <a:solidFill>
+                            <a:prstClr val="black">
+                              <a:lumMod val="65000"/>
+                              <a:lumOff val="35000"/>
+                            </a:prstClr>
+                          </a:solidFill>
+                          <a:latin typeface="+mn-lt"/>
+                          <a:ea typeface="+mn-ea"/>
+                          <a:cs typeface="+mn-cs"/>
+                        </a:defRPr>
+                      </a:pPr>
+                      <a:endParaRPr lang="en-US"/>
+                    </a:p>
+                  </c:txPr>
+                  <c:dLblPos val="outEnd"/>
+                  <c:showLegendKey val="0"/>
+                  <c:showVal val="1"/>
+                  <c:showCatName val="0"/>
+                  <c:showSerName val="0"/>
+                  <c:showPercent val="0"/>
+                  <c:showBubbleSize val="0"/>
+                  <c:showLeaderLines val="0"/>
+                  <c:extLst>
+                    <c:ext uri="{CE6537A1-D6FC-4f65-9D91-7224C49458BB}">
+                      <c15:showLeaderLines val="1"/>
+                      <c15:leaderLines>
+                        <c:spPr>
+                          <a:ln w="9525" cap="flat" cmpd="sng" algn="ctr">
+                            <a:solidFill>
+                              <a:schemeClr val="tx1">
+                                <a:lumMod val="35000"/>
+                                <a:lumOff val="65000"/>
+                              </a:schemeClr>
+                            </a:solidFill>
+                            <a:round/>
+                          </a:ln>
+                          <a:effectLst/>
+                        </c:spPr>
+                      </c15:leaderLines>
+                    </c:ext>
+                  </c:extLst>
+                </c:dLbls>
                 <c:cat>
                   <c:strRef>
                     <c:extLst>
@@ -4268,7 +3356,7 @@
                 </c:val>
                 <c:extLst>
                   <c:ext xmlns:c16="http://schemas.microsoft.com/office/drawing/2014/chart" uri="{C3380CC4-5D6E-409C-BE32-E72D297353CC}">
-                    <c16:uniqueId val="{00000002-AAE0-4A08-A69F-D3ADA1CF63C6}"/>
+                    <c16:uniqueId val="{00000002-F265-4FFF-ABF0-FC6EAE749BC5}"/>
                   </c:ext>
                 </c:extLst>
               </c15:ser>
@@ -4289,13 +3377,13 @@
               <a:bodyPr rot="0" spcFirstLastPara="1" vertOverflow="ellipsis" vert="horz" wrap="square" anchor="ctr" anchorCtr="1"/>
               <a:lstStyle/>
               <a:p>
-                <a:pPr>
-                  <a:defRPr sz="1000" b="0" i="0" u="none" strike="noStrike" kern="1200" baseline="0">
+                <a:pPr algn="ctr" rtl="0">
+                  <a:defRPr lang="en-US" sz="1400" b="0" i="0" u="none" strike="noStrike" kern="1200" baseline="0">
                     <a:solidFill>
-                      <a:schemeClr val="tx1">
+                      <a:prstClr val="black">
                         <a:lumMod val="65000"/>
                         <a:lumOff val="35000"/>
-                      </a:schemeClr>
+                      </a:prstClr>
                     </a:solidFill>
                     <a:latin typeface="+mn-lt"/>
                     <a:ea typeface="+mn-ea"/>
@@ -4303,7 +3391,7 @@
                   </a:defRPr>
                 </a:pPr>
                 <a:r>
-                  <a:rPr lang="en-US" sz="2400"/>
+                  <a:rPr lang="en-US" dirty="0"/>
                   <a:t>Monthly Cost ($) Tiers</a:t>
                 </a:r>
               </a:p>
@@ -4321,13 +3409,13 @@
             <a:bodyPr rot="0" spcFirstLastPara="1" vertOverflow="ellipsis" vert="horz" wrap="square" anchor="ctr" anchorCtr="1"/>
             <a:lstStyle/>
             <a:p>
-              <a:pPr>
-                <a:defRPr sz="1000" b="0" i="0" u="none" strike="noStrike" kern="1200" baseline="0">
+              <a:pPr algn="ctr" rtl="0">
+                <a:defRPr lang="en-US" sz="1400" b="0" i="0" u="none" strike="noStrike" kern="1200" baseline="0">
                   <a:solidFill>
-                    <a:schemeClr val="tx1">
+                    <a:prstClr val="black">
                       <a:lumMod val="65000"/>
                       <a:lumOff val="35000"/>
-                    </a:schemeClr>
+                    </a:prstClr>
                   </a:solidFill>
                   <a:latin typeface="+mn-lt"/>
                   <a:ea typeface="+mn-ea"/>
@@ -4360,11 +3448,14 @@
           <a:lstStyle/>
           <a:p>
             <a:pPr>
-              <a:defRPr sz="1600" b="0" i="0" u="none" strike="noStrike" kern="1200" baseline="0">
+              <a:defRPr lang="en-US" sz="1400" b="0" i="0" u="none" strike="noStrike" kern="1200" baseline="0">
                 <a:solidFill>
-                  <a:schemeClr val="tx1"/>
+                  <a:prstClr val="black">
+                    <a:lumMod val="65000"/>
+                    <a:lumOff val="35000"/>
+                  </a:prstClr>
                 </a:solidFill>
-                <a:latin typeface="Comic Sans MS" panose="030F0702030302020204" pitchFamily="66" charset="0"/>
+                <a:latin typeface="+mn-lt"/>
                 <a:ea typeface="+mn-ea"/>
                 <a:cs typeface="+mn-cs"/>
               </a:defRPr>
@@ -4407,12 +3498,12 @@
               <a:lstStyle/>
               <a:p>
                 <a:pPr>
-                  <a:defRPr sz="1000" b="0" i="0" u="none" strike="noStrike" kern="1200" baseline="0">
+                  <a:defRPr lang="en-US" sz="1400" b="0" i="0" u="none" strike="noStrike" kern="1200" baseline="0">
                     <a:solidFill>
-                      <a:schemeClr val="tx1">
+                      <a:prstClr val="black">
                         <a:lumMod val="65000"/>
                         <a:lumOff val="35000"/>
-                      </a:schemeClr>
+                      </a:prstClr>
                     </a:solidFill>
                     <a:latin typeface="+mn-lt"/>
                     <a:ea typeface="+mn-ea"/>
@@ -4420,9 +3511,7 @@
                   </a:defRPr>
                 </a:pPr>
                 <a:r>
-                  <a:rPr lang="en-US" sz="2400">
-                    <a:latin typeface="Comic Sans MS" panose="030F0702030302020204" pitchFamily="66" charset="0"/>
-                  </a:rPr>
+                  <a:rPr lang="en-US" dirty="0"/>
                   <a:t>Gross Revenue ($)</a:t>
                 </a:r>
               </a:p>
@@ -4441,12 +3530,12 @@
             <a:lstStyle/>
             <a:p>
               <a:pPr>
-                <a:defRPr sz="1000" b="0" i="0" u="none" strike="noStrike" kern="1200" baseline="0">
+                <a:defRPr lang="en-US" sz="1400" b="0" i="0" u="none" strike="noStrike" kern="1200" baseline="0">
                   <a:solidFill>
-                    <a:schemeClr val="tx1">
+                    <a:prstClr val="black">
                       <a:lumMod val="65000"/>
                       <a:lumOff val="35000"/>
-                    </a:schemeClr>
+                    </a:prstClr>
                   </a:solidFill>
                   <a:latin typeface="+mn-lt"/>
                   <a:ea typeface="+mn-ea"/>
@@ -4473,12 +3562,12 @@
           <a:lstStyle/>
           <a:p>
             <a:pPr>
-              <a:defRPr sz="900" b="0" i="0" u="none" strike="noStrike" kern="1200" baseline="0">
+              <a:defRPr lang="en-US" sz="1400" b="0" i="0" u="none" strike="noStrike" kern="1200" baseline="0">
                 <a:solidFill>
-                  <a:schemeClr val="tx1">
+                  <a:prstClr val="black">
                     <a:lumMod val="65000"/>
                     <a:lumOff val="35000"/>
-                  </a:schemeClr>
+                  </a:prstClr>
                 </a:solidFill>
                 <a:latin typeface="+mn-lt"/>
                 <a:ea typeface="+mn-ea"/>
@@ -4502,6 +3591,16 @@
     </c:plotArea>
     <c:legend>
       <c:legendPos val="t"/>
+      <c:layout>
+        <c:manualLayout>
+          <c:xMode val="edge"/>
+          <c:yMode val="edge"/>
+          <c:x val="0.28995948875955724"/>
+          <c:y val="0.1657988876065247"/>
+          <c:w val="0.55035100232036227"/>
+          <c:h val="7.1136510195254882E-2"/>
+        </c:manualLayout>
+      </c:layout>
       <c:overlay val="0"/>
       <c:spPr>
         <a:noFill/>
@@ -4515,11 +3614,14 @@
         <a:lstStyle/>
         <a:p>
           <a:pPr>
-            <a:defRPr sz="1400" b="0" i="0" u="none" strike="noStrike" kern="1200" baseline="0">
+            <a:defRPr lang="en-US" sz="1600" b="0" i="0" u="none" strike="noStrike" kern="1200" baseline="0">
               <a:solidFill>
-                <a:schemeClr val="tx1"/>
+                <a:prstClr val="black">
+                  <a:lumMod val="65000"/>
+                  <a:lumOff val="35000"/>
+                </a:prstClr>
               </a:solidFill>
-              <a:latin typeface="Comic Sans MS" panose="030F0702030302020204" pitchFamily="66" charset="0"/>
+              <a:latin typeface="+mn-lt"/>
               <a:ea typeface="+mn-ea"/>
               <a:cs typeface="+mn-cs"/>
             </a:defRPr>
@@ -4550,8 +3652,18 @@
     <a:bodyPr/>
     <a:lstStyle/>
     <a:p>
-      <a:pPr>
-        <a:defRPr/>
+      <a:pPr algn="ctr" rtl="0">
+        <a:defRPr lang="en-US" sz="1400" b="0" i="0" u="none" strike="noStrike" kern="1200" baseline="0">
+          <a:solidFill>
+            <a:prstClr val="black">
+              <a:lumMod val="65000"/>
+              <a:lumOff val="35000"/>
+            </a:prstClr>
+          </a:solidFill>
+          <a:latin typeface="+mn-lt"/>
+          <a:ea typeface="+mn-ea"/>
+          <a:cs typeface="+mn-cs"/>
+        </a:defRPr>
       </a:pPr>
       <a:endParaRPr lang="en-US"/>
     </a:p>
@@ -5229,46 +4341,6 @@
 </file>
 
 <file path=ppt/charts/colors2.xml><?xml version="1.0" encoding="utf-8"?>
-<cs:colorStyle xmlns:cs="http://schemas.microsoft.com/office/drawing/2012/chartStyle" xmlns:a="http://schemas.openxmlformats.org/drawingml/2006/main" meth="cycle" id="10">
-  <a:schemeClr val="accent1"/>
-  <a:schemeClr val="accent2"/>
-  <a:schemeClr val="accent3"/>
-  <a:schemeClr val="accent4"/>
-  <a:schemeClr val="accent5"/>
-  <a:schemeClr val="accent6"/>
-  <cs:variation/>
-  <cs:variation>
-    <a:lumMod val="60000"/>
-  </cs:variation>
-  <cs:variation>
-    <a:lumMod val="80000"/>
-    <a:lumOff val="20000"/>
-  </cs:variation>
-  <cs:variation>
-    <a:lumMod val="80000"/>
-  </cs:variation>
-  <cs:variation>
-    <a:lumMod val="60000"/>
-    <a:lumOff val="40000"/>
-  </cs:variation>
-  <cs:variation>
-    <a:lumMod val="50000"/>
-  </cs:variation>
-  <cs:variation>
-    <a:lumMod val="70000"/>
-    <a:lumOff val="30000"/>
-  </cs:variation>
-  <cs:variation>
-    <a:lumMod val="70000"/>
-  </cs:variation>
-  <cs:variation>
-    <a:lumMod val="50000"/>
-    <a:lumOff val="50000"/>
-  </cs:variation>
-</cs:colorStyle>
-</file>
-
-<file path=ppt/charts/colors3.xml><?xml version="1.0" encoding="utf-8"?>
 <cs:colorStyle xmlns:cs="http://schemas.microsoft.com/office/drawing/2012/chartStyle" xmlns:a="http://schemas.openxmlformats.org/drawingml/2006/main" meth="acrossLinear" id="2">
   <a:schemeClr val="accent1"/>
   <a:schemeClr val="accent2"/>
@@ -5783,509 +4855,6 @@
 </file>
 
 <file path=ppt/charts/style2.xml><?xml version="1.0" encoding="utf-8"?>
-<cs:chartStyle xmlns:cs="http://schemas.microsoft.com/office/drawing/2012/chartStyle" xmlns:a="http://schemas.openxmlformats.org/drawingml/2006/main" id="201">
-  <cs:axisTitle>
-    <cs:lnRef idx="0"/>
-    <cs:fillRef idx="0"/>
-    <cs:effectRef idx="0"/>
-    <cs:fontRef idx="minor">
-      <a:schemeClr val="tx1">
-        <a:lumMod val="65000"/>
-        <a:lumOff val="35000"/>
-      </a:schemeClr>
-    </cs:fontRef>
-    <cs:defRPr sz="1000" kern="1200"/>
-  </cs:axisTitle>
-  <cs:categoryAxis>
-    <cs:lnRef idx="0"/>
-    <cs:fillRef idx="0"/>
-    <cs:effectRef idx="0"/>
-    <cs:fontRef idx="minor">
-      <a:schemeClr val="tx1">
-        <a:lumMod val="65000"/>
-        <a:lumOff val="35000"/>
-      </a:schemeClr>
-    </cs:fontRef>
-    <cs:spPr>
-      <a:ln w="9525" cap="flat" cmpd="sng" algn="ctr">
-        <a:solidFill>
-          <a:schemeClr val="tx1">
-            <a:lumMod val="15000"/>
-            <a:lumOff val="85000"/>
-          </a:schemeClr>
-        </a:solidFill>
-        <a:round/>
-      </a:ln>
-    </cs:spPr>
-    <cs:defRPr sz="900" kern="1200"/>
-  </cs:categoryAxis>
-  <cs:chartArea mods="allowNoFillOverride allowNoLineOverride">
-    <cs:lnRef idx="0"/>
-    <cs:fillRef idx="0"/>
-    <cs:effectRef idx="0"/>
-    <cs:fontRef idx="minor">
-      <a:schemeClr val="tx1"/>
-    </cs:fontRef>
-    <cs:spPr>
-      <a:solidFill>
-        <a:schemeClr val="bg1"/>
-      </a:solidFill>
-      <a:ln w="9525" cap="flat" cmpd="sng" algn="ctr">
-        <a:solidFill>
-          <a:schemeClr val="tx1">
-            <a:lumMod val="15000"/>
-            <a:lumOff val="85000"/>
-          </a:schemeClr>
-        </a:solidFill>
-        <a:round/>
-      </a:ln>
-    </cs:spPr>
-    <cs:defRPr sz="1000" kern="1200"/>
-  </cs:chartArea>
-  <cs:dataLabel>
-    <cs:lnRef idx="0"/>
-    <cs:fillRef idx="0"/>
-    <cs:effectRef idx="0"/>
-    <cs:fontRef idx="minor">
-      <a:schemeClr val="tx1">
-        <a:lumMod val="75000"/>
-        <a:lumOff val="25000"/>
-      </a:schemeClr>
-    </cs:fontRef>
-    <cs:defRPr sz="900" kern="1200"/>
-  </cs:dataLabel>
-  <cs:dataLabelCallout>
-    <cs:lnRef idx="0"/>
-    <cs:fillRef idx="0"/>
-    <cs:effectRef idx="0"/>
-    <cs:fontRef idx="minor">
-      <a:schemeClr val="dk1">
-        <a:lumMod val="65000"/>
-        <a:lumOff val="35000"/>
-      </a:schemeClr>
-    </cs:fontRef>
-    <cs:spPr>
-      <a:solidFill>
-        <a:schemeClr val="lt1"/>
-      </a:solidFill>
-      <a:ln>
-        <a:solidFill>
-          <a:schemeClr val="dk1">
-            <a:lumMod val="25000"/>
-            <a:lumOff val="75000"/>
-          </a:schemeClr>
-        </a:solidFill>
-      </a:ln>
-    </cs:spPr>
-    <cs:defRPr sz="900" kern="1200"/>
-    <cs:bodyPr rot="0" spcFirstLastPara="1" vertOverflow="clip" horzOverflow="clip" vert="horz" wrap="square" lIns="36576" tIns="18288" rIns="36576" bIns="18288" anchor="ctr" anchorCtr="1">
-      <a:spAutoFit/>
-    </cs:bodyPr>
-  </cs:dataLabelCallout>
-  <cs:dataPoint>
-    <cs:lnRef idx="0"/>
-    <cs:fillRef idx="1">
-      <cs:styleClr val="auto"/>
-    </cs:fillRef>
-    <cs:effectRef idx="0"/>
-    <cs:fontRef idx="minor">
-      <a:schemeClr val="tx1"/>
-    </cs:fontRef>
-  </cs:dataPoint>
-  <cs:dataPoint3D>
-    <cs:lnRef idx="0"/>
-    <cs:fillRef idx="1">
-      <cs:styleClr val="auto"/>
-    </cs:fillRef>
-    <cs:effectRef idx="0"/>
-    <cs:fontRef idx="minor">
-      <a:schemeClr val="tx1"/>
-    </cs:fontRef>
-  </cs:dataPoint3D>
-  <cs:dataPointLine>
-    <cs:lnRef idx="0">
-      <cs:styleClr val="auto"/>
-    </cs:lnRef>
-    <cs:fillRef idx="1"/>
-    <cs:effectRef idx="0"/>
-    <cs:fontRef idx="minor">
-      <a:schemeClr val="tx1"/>
-    </cs:fontRef>
-    <cs:spPr>
-      <a:ln w="28575" cap="rnd">
-        <a:solidFill>
-          <a:schemeClr val="phClr"/>
-        </a:solidFill>
-        <a:round/>
-      </a:ln>
-    </cs:spPr>
-  </cs:dataPointLine>
-  <cs:dataPointMarker>
-    <cs:lnRef idx="0">
-      <cs:styleClr val="auto"/>
-    </cs:lnRef>
-    <cs:fillRef idx="1">
-      <cs:styleClr val="auto"/>
-    </cs:fillRef>
-    <cs:effectRef idx="0"/>
-    <cs:fontRef idx="minor">
-      <a:schemeClr val="tx1"/>
-    </cs:fontRef>
-    <cs:spPr>
-      <a:ln w="9525">
-        <a:solidFill>
-          <a:schemeClr val="phClr"/>
-        </a:solidFill>
-      </a:ln>
-    </cs:spPr>
-  </cs:dataPointMarker>
-  <cs:dataPointMarkerLayout symbol="circle" size="5"/>
-  <cs:dataPointWireframe>
-    <cs:lnRef idx="0">
-      <cs:styleClr val="auto"/>
-    </cs:lnRef>
-    <cs:fillRef idx="1"/>
-    <cs:effectRef idx="0"/>
-    <cs:fontRef idx="minor">
-      <a:schemeClr val="tx1"/>
-    </cs:fontRef>
-    <cs:spPr>
-      <a:ln w="9525" cap="rnd">
-        <a:solidFill>
-          <a:schemeClr val="phClr"/>
-        </a:solidFill>
-        <a:round/>
-      </a:ln>
-    </cs:spPr>
-  </cs:dataPointWireframe>
-  <cs:dataTable>
-    <cs:lnRef idx="0"/>
-    <cs:fillRef idx="0"/>
-    <cs:effectRef idx="0"/>
-    <cs:fontRef idx="minor">
-      <a:schemeClr val="tx1">
-        <a:lumMod val="65000"/>
-        <a:lumOff val="35000"/>
-      </a:schemeClr>
-    </cs:fontRef>
-    <cs:spPr>
-      <a:noFill/>
-      <a:ln w="9525" cap="flat" cmpd="sng" algn="ctr">
-        <a:solidFill>
-          <a:schemeClr val="tx1">
-            <a:lumMod val="15000"/>
-            <a:lumOff val="85000"/>
-          </a:schemeClr>
-        </a:solidFill>
-        <a:round/>
-      </a:ln>
-    </cs:spPr>
-    <cs:defRPr sz="900" kern="1200"/>
-  </cs:dataTable>
-  <cs:downBar>
-    <cs:lnRef idx="0"/>
-    <cs:fillRef idx="0"/>
-    <cs:effectRef idx="0"/>
-    <cs:fontRef idx="minor">
-      <a:schemeClr val="dk1"/>
-    </cs:fontRef>
-    <cs:spPr>
-      <a:solidFill>
-        <a:schemeClr val="dk1">
-          <a:lumMod val="65000"/>
-          <a:lumOff val="35000"/>
-        </a:schemeClr>
-      </a:solidFill>
-      <a:ln w="9525">
-        <a:solidFill>
-          <a:schemeClr val="tx1">
-            <a:lumMod val="65000"/>
-            <a:lumOff val="35000"/>
-          </a:schemeClr>
-        </a:solidFill>
-      </a:ln>
-    </cs:spPr>
-  </cs:downBar>
-  <cs:dropLine>
-    <cs:lnRef idx="0"/>
-    <cs:fillRef idx="0"/>
-    <cs:effectRef idx="0"/>
-    <cs:fontRef idx="minor">
-      <a:schemeClr val="tx1"/>
-    </cs:fontRef>
-    <cs:spPr>
-      <a:ln w="9525" cap="flat" cmpd="sng" algn="ctr">
-        <a:solidFill>
-          <a:schemeClr val="tx1">
-            <a:lumMod val="35000"/>
-            <a:lumOff val="65000"/>
-          </a:schemeClr>
-        </a:solidFill>
-        <a:round/>
-      </a:ln>
-    </cs:spPr>
-  </cs:dropLine>
-  <cs:errorBar>
-    <cs:lnRef idx="0"/>
-    <cs:fillRef idx="0"/>
-    <cs:effectRef idx="0"/>
-    <cs:fontRef idx="minor">
-      <a:schemeClr val="tx1"/>
-    </cs:fontRef>
-    <cs:spPr>
-      <a:ln w="9525" cap="flat" cmpd="sng" algn="ctr">
-        <a:solidFill>
-          <a:schemeClr val="tx1">
-            <a:lumMod val="65000"/>
-            <a:lumOff val="35000"/>
-          </a:schemeClr>
-        </a:solidFill>
-        <a:round/>
-      </a:ln>
-    </cs:spPr>
-  </cs:errorBar>
-  <cs:floor>
-    <cs:lnRef idx="0"/>
-    <cs:fillRef idx="0"/>
-    <cs:effectRef idx="0"/>
-    <cs:fontRef idx="minor">
-      <a:schemeClr val="tx1"/>
-    </cs:fontRef>
-    <cs:spPr>
-      <a:noFill/>
-      <a:ln>
-        <a:noFill/>
-      </a:ln>
-    </cs:spPr>
-  </cs:floor>
-  <cs:gridlineMajor>
-    <cs:lnRef idx="0"/>
-    <cs:fillRef idx="0"/>
-    <cs:effectRef idx="0"/>
-    <cs:fontRef idx="minor">
-      <a:schemeClr val="tx1"/>
-    </cs:fontRef>
-    <cs:spPr>
-      <a:ln w="9525" cap="flat" cmpd="sng" algn="ctr">
-        <a:solidFill>
-          <a:schemeClr val="tx1">
-            <a:lumMod val="15000"/>
-            <a:lumOff val="85000"/>
-          </a:schemeClr>
-        </a:solidFill>
-        <a:round/>
-      </a:ln>
-    </cs:spPr>
-  </cs:gridlineMajor>
-  <cs:gridlineMinor>
-    <cs:lnRef idx="0"/>
-    <cs:fillRef idx="0"/>
-    <cs:effectRef idx="0"/>
-    <cs:fontRef idx="minor">
-      <a:schemeClr val="tx1"/>
-    </cs:fontRef>
-    <cs:spPr>
-      <a:ln w="9525" cap="flat" cmpd="sng" algn="ctr">
-        <a:solidFill>
-          <a:schemeClr val="tx1">
-            <a:lumMod val="5000"/>
-            <a:lumOff val="95000"/>
-          </a:schemeClr>
-        </a:solidFill>
-        <a:round/>
-      </a:ln>
-    </cs:spPr>
-  </cs:gridlineMinor>
-  <cs:hiLoLine>
-    <cs:lnRef idx="0"/>
-    <cs:fillRef idx="0"/>
-    <cs:effectRef idx="0"/>
-    <cs:fontRef idx="minor">
-      <a:schemeClr val="tx1"/>
-    </cs:fontRef>
-    <cs:spPr>
-      <a:ln w="9525" cap="flat" cmpd="sng" algn="ctr">
-        <a:solidFill>
-          <a:schemeClr val="tx1">
-            <a:lumMod val="75000"/>
-            <a:lumOff val="25000"/>
-          </a:schemeClr>
-        </a:solidFill>
-        <a:round/>
-      </a:ln>
-    </cs:spPr>
-  </cs:hiLoLine>
-  <cs:leaderLine>
-    <cs:lnRef idx="0"/>
-    <cs:fillRef idx="0"/>
-    <cs:effectRef idx="0"/>
-    <cs:fontRef idx="minor">
-      <a:schemeClr val="tx1"/>
-    </cs:fontRef>
-    <cs:spPr>
-      <a:ln w="9525" cap="flat" cmpd="sng" algn="ctr">
-        <a:solidFill>
-          <a:schemeClr val="tx1">
-            <a:lumMod val="35000"/>
-            <a:lumOff val="65000"/>
-          </a:schemeClr>
-        </a:solidFill>
-        <a:round/>
-      </a:ln>
-    </cs:spPr>
-  </cs:leaderLine>
-  <cs:legend>
-    <cs:lnRef idx="0"/>
-    <cs:fillRef idx="0"/>
-    <cs:effectRef idx="0"/>
-    <cs:fontRef idx="minor">
-      <a:schemeClr val="tx1">
-        <a:lumMod val="65000"/>
-        <a:lumOff val="35000"/>
-      </a:schemeClr>
-    </cs:fontRef>
-    <cs:defRPr sz="900" kern="1200"/>
-  </cs:legend>
-  <cs:plotArea mods="allowNoFillOverride allowNoLineOverride">
-    <cs:lnRef idx="0"/>
-    <cs:fillRef idx="0"/>
-    <cs:effectRef idx="0"/>
-    <cs:fontRef idx="minor">
-      <a:schemeClr val="tx1"/>
-    </cs:fontRef>
-  </cs:plotArea>
-  <cs:plotArea3D mods="allowNoFillOverride allowNoLineOverride">
-    <cs:lnRef idx="0"/>
-    <cs:fillRef idx="0"/>
-    <cs:effectRef idx="0"/>
-    <cs:fontRef idx="minor">
-      <a:schemeClr val="tx1"/>
-    </cs:fontRef>
-  </cs:plotArea3D>
-  <cs:seriesAxis>
-    <cs:lnRef idx="0"/>
-    <cs:fillRef idx="0"/>
-    <cs:effectRef idx="0"/>
-    <cs:fontRef idx="minor">
-      <a:schemeClr val="tx1">
-        <a:lumMod val="65000"/>
-        <a:lumOff val="35000"/>
-      </a:schemeClr>
-    </cs:fontRef>
-    <cs:defRPr sz="900" kern="1200"/>
-  </cs:seriesAxis>
-  <cs:seriesLine>
-    <cs:lnRef idx="0"/>
-    <cs:fillRef idx="0"/>
-    <cs:effectRef idx="0"/>
-    <cs:fontRef idx="minor">
-      <a:schemeClr val="tx1"/>
-    </cs:fontRef>
-    <cs:spPr>
-      <a:ln w="9525" cap="flat" cmpd="sng" algn="ctr">
-        <a:solidFill>
-          <a:schemeClr val="tx1">
-            <a:lumMod val="35000"/>
-            <a:lumOff val="65000"/>
-          </a:schemeClr>
-        </a:solidFill>
-        <a:round/>
-      </a:ln>
-    </cs:spPr>
-  </cs:seriesLine>
-  <cs:title>
-    <cs:lnRef idx="0"/>
-    <cs:fillRef idx="0"/>
-    <cs:effectRef idx="0"/>
-    <cs:fontRef idx="minor">
-      <a:schemeClr val="tx1">
-        <a:lumMod val="65000"/>
-        <a:lumOff val="35000"/>
-      </a:schemeClr>
-    </cs:fontRef>
-    <cs:defRPr sz="1400" b="0" kern="1200" spc="0" baseline="0"/>
-  </cs:title>
-  <cs:trendline>
-    <cs:lnRef idx="0">
-      <cs:styleClr val="auto"/>
-    </cs:lnRef>
-    <cs:fillRef idx="0"/>
-    <cs:effectRef idx="0"/>
-    <cs:fontRef idx="minor">
-      <a:schemeClr val="tx1"/>
-    </cs:fontRef>
-    <cs:spPr>
-      <a:ln w="19050" cap="rnd">
-        <a:solidFill>
-          <a:schemeClr val="phClr"/>
-        </a:solidFill>
-        <a:prstDash val="sysDot"/>
-      </a:ln>
-    </cs:spPr>
-  </cs:trendline>
-  <cs:trendlineLabel>
-    <cs:lnRef idx="0"/>
-    <cs:fillRef idx="0"/>
-    <cs:effectRef idx="0"/>
-    <cs:fontRef idx="minor">
-      <a:schemeClr val="tx1">
-        <a:lumMod val="65000"/>
-        <a:lumOff val="35000"/>
-      </a:schemeClr>
-    </cs:fontRef>
-    <cs:defRPr sz="900" kern="1200"/>
-  </cs:trendlineLabel>
-  <cs:upBar>
-    <cs:lnRef idx="0"/>
-    <cs:fillRef idx="0"/>
-    <cs:effectRef idx="0"/>
-    <cs:fontRef idx="minor">
-      <a:schemeClr val="dk1"/>
-    </cs:fontRef>
-    <cs:spPr>
-      <a:solidFill>
-        <a:schemeClr val="lt1"/>
-      </a:solidFill>
-      <a:ln w="9525">
-        <a:solidFill>
-          <a:schemeClr val="tx1">
-            <a:lumMod val="15000"/>
-            <a:lumOff val="85000"/>
-          </a:schemeClr>
-        </a:solidFill>
-      </a:ln>
-    </cs:spPr>
-  </cs:upBar>
-  <cs:valueAxis>
-    <cs:lnRef idx="0"/>
-    <cs:fillRef idx="0"/>
-    <cs:effectRef idx="0"/>
-    <cs:fontRef idx="minor">
-      <a:schemeClr val="tx1">
-        <a:lumMod val="65000"/>
-        <a:lumOff val="35000"/>
-      </a:schemeClr>
-    </cs:fontRef>
-    <cs:defRPr sz="900" kern="1200"/>
-  </cs:valueAxis>
-  <cs:wall>
-    <cs:lnRef idx="0"/>
-    <cs:fillRef idx="0"/>
-    <cs:effectRef idx="0"/>
-    <cs:fontRef idx="minor">
-      <a:schemeClr val="tx1"/>
-    </cs:fontRef>
-    <cs:spPr>
-      <a:noFill/>
-      <a:ln>
-        <a:noFill/>
-      </a:ln>
-    </cs:spPr>
-  </cs:wall>
-</cs:chartStyle>
-</file>
-
-<file path=ppt/charts/style3.xml><?xml version="1.0" encoding="utf-8"?>
 <cs:chartStyle xmlns:cs="http://schemas.microsoft.com/office/drawing/2012/chartStyle" xmlns:a="http://schemas.openxmlformats.org/drawingml/2006/main" id="227">
   <cs:axisTitle>
     <cs:lnRef idx="0"/>
@@ -6850,7 +5419,7 @@
             </a:lvl1pPr>
           </a:lstStyle>
           <a:p>
-            <a:endParaRPr lang="en-US"/>
+            <a:endParaRPr lang="en-US" dirty="0"/>
           </a:p>
         </p:txBody>
       </p:sp>
@@ -6885,7 +5454,7 @@
               <a:rPr lang="en-US" smtClean="0"/>
               <a:t>2/10/2021</a:t>
             </a:fld>
-            <a:endParaRPr lang="en-US"/>
+            <a:endParaRPr lang="en-US" dirty="0"/>
           </a:p>
         </p:txBody>
       </p:sp>
@@ -6918,7 +5487,7 @@
           <a:bodyPr vert="horz" lIns="91440" tIns="45720" rIns="91440" bIns="45720" rtlCol="0" anchor="ctr"/>
           <a:lstStyle/>
           <a:p>
-            <a:endParaRPr lang="en-US"/>
+            <a:endParaRPr lang="en-US" dirty="0"/>
           </a:p>
         </p:txBody>
       </p:sp>
@@ -7008,7 +5577,7 @@
             </a:lvl1pPr>
           </a:lstStyle>
           <a:p>
-            <a:endParaRPr lang="en-US"/>
+            <a:endParaRPr lang="en-US" dirty="0"/>
           </a:p>
         </p:txBody>
       </p:sp>
@@ -7043,7 +5612,7 @@
               <a:rPr lang="en-US" smtClean="0"/>
               <a:t>‹#›</a:t>
             </a:fld>
-            <a:endParaRPr lang="en-US"/>
+            <a:endParaRPr lang="en-US" dirty="0"/>
           </a:p>
         </p:txBody>
       </p:sp>
@@ -7293,7 +5862,7 @@
               <a:rPr lang="en-US" smtClean="0"/>
               <a:t>2</a:t>
             </a:fld>
-            <a:endParaRPr lang="en-US"/>
+            <a:endParaRPr lang="en-US" dirty="0"/>
           </a:p>
         </p:txBody>
       </p:sp>
@@ -7365,13 +5934,8 @@
           <a:p>
             <a:r>
               <a:rPr lang="en-US" dirty="0"/>
-              <a:t>The initial thought was car with higher monthly cost would correlate to higher average daily rent prices however  X% of cars in the above 775 were being rented out in the </a:t>
+              <a:t>The initial thought was car with higher monthly cost would correlate to higher average daily rent prices however  X% of cars in the above 775 were being rented out </a:t>
             </a:r>
-            <a:r>
-              <a:rPr lang="en-US" dirty="0" err="1"/>
-              <a:t>lowe</a:t>
-            </a:r>
-            <a:endParaRPr lang="en-US" dirty="0"/>
           </a:p>
           <a:p>
             <a:pPr marL="0" marR="0" lvl="0" indent="0" algn="l" defTabSz="914400" rtl="0" eaLnBrk="1" fontAlgn="auto" latinLnBrk="0" hangingPunct="1">
@@ -7403,6 +5967,10 @@
             </a:r>
           </a:p>
           <a:p>
+            <a:r>
+              <a:rPr lang="en-US"/>
+              <a:t>egdoug@gmail.com</a:t>
+            </a:r>
             <a:endParaRPr lang="en-US" dirty="0"/>
           </a:p>
         </p:txBody>
@@ -7426,7 +5994,7 @@
               <a:rPr lang="en-US" smtClean="0"/>
               <a:t>3</a:t>
             </a:fld>
-            <a:endParaRPr lang="en-US"/>
+            <a:endParaRPr lang="en-US" dirty="0"/>
           </a:p>
         </p:txBody>
       </p:sp>
@@ -7517,12 +6085,8 @@
           </a:p>
           <a:p>
             <a:r>
-              <a:rPr lang="en-US" dirty="0" err="1"/>
-              <a:t>ition</a:t>
-            </a:r>
-            <a:r>
               <a:rPr lang="en-US" dirty="0"/>
-              <a:t> of most profitable cars. </a:t>
+              <a:t>Increase most profitable cars. </a:t>
             </a:r>
           </a:p>
         </p:txBody>
@@ -7546,7 +6110,7 @@
               <a:rPr lang="en-US" smtClean="0"/>
               <a:t>4</a:t>
             </a:fld>
-            <a:endParaRPr lang="en-US"/>
+            <a:endParaRPr lang="en-US" dirty="0"/>
           </a:p>
         </p:txBody>
       </p:sp>
@@ -7607,6 +6171,66 @@
           <a:bodyPr/>
           <a:lstStyle/>
           <a:p>
+            <a:r>
+              <a:rPr lang="en-US" dirty="0"/>
+              <a:t>Cutting cost was our  first objective so taking a</a:t>
+            </a:r>
+          </a:p>
+          <a:p>
+            <a:r>
+              <a:rPr lang="en-US" dirty="0"/>
+              <a:t>20%</a:t>
+            </a:r>
+          </a:p>
+          <a:p>
+            <a:r>
+              <a:rPr lang="en-US" dirty="0"/>
+              <a:t>20%.</a:t>
+            </a:r>
+          </a:p>
+          <a:p>
+            <a:r>
+              <a:rPr lang="en-US" dirty="0"/>
+              <a:t>20%</a:t>
+            </a:r>
+          </a:p>
+          <a:p>
+            <a:r>
+              <a:rPr lang="en-US" dirty="0"/>
+              <a:t>1%</a:t>
+            </a:r>
+          </a:p>
+          <a:p>
+            <a:r>
+              <a:rPr lang="en-US" dirty="0"/>
+              <a:t>1%</a:t>
+            </a:r>
+          </a:p>
+          <a:p>
+            <a:r>
+              <a:rPr lang="en-US" dirty="0"/>
+              <a:t>Vehicles on lot	 4,963 </a:t>
+            </a:r>
+          </a:p>
+          <a:p>
+            <a:r>
+              <a:rPr lang="en-US" dirty="0"/>
+              <a:t>Gross Revenue	$61,003,760</a:t>
+            </a:r>
+          </a:p>
+          <a:p>
+            <a:r>
+              <a:rPr lang="en-US" dirty="0"/>
+              <a:t>Cost	$23,498,721</a:t>
+            </a:r>
+          </a:p>
+          <a:p>
+            <a:r>
+              <a:rPr lang="en-US" dirty="0"/>
+              <a:t>Profit	$37,505,039</a:t>
+            </a:r>
+          </a:p>
+          <a:p>
             <a:endParaRPr lang="en-US" dirty="0"/>
           </a:p>
         </p:txBody>
@@ -7628,16 +6252,16 @@
           <a:p>
             <a:fld id="{4D671FB6-5A3C-4AA6-817B-BB47203946BE}" type="slidenum">
               <a:rPr lang="en-US" smtClean="0"/>
-              <a:t>6</a:t>
+              <a:t>5</a:t>
             </a:fld>
-            <a:endParaRPr lang="en-US"/>
+            <a:endParaRPr lang="en-US" dirty="0"/>
           </a:p>
         </p:txBody>
       </p:sp>
     </p:spTree>
     <p:extLst>
       <p:ext uri="{BB962C8B-B14F-4D97-AF65-F5344CB8AC3E}">
-        <p14:creationId xmlns:p14="http://schemas.microsoft.com/office/powerpoint/2010/main" val="3943498228"/>
+        <p14:creationId xmlns:p14="http://schemas.microsoft.com/office/powerpoint/2010/main" val="630217196"/>
       </p:ext>
     </p:extLst>
   </p:cSld>
@@ -7712,9 +6336,93 @@
           <a:p>
             <a:fld id="{4D671FB6-5A3C-4AA6-817B-BB47203946BE}" type="slidenum">
               <a:rPr lang="en-US" smtClean="0"/>
+              <a:t>6</a:t>
+            </a:fld>
+            <a:endParaRPr lang="en-US" dirty="0"/>
+          </a:p>
+        </p:txBody>
+      </p:sp>
+    </p:spTree>
+    <p:extLst>
+      <p:ext uri="{BB962C8B-B14F-4D97-AF65-F5344CB8AC3E}">
+        <p14:creationId xmlns:p14="http://schemas.microsoft.com/office/powerpoint/2010/main" val="3943498228"/>
+      </p:ext>
+    </p:extLst>
+  </p:cSld>
+  <p:clrMapOvr>
+    <a:masterClrMapping/>
+  </p:clrMapOvr>
+</p:notes>
+</file>
+
+<file path=ppt/notesSlides/notesSlide6.xml><?xml version="1.0" encoding="utf-8"?>
+<p:notes xmlns:a="http://schemas.openxmlformats.org/drawingml/2006/main" xmlns:r="http://schemas.openxmlformats.org/officeDocument/2006/relationships" xmlns:p="http://schemas.openxmlformats.org/presentationml/2006/main">
+  <p:cSld>
+    <p:spTree>
+      <p:nvGrpSpPr>
+        <p:cNvPr id="1" name=""/>
+        <p:cNvGrpSpPr/>
+        <p:nvPr/>
+      </p:nvGrpSpPr>
+      <p:grpSpPr>
+        <a:xfrm>
+          <a:off x="0" y="0"/>
+          <a:ext cx="0" cy="0"/>
+          <a:chOff x="0" y="0"/>
+          <a:chExt cx="0" cy="0"/>
+        </a:xfrm>
+      </p:grpSpPr>
+      <p:sp>
+        <p:nvSpPr>
+          <p:cNvPr id="2" name="Slide Image Placeholder 1"/>
+          <p:cNvSpPr>
+            <a:spLocks noGrp="1" noRot="1" noChangeAspect="1"/>
+          </p:cNvSpPr>
+          <p:nvPr>
+            <p:ph type="sldImg"/>
+          </p:nvPr>
+        </p:nvSpPr>
+        <p:spPr/>
+      </p:sp>
+      <p:sp>
+        <p:nvSpPr>
+          <p:cNvPr id="3" name="Notes Placeholder 2"/>
+          <p:cNvSpPr>
+            <a:spLocks noGrp="1"/>
+          </p:cNvSpPr>
+          <p:nvPr>
+            <p:ph type="body" idx="1"/>
+          </p:nvPr>
+        </p:nvSpPr>
+        <p:spPr/>
+        <p:txBody>
+          <a:bodyPr/>
+          <a:lstStyle/>
+          <a:p>
+            <a:endParaRPr lang="en-US" dirty="0"/>
+          </a:p>
+        </p:txBody>
+      </p:sp>
+      <p:sp>
+        <p:nvSpPr>
+          <p:cNvPr id="4" name="Slide Number Placeholder 3"/>
+          <p:cNvSpPr>
+            <a:spLocks noGrp="1"/>
+          </p:cNvSpPr>
+          <p:nvPr>
+            <p:ph type="sldNum" sz="quarter" idx="5"/>
+          </p:nvPr>
+        </p:nvSpPr>
+        <p:spPr/>
+        <p:txBody>
+          <a:bodyPr/>
+          <a:lstStyle/>
+          <a:p>
+            <a:fld id="{4D671FB6-5A3C-4AA6-817B-BB47203946BE}" type="slidenum">
+              <a:rPr lang="en-US" smtClean="0"/>
               <a:t>7</a:t>
             </a:fld>
-            <a:endParaRPr lang="en-US"/>
+            <a:endParaRPr lang="en-US" dirty="0"/>
           </a:p>
         </p:txBody>
       </p:sp>
@@ -7880,7 +6588,7 @@
               <a:rPr lang="en-US" smtClean="0"/>
               <a:t>2/10/2021</a:t>
             </a:fld>
-            <a:endParaRPr lang="en-US"/>
+            <a:endParaRPr lang="en-US" dirty="0"/>
           </a:p>
         </p:txBody>
       </p:sp>
@@ -7905,7 +6613,7 @@
           <a:bodyPr/>
           <a:lstStyle/>
           <a:p>
-            <a:endParaRPr lang="en-US"/>
+            <a:endParaRPr lang="en-US" dirty="0"/>
           </a:p>
         </p:txBody>
       </p:sp>
@@ -7934,7 +6642,7 @@
               <a:rPr lang="en-US" smtClean="0"/>
               <a:t>‹#›</a:t>
             </a:fld>
-            <a:endParaRPr lang="en-US"/>
+            <a:endParaRPr lang="en-US" dirty="0"/>
           </a:p>
         </p:txBody>
       </p:sp>
@@ -8078,7 +6786,7 @@
               <a:rPr lang="en-US" smtClean="0"/>
               <a:t>2/10/2021</a:t>
             </a:fld>
-            <a:endParaRPr lang="en-US"/>
+            <a:endParaRPr lang="en-US" dirty="0"/>
           </a:p>
         </p:txBody>
       </p:sp>
@@ -8103,7 +6811,7 @@
           <a:bodyPr/>
           <a:lstStyle/>
           <a:p>
-            <a:endParaRPr lang="en-US"/>
+            <a:endParaRPr lang="en-US" dirty="0"/>
           </a:p>
         </p:txBody>
       </p:sp>
@@ -8132,7 +6840,7 @@
               <a:rPr lang="en-US" smtClean="0"/>
               <a:t>‹#›</a:t>
             </a:fld>
-            <a:endParaRPr lang="en-US"/>
+            <a:endParaRPr lang="en-US" dirty="0"/>
           </a:p>
         </p:txBody>
       </p:sp>
@@ -8286,7 +6994,7 @@
               <a:rPr lang="en-US" smtClean="0"/>
               <a:t>2/10/2021</a:t>
             </a:fld>
-            <a:endParaRPr lang="en-US"/>
+            <a:endParaRPr lang="en-US" dirty="0"/>
           </a:p>
         </p:txBody>
       </p:sp>
@@ -8311,7 +7019,7 @@
           <a:bodyPr/>
           <a:lstStyle/>
           <a:p>
-            <a:endParaRPr lang="en-US"/>
+            <a:endParaRPr lang="en-US" dirty="0"/>
           </a:p>
         </p:txBody>
       </p:sp>
@@ -8340,7 +7048,7 @@
               <a:rPr lang="en-US" smtClean="0"/>
               <a:t>‹#›</a:t>
             </a:fld>
-            <a:endParaRPr lang="en-US"/>
+            <a:endParaRPr lang="en-US" dirty="0"/>
           </a:p>
         </p:txBody>
       </p:sp>
@@ -8484,7 +7192,7 @@
               <a:rPr lang="en-US" smtClean="0"/>
               <a:t>2/10/2021</a:t>
             </a:fld>
-            <a:endParaRPr lang="en-US"/>
+            <a:endParaRPr lang="en-US" dirty="0"/>
           </a:p>
         </p:txBody>
       </p:sp>
@@ -8509,7 +7217,7 @@
           <a:bodyPr/>
           <a:lstStyle/>
           <a:p>
-            <a:endParaRPr lang="en-US"/>
+            <a:endParaRPr lang="en-US" dirty="0"/>
           </a:p>
         </p:txBody>
       </p:sp>
@@ -8538,7 +7246,7 @@
               <a:rPr lang="en-US" smtClean="0"/>
               <a:t>‹#›</a:t>
             </a:fld>
-            <a:endParaRPr lang="en-US"/>
+            <a:endParaRPr lang="en-US" dirty="0"/>
           </a:p>
         </p:txBody>
       </p:sp>
@@ -8759,7 +7467,7 @@
               <a:rPr lang="en-US" smtClean="0"/>
               <a:t>2/10/2021</a:t>
             </a:fld>
-            <a:endParaRPr lang="en-US"/>
+            <a:endParaRPr lang="en-US" dirty="0"/>
           </a:p>
         </p:txBody>
       </p:sp>
@@ -8784,7 +7492,7 @@
           <a:bodyPr/>
           <a:lstStyle/>
           <a:p>
-            <a:endParaRPr lang="en-US"/>
+            <a:endParaRPr lang="en-US" dirty="0"/>
           </a:p>
         </p:txBody>
       </p:sp>
@@ -8813,7 +7521,7 @@
               <a:rPr lang="en-US" smtClean="0"/>
               <a:t>‹#›</a:t>
             </a:fld>
-            <a:endParaRPr lang="en-US"/>
+            <a:endParaRPr lang="en-US" dirty="0"/>
           </a:p>
         </p:txBody>
       </p:sp>
@@ -9024,7 +7732,7 @@
               <a:rPr lang="en-US" smtClean="0"/>
               <a:t>2/10/2021</a:t>
             </a:fld>
-            <a:endParaRPr lang="en-US"/>
+            <a:endParaRPr lang="en-US" dirty="0"/>
           </a:p>
         </p:txBody>
       </p:sp>
@@ -9049,7 +7757,7 @@
           <a:bodyPr/>
           <a:lstStyle/>
           <a:p>
-            <a:endParaRPr lang="en-US"/>
+            <a:endParaRPr lang="en-US" dirty="0"/>
           </a:p>
         </p:txBody>
       </p:sp>
@@ -9078,7 +7786,7 @@
               <a:rPr lang="en-US" smtClean="0"/>
               <a:t>‹#›</a:t>
             </a:fld>
-            <a:endParaRPr lang="en-US"/>
+            <a:endParaRPr lang="en-US" dirty="0"/>
           </a:p>
         </p:txBody>
       </p:sp>
@@ -9436,7 +8144,7 @@
               <a:rPr lang="en-US" smtClean="0"/>
               <a:t>2/10/2021</a:t>
             </a:fld>
-            <a:endParaRPr lang="en-US"/>
+            <a:endParaRPr lang="en-US" dirty="0"/>
           </a:p>
         </p:txBody>
       </p:sp>
@@ -9461,7 +8169,7 @@
           <a:bodyPr/>
           <a:lstStyle/>
           <a:p>
-            <a:endParaRPr lang="en-US"/>
+            <a:endParaRPr lang="en-US" dirty="0"/>
           </a:p>
         </p:txBody>
       </p:sp>
@@ -9490,7 +8198,7 @@
               <a:rPr lang="en-US" smtClean="0"/>
               <a:t>‹#›</a:t>
             </a:fld>
-            <a:endParaRPr lang="en-US"/>
+            <a:endParaRPr lang="en-US" dirty="0"/>
           </a:p>
         </p:txBody>
       </p:sp>
@@ -9577,7 +8285,7 @@
               <a:rPr lang="en-US" smtClean="0"/>
               <a:t>2/10/2021</a:t>
             </a:fld>
-            <a:endParaRPr lang="en-US"/>
+            <a:endParaRPr lang="en-US" dirty="0"/>
           </a:p>
         </p:txBody>
       </p:sp>
@@ -9602,7 +8310,7 @@
           <a:bodyPr/>
           <a:lstStyle/>
           <a:p>
-            <a:endParaRPr lang="en-US"/>
+            <a:endParaRPr lang="en-US" dirty="0"/>
           </a:p>
         </p:txBody>
       </p:sp>
@@ -9631,7 +8339,7 @@
               <a:rPr lang="en-US" smtClean="0"/>
               <a:t>‹#›</a:t>
             </a:fld>
-            <a:endParaRPr lang="en-US"/>
+            <a:endParaRPr lang="en-US" dirty="0"/>
           </a:p>
         </p:txBody>
       </p:sp>
@@ -9690,7 +8398,7 @@
               <a:rPr lang="en-US" smtClean="0"/>
               <a:t>2/10/2021</a:t>
             </a:fld>
-            <a:endParaRPr lang="en-US"/>
+            <a:endParaRPr lang="en-US" dirty="0"/>
           </a:p>
         </p:txBody>
       </p:sp>
@@ -9715,7 +8423,7 @@
           <a:bodyPr/>
           <a:lstStyle/>
           <a:p>
-            <a:endParaRPr lang="en-US"/>
+            <a:endParaRPr lang="en-US" dirty="0"/>
           </a:p>
         </p:txBody>
       </p:sp>
@@ -9744,7 +8452,7 @@
               <a:rPr lang="en-US" smtClean="0"/>
               <a:t>‹#›</a:t>
             </a:fld>
-            <a:endParaRPr lang="en-US"/>
+            <a:endParaRPr lang="en-US" dirty="0"/>
           </a:p>
         </p:txBody>
       </p:sp>
@@ -10001,7 +8709,7 @@
               <a:rPr lang="en-US" smtClean="0"/>
               <a:t>2/10/2021</a:t>
             </a:fld>
-            <a:endParaRPr lang="en-US"/>
+            <a:endParaRPr lang="en-US" dirty="0"/>
           </a:p>
         </p:txBody>
       </p:sp>
@@ -10026,7 +8734,7 @@
           <a:bodyPr/>
           <a:lstStyle/>
           <a:p>
-            <a:endParaRPr lang="en-US"/>
+            <a:endParaRPr lang="en-US" dirty="0"/>
           </a:p>
         </p:txBody>
       </p:sp>
@@ -10055,7 +8763,7 @@
               <a:rPr lang="en-US" smtClean="0"/>
               <a:t>‹#›</a:t>
             </a:fld>
-            <a:endParaRPr lang="en-US"/>
+            <a:endParaRPr lang="en-US" dirty="0"/>
           </a:p>
         </p:txBody>
       </p:sp>
@@ -10189,7 +8897,7 @@
             </a:lvl9pPr>
           </a:lstStyle>
           <a:p>
-            <a:endParaRPr lang="en-US"/>
+            <a:endParaRPr lang="en-US" dirty="0"/>
           </a:p>
         </p:txBody>
       </p:sp>
@@ -10289,7 +8997,7 @@
               <a:rPr lang="en-US" smtClean="0"/>
               <a:t>2/10/2021</a:t>
             </a:fld>
-            <a:endParaRPr lang="en-US"/>
+            <a:endParaRPr lang="en-US" dirty="0"/>
           </a:p>
         </p:txBody>
       </p:sp>
@@ -10314,7 +9022,7 @@
           <a:bodyPr/>
           <a:lstStyle/>
           <a:p>
-            <a:endParaRPr lang="en-US"/>
+            <a:endParaRPr lang="en-US" dirty="0"/>
           </a:p>
         </p:txBody>
       </p:sp>
@@ -10343,7 +9051,7 @@
               <a:rPr lang="en-US" smtClean="0"/>
               <a:t>‹#›</a:t>
             </a:fld>
-            <a:endParaRPr lang="en-US"/>
+            <a:endParaRPr lang="en-US" dirty="0"/>
           </a:p>
         </p:txBody>
       </p:sp>
@@ -10530,7 +9238,7 @@
               <a:rPr lang="en-US" smtClean="0"/>
               <a:t>2/10/2021</a:t>
             </a:fld>
-            <a:endParaRPr lang="en-US"/>
+            <a:endParaRPr lang="en-US" dirty="0"/>
           </a:p>
         </p:txBody>
       </p:sp>
@@ -10573,7 +9281,7 @@
             </a:lvl1pPr>
           </a:lstStyle>
           <a:p>
-            <a:endParaRPr lang="en-US"/>
+            <a:endParaRPr lang="en-US" dirty="0"/>
           </a:p>
         </p:txBody>
       </p:sp>
@@ -10620,7 +9328,7 @@
               <a:rPr lang="en-US" smtClean="0"/>
               <a:t>‹#›</a:t>
             </a:fld>
-            <a:endParaRPr lang="en-US"/>
+            <a:endParaRPr lang="en-US" dirty="0"/>
           </a:p>
         </p:txBody>
       </p:sp>
@@ -10986,8 +9694,8 @@
           <a:p>
             <a:pPr algn="l"/>
             <a:r>
-              <a:rPr lang="en-US" sz="5400"/>
-              <a:t>Lariat Car rental</a:t>
+              <a:rPr lang="en-US" sz="5400" dirty="0"/>
+              <a:t>LARIAT CAR RENTAL</a:t>
             </a:r>
           </a:p>
         </p:txBody>
@@ -11173,7 +9881,7 @@
           <a:lstStyle/>
           <a:p>
             <a:pPr algn="ctr"/>
-            <a:endParaRPr lang="en-US"/>
+            <a:endParaRPr lang="en-US" dirty="0"/>
           </a:p>
         </p:txBody>
       </p:sp>
@@ -11334,7 +10042,7 @@
           <a:lstStyle/>
           <a:p>
             <a:pPr algn="ctr"/>
-            <a:endParaRPr lang="en-US"/>
+            <a:endParaRPr lang="en-US" dirty="0"/>
           </a:p>
         </p:txBody>
       </p:sp>
@@ -11357,7 +10065,7 @@
         <p:spPr>
           <a:xfrm>
             <a:off x="411480" y="991443"/>
-            <a:ext cx="4443154" cy="1087819"/>
+            <a:ext cx="4443154" cy="1158590"/>
           </a:xfrm>
         </p:spPr>
         <p:txBody>
@@ -11367,8 +10075,8 @@
           <a:lstStyle/>
           <a:p>
             <a:r>
-              <a:rPr lang="en-US" sz="3400"/>
-              <a:t>LARIAT 2018 PERFROMACNE</a:t>
+              <a:rPr lang="en-US" sz="3400" dirty="0"/>
+              <a:t>LARIAT 2018 PERFORMACNE</a:t>
             </a:r>
           </a:p>
         </p:txBody>
@@ -11432,7 +10140,7 @@
           <a:lstStyle/>
           <a:p>
             <a:pPr algn="ctr"/>
-            <a:endParaRPr lang="en-US">
+            <a:endParaRPr lang="en-US" dirty="0">
               <a:solidFill>
                 <a:prstClr val="white"/>
               </a:solidFill>
@@ -11501,7 +10209,7 @@
           <a:lstStyle/>
           <a:p>
             <a:pPr algn="ctr"/>
-            <a:endParaRPr lang="en-US">
+            <a:endParaRPr lang="en-US" dirty="0">
               <a:solidFill>
                 <a:prstClr val="white"/>
               </a:solidFill>
@@ -11703,7 +10411,7 @@
           <a:lstStyle/>
           <a:p>
             <a:pPr algn="ctr"/>
-            <a:endParaRPr lang="en-US"/>
+            <a:endParaRPr lang="en-US" dirty="0"/>
           </a:p>
         </p:txBody>
       </p:sp>
@@ -11725,13 +10433,13 @@
         </p:nvSpPr>
         <p:spPr>
           <a:xfrm>
-            <a:off x="841248" y="256032"/>
-            <a:ext cx="10506456" cy="1014984"/>
+            <a:off x="841247" y="623844"/>
+            <a:ext cx="10807413" cy="647172"/>
           </a:xfrm>
         </p:spPr>
         <p:txBody>
           <a:bodyPr anchor="b">
-            <a:normAutofit/>
+            <a:normAutofit fontScale="90000"/>
           </a:bodyPr>
           <a:lstStyle/>
           <a:p>
@@ -11802,7 +10510,7 @@
           <a:lstStyle/>
           <a:p>
             <a:pPr algn="ctr"/>
-            <a:endParaRPr lang="en-US">
+            <a:endParaRPr lang="en-US" dirty="0">
               <a:solidFill>
                 <a:prstClr val="white"/>
               </a:solidFill>
@@ -11870,7 +10578,7 @@
           <a:lstStyle/>
           <a:p>
             <a:pPr algn="ctr"/>
-            <a:endParaRPr lang="en-US">
+            <a:endParaRPr lang="en-US" dirty="0">
               <a:solidFill>
                 <a:prstClr val="white"/>
               </a:solidFill>
@@ -12180,7 +10888,7 @@
                     <a:p>
                       <a:pPr algn="ctr" fontAlgn="ctr"/>
                       <a:r>
-                        <a:rPr lang="en-US" sz="1600" b="1" i="0" u="none" strike="noStrike">
+                        <a:rPr lang="en-US" sz="1600" b="1" i="0" u="none" strike="noStrike" dirty="0">
                           <a:solidFill>
                             <a:srgbClr val="000000"/>
                           </a:solidFill>
@@ -12240,7 +10948,7 @@
                     <a:p>
                       <a:pPr algn="ctr" fontAlgn="ctr"/>
                       <a:r>
-                        <a:rPr lang="en-US" sz="1600" b="1" i="0" u="none" strike="noStrike">
+                        <a:rPr lang="en-US" sz="1600" b="1" i="0" u="none" strike="noStrike" dirty="0">
                           <a:solidFill>
                             <a:srgbClr val="000000"/>
                           </a:solidFill>
@@ -12300,7 +11008,7 @@
                     <a:p>
                       <a:pPr algn="ctr" fontAlgn="ctr"/>
                       <a:r>
-                        <a:rPr lang="en-US" sz="1600" b="1" i="0" u="none" strike="noStrike">
+                        <a:rPr lang="en-US" sz="1600" b="1" i="0" u="none" strike="noStrike" dirty="0">
                           <a:solidFill>
                             <a:srgbClr val="000000"/>
                           </a:solidFill>
@@ -12538,7 +11246,7 @@
                     <a:p>
                       <a:pPr algn="ctr" fontAlgn="ctr"/>
                       <a:r>
-                        <a:rPr lang="en-US" sz="1600" b="1" i="0" u="none" strike="noStrike">
+                        <a:rPr lang="en-US" sz="1600" b="1" i="0" u="none" strike="noStrike" dirty="0">
                           <a:solidFill>
                             <a:srgbClr val="000000"/>
                           </a:solidFill>
@@ -12595,7 +11303,7 @@
                     <a:p>
                       <a:pPr algn="ctr" fontAlgn="ctr"/>
                       <a:r>
-                        <a:rPr lang="en-US" sz="1600" b="1" i="0" u="none" strike="noStrike">
+                        <a:rPr lang="en-US" sz="1600" b="1" i="0" u="none" strike="noStrike" dirty="0">
                           <a:solidFill>
                             <a:srgbClr val="000000"/>
                           </a:solidFill>
@@ -12830,7 +11538,7 @@
                     <a:p>
                       <a:pPr algn="ctr" fontAlgn="ctr"/>
                       <a:r>
-                        <a:rPr lang="en-US" sz="1600" b="1" i="0" u="none" strike="noStrike">
+                        <a:rPr lang="en-US" sz="1600" b="1" i="0" u="none" strike="noStrike" dirty="0">
                           <a:solidFill>
                             <a:srgbClr val="000000"/>
                           </a:solidFill>
@@ -12887,7 +11595,7 @@
                     <a:p>
                       <a:pPr algn="ctr" fontAlgn="ctr"/>
                       <a:r>
-                        <a:rPr lang="en-US" sz="1600" b="1" i="0" u="none" strike="noStrike">
+                        <a:rPr lang="en-US" sz="1600" b="1" i="0" u="none" strike="noStrike" dirty="0">
                           <a:solidFill>
                             <a:srgbClr val="000000"/>
                           </a:solidFill>
@@ -13122,7 +11830,7 @@
                     <a:p>
                       <a:pPr algn="ctr" fontAlgn="ctr"/>
                       <a:r>
-                        <a:rPr lang="en-US" sz="1600" b="1" i="0" u="none" strike="noStrike">
+                        <a:rPr lang="en-US" sz="1600" b="1" i="0" u="none" strike="noStrike" dirty="0">
                           <a:solidFill>
                             <a:srgbClr val="000000"/>
                           </a:solidFill>
@@ -13179,7 +11887,7 @@
                     <a:p>
                       <a:pPr algn="ctr" fontAlgn="ctr"/>
                       <a:r>
-                        <a:rPr lang="en-US" sz="1600" b="1" i="0" u="none" strike="noStrike">
+                        <a:rPr lang="en-US" sz="1600" b="1" i="0" u="none" strike="noStrike" dirty="0">
                           <a:solidFill>
                             <a:srgbClr val="000000"/>
                           </a:solidFill>
@@ -13414,7 +12122,7 @@
                     <a:p>
                       <a:pPr algn="ctr" fontAlgn="ctr"/>
                       <a:r>
-                        <a:rPr lang="en-US" sz="1600" b="1" i="0" u="none" strike="noStrike">
+                        <a:rPr lang="en-US" sz="1600" b="1" i="0" u="none" strike="noStrike" dirty="0">
                           <a:solidFill>
                             <a:srgbClr val="000000"/>
                           </a:solidFill>
@@ -13471,7 +12179,7 @@
                     <a:p>
                       <a:pPr algn="ctr" fontAlgn="ctr"/>
                       <a:r>
-                        <a:rPr lang="en-US" sz="1600" b="1" i="0" u="none" strike="noStrike">
+                        <a:rPr lang="en-US" sz="1600" b="1" i="0" u="none" strike="noStrike" dirty="0">
                           <a:solidFill>
                             <a:srgbClr val="000000"/>
                           </a:solidFill>
@@ -13706,7 +12414,7 @@
                     <a:p>
                       <a:pPr algn="ctr" fontAlgn="ctr"/>
                       <a:r>
-                        <a:rPr lang="en-US" sz="1600" b="1" i="0" u="none" strike="noStrike">
+                        <a:rPr lang="en-US" sz="1600" b="1" i="0" u="none" strike="noStrike" dirty="0">
                           <a:solidFill>
                             <a:srgbClr val="000000"/>
                           </a:solidFill>
@@ -13763,7 +12471,7 @@
                     <a:p>
                       <a:pPr algn="ctr" fontAlgn="ctr"/>
                       <a:r>
-                        <a:rPr lang="en-US" sz="1600" b="1" i="0" u="none" strike="noStrike">
+                        <a:rPr lang="en-US" sz="1600" b="1" i="0" u="none" strike="noStrike" dirty="0">
                           <a:solidFill>
                             <a:srgbClr val="000000"/>
                           </a:solidFill>
@@ -13998,7 +12706,7 @@
                     <a:p>
                       <a:pPr algn="ctr" fontAlgn="ctr"/>
                       <a:r>
-                        <a:rPr lang="en-US" sz="1600" b="1" i="0" u="none" strike="noStrike">
+                        <a:rPr lang="en-US" sz="1600" b="1" i="0" u="none" strike="noStrike" dirty="0">
                           <a:solidFill>
                             <a:srgbClr val="000000"/>
                           </a:solidFill>
@@ -14055,7 +12763,7 @@
                     <a:p>
                       <a:pPr algn="ctr" fontAlgn="ctr"/>
                       <a:r>
-                        <a:rPr lang="en-US" sz="1600" b="1" i="0" u="none" strike="noStrike">
+                        <a:rPr lang="en-US" sz="1600" b="1" i="0" u="none" strike="noStrike" dirty="0">
                           <a:solidFill>
                             <a:srgbClr val="000000"/>
                           </a:solidFill>
@@ -14296,7 +13004,7 @@
                     <a:p>
                       <a:pPr algn="ctr" fontAlgn="ctr"/>
                       <a:r>
-                        <a:rPr lang="en-US" sz="1600" b="1" i="0" u="none" strike="noStrike">
+                        <a:rPr lang="en-US" sz="1600" b="1" i="0" u="none" strike="noStrike" dirty="0">
                           <a:solidFill>
                             <a:srgbClr val="000000"/>
                           </a:solidFill>
@@ -14305,13 +13013,6 @@
                         </a:rPr>
                         <a:t>99</a:t>
                       </a:r>
-                      <a:endParaRPr lang="en-US" sz="1600" b="1" i="0" u="none" strike="noStrike" dirty="0">
-                        <a:solidFill>
-                          <a:srgbClr val="000000"/>
-                        </a:solidFill>
-                        <a:effectLst/>
-                        <a:latin typeface="Calibri" panose="020F0502020204030204" pitchFamily="34" charset="0"/>
-                      </a:endParaRPr>
                     </a:p>
                   </a:txBody>
                   <a:tcPr marL="9525" marR="9525" marT="9525" marB="0" anchor="ctr">
@@ -14520,7 +13221,7 @@
           <a:lstStyle/>
           <a:p>
             <a:pPr algn="ctr"/>
-            <a:endParaRPr lang="en-US"/>
+            <a:endParaRPr lang="en-US" dirty="0"/>
           </a:p>
         </p:txBody>
       </p:sp>
@@ -14548,13 +13249,13 @@
         </p:spPr>
         <p:txBody>
           <a:bodyPr anchor="b">
-            <a:normAutofit/>
+            <a:normAutofit fontScale="90000"/>
           </a:bodyPr>
           <a:lstStyle/>
           <a:p>
             <a:r>
               <a:rPr lang="en-US" dirty="0"/>
-              <a:t>PROFITABILITY ANALYSIS: </a:t>
+              <a:t>PROFITABILITY ANALYSIS: CHOOSE YOUR FRIENDS WISELY</a:t>
             </a:r>
           </a:p>
         </p:txBody>
@@ -14619,7 +13320,7 @@
           <a:lstStyle/>
           <a:p>
             <a:pPr algn="ctr"/>
-            <a:endParaRPr lang="en-US">
+            <a:endParaRPr lang="en-US" dirty="0">
               <a:solidFill>
                 <a:prstClr val="white"/>
               </a:solidFill>
@@ -14687,7 +13388,7 @@
           <a:lstStyle/>
           <a:p>
             <a:pPr algn="ctr"/>
-            <a:endParaRPr lang="en-US">
+            <a:endParaRPr lang="en-US" dirty="0">
               <a:solidFill>
                 <a:prstClr val="white"/>
               </a:solidFill>
@@ -15329,7 +14030,7 @@
                     <a:p>
                       <a:pPr algn="ctr" fontAlgn="ctr"/>
                       <a:r>
-                        <a:rPr lang="en-US" sz="1200" b="1" i="0" u="none" strike="noStrike">
+                        <a:rPr lang="en-US" sz="1200" b="1" i="0" u="none" strike="noStrike" dirty="0">
                           <a:solidFill>
                             <a:srgbClr val="000000"/>
                           </a:solidFill>
@@ -15339,7 +14040,7 @@
                         <a:t>Average Monthly </a:t>
                       </a:r>
                       <a:br>
-                        <a:rPr lang="en-US" sz="1200" b="1" i="0" u="none" strike="noStrike">
+                        <a:rPr lang="en-US" sz="1200" b="1" i="0" u="none" strike="noStrike" dirty="0">
                           <a:solidFill>
                             <a:srgbClr val="000000"/>
                           </a:solidFill>
@@ -15348,7 +14049,7 @@
                         </a:rPr>
                       </a:br>
                       <a:r>
-                        <a:rPr lang="en-US" sz="1200" b="1" i="0" u="none" strike="noStrike">
+                        <a:rPr lang="en-US" sz="1200" b="1" i="0" u="none" strike="noStrike" dirty="0">
                           <a:solidFill>
                             <a:srgbClr val="000000"/>
                           </a:solidFill>
@@ -15409,7 +14110,7 @@
                     <a:p>
                       <a:pPr algn="ctr" fontAlgn="b"/>
                       <a:r>
-                        <a:rPr lang="en-US" sz="1200" b="1" i="0" u="none" strike="noStrike">
+                        <a:rPr lang="en-US" sz="1200" b="1" i="0" u="none" strike="noStrike" dirty="0">
                           <a:solidFill>
                             <a:srgbClr val="000000"/>
                           </a:solidFill>
@@ -15460,7 +14161,7 @@
                     <a:p>
                       <a:pPr algn="ctr" fontAlgn="b"/>
                       <a:r>
-                        <a:rPr lang="en-US" sz="1200" b="1" i="0" u="none" strike="noStrike">
+                        <a:rPr lang="en-US" sz="1200" b="1" i="0" u="none" strike="noStrike" dirty="0">
                           <a:solidFill>
                             <a:srgbClr val="000000"/>
                           </a:solidFill>
@@ -15608,7 +14309,7 @@
                     <a:p>
                       <a:pPr algn="ctr" fontAlgn="b"/>
                       <a:r>
-                        <a:rPr lang="en-US" sz="1200" b="1" i="0" u="none" strike="noStrike">
+                        <a:rPr lang="en-US" sz="1200" b="1" i="0" u="none" strike="noStrike" dirty="0">
                           <a:solidFill>
                             <a:srgbClr val="000000"/>
                           </a:solidFill>
@@ -15659,7 +14360,7 @@
                     <a:p>
                       <a:pPr algn="ctr" fontAlgn="b"/>
                       <a:r>
-                        <a:rPr lang="en-US" sz="1200" b="1" i="0" u="none" strike="noStrike">
+                        <a:rPr lang="en-US" sz="1200" b="1" i="0" u="none" strike="noStrike" dirty="0">
                           <a:solidFill>
                             <a:srgbClr val="000000"/>
                           </a:solidFill>
@@ -15807,7 +14508,7 @@
                     <a:p>
                       <a:pPr algn="ctr" fontAlgn="b"/>
                       <a:r>
-                        <a:rPr lang="en-US" sz="1200" b="1" i="0" u="none" strike="noStrike">
+                        <a:rPr lang="en-US" sz="1200" b="1" i="0" u="none" strike="noStrike" dirty="0">
                           <a:solidFill>
                             <a:srgbClr val="000000"/>
                           </a:solidFill>
@@ -15858,7 +14559,7 @@
                     <a:p>
                       <a:pPr algn="ctr" fontAlgn="b"/>
                       <a:r>
-                        <a:rPr lang="en-US" sz="1200" b="1" i="0" u="none" strike="noStrike">
+                        <a:rPr lang="en-US" sz="1200" b="1" i="0" u="none" strike="noStrike" dirty="0">
                           <a:solidFill>
                             <a:srgbClr val="000000"/>
                           </a:solidFill>
@@ -15903,7 +14604,7 @@
                     <a:p>
                       <a:pPr algn="ctr" fontAlgn="b"/>
                       <a:r>
-                        <a:rPr lang="en-US" sz="1200" b="1" i="0" u="none" strike="noStrike">
+                        <a:rPr lang="en-US" sz="1200" b="1" i="0" u="none" strike="noStrike" dirty="0">
                           <a:solidFill>
                             <a:srgbClr val="000000"/>
                           </a:solidFill>
@@ -16006,7 +14707,7 @@
                     <a:p>
                       <a:pPr algn="ctr" fontAlgn="b"/>
                       <a:r>
-                        <a:rPr lang="en-US" sz="1200" b="1" i="0" u="none" strike="noStrike">
+                        <a:rPr lang="en-US" sz="1200" b="1" i="0" u="none" strike="noStrike" dirty="0">
                           <a:solidFill>
                             <a:srgbClr val="000000"/>
                           </a:solidFill>
@@ -16057,7 +14758,7 @@
                     <a:p>
                       <a:pPr algn="ctr" fontAlgn="b"/>
                       <a:r>
-                        <a:rPr lang="en-US" sz="1200" b="1" i="0" u="none" strike="noStrike">
+                        <a:rPr lang="en-US" sz="1200" b="1" i="0" u="none" strike="noStrike" dirty="0">
                           <a:solidFill>
                             <a:srgbClr val="000000"/>
                           </a:solidFill>
@@ -16102,7 +14803,7 @@
                     <a:p>
                       <a:pPr algn="ctr" fontAlgn="b"/>
                       <a:r>
-                        <a:rPr lang="en-US" sz="1200" b="1" i="0" u="none" strike="noStrike">
+                        <a:rPr lang="en-US" sz="1200" b="1" i="0" u="none" strike="noStrike" dirty="0">
                           <a:solidFill>
                             <a:srgbClr val="000000"/>
                           </a:solidFill>
@@ -16205,7 +14906,7 @@
                     <a:p>
                       <a:pPr algn="ctr" fontAlgn="b"/>
                       <a:r>
-                        <a:rPr lang="en-US" sz="1200" b="1" i="0" u="none" strike="noStrike">
+                        <a:rPr lang="en-US" sz="1200" b="1" i="0" u="none" strike="noStrike" dirty="0">
                           <a:solidFill>
                             <a:srgbClr val="000000"/>
                           </a:solidFill>
@@ -16301,7 +15002,7 @@
                     <a:p>
                       <a:pPr algn="ctr" fontAlgn="b"/>
                       <a:r>
-                        <a:rPr lang="en-US" sz="1200" b="1" i="0" u="none" strike="noStrike">
+                        <a:rPr lang="en-US" sz="1200" b="1" i="0" u="none" strike="noStrike" dirty="0">
                           <a:solidFill>
                             <a:srgbClr val="000000"/>
                           </a:solidFill>
@@ -16404,7 +15105,7 @@
                     <a:p>
                       <a:pPr algn="ctr" fontAlgn="b"/>
                       <a:r>
-                        <a:rPr lang="en-US" sz="1200" b="1" i="0" u="none" strike="noStrike">
+                        <a:rPr lang="en-US" sz="1200" b="1" i="0" u="none" strike="noStrike" dirty="0">
                           <a:solidFill>
                             <a:srgbClr val="000000"/>
                           </a:solidFill>
@@ -17125,7 +15826,7 @@
                     <a:p>
                       <a:pPr algn="ctr" fontAlgn="b"/>
                       <a:r>
-                        <a:rPr lang="en-US" sz="1200" b="1" i="0" u="none" strike="noStrike">
+                        <a:rPr lang="en-US" sz="1200" b="1" i="0" u="none" strike="noStrike" dirty="0">
                           <a:solidFill>
                             <a:srgbClr val="000000"/>
                           </a:solidFill>
@@ -17324,7 +16025,7 @@
                     <a:p>
                       <a:pPr algn="ctr" fontAlgn="b"/>
                       <a:r>
-                        <a:rPr lang="en-US" sz="1200" b="1" i="0" u="none" strike="noStrike">
+                        <a:rPr lang="en-US" sz="1200" b="1" i="0" u="none" strike="noStrike" dirty="0">
                           <a:solidFill>
                             <a:srgbClr val="000000"/>
                           </a:solidFill>
@@ -17523,7 +16224,7 @@
                     <a:p>
                       <a:pPr algn="ctr" fontAlgn="b"/>
                       <a:r>
-                        <a:rPr lang="en-US" sz="1200" b="1" i="0" u="none" strike="noStrike">
+                        <a:rPr lang="en-US" sz="1200" b="1" i="0" u="none" strike="noStrike" dirty="0">
                           <a:solidFill>
                             <a:srgbClr val="000000"/>
                           </a:solidFill>
@@ -17722,7 +16423,7 @@
                     <a:p>
                       <a:pPr algn="ctr" fontAlgn="b"/>
                       <a:r>
-                        <a:rPr lang="en-US" sz="1200" b="1" i="0" u="none" strike="noStrike">
+                        <a:rPr lang="en-US" sz="1200" b="1" i="0" u="none" strike="noStrike" dirty="0">
                           <a:solidFill>
                             <a:srgbClr val="000000"/>
                           </a:solidFill>
@@ -17773,7 +16474,7 @@
                     <a:p>
                       <a:pPr algn="ctr" fontAlgn="b"/>
                       <a:r>
-                        <a:rPr lang="en-US" sz="1200" b="1" i="0" u="none" strike="noStrike">
+                        <a:rPr lang="en-US" sz="1200" b="1" i="0" u="none" strike="noStrike" dirty="0">
                           <a:solidFill>
                             <a:srgbClr val="000000"/>
                           </a:solidFill>
@@ -17818,7 +16519,7 @@
                     <a:p>
                       <a:pPr algn="ctr" fontAlgn="b"/>
                       <a:r>
-                        <a:rPr lang="en-US" sz="1200" b="1" i="0" u="none" strike="noStrike">
+                        <a:rPr lang="en-US" sz="1200" b="1" i="0" u="none" strike="noStrike" dirty="0">
                           <a:solidFill>
                             <a:srgbClr val="000000"/>
                           </a:solidFill>
@@ -17921,7 +16622,7 @@
                     <a:p>
                       <a:pPr algn="ctr" fontAlgn="b"/>
                       <a:r>
-                        <a:rPr lang="en-US" sz="1200" b="1" i="0" u="none" strike="noStrike">
+                        <a:rPr lang="en-US" sz="1200" b="1" i="0" u="none" strike="noStrike" dirty="0">
                           <a:solidFill>
                             <a:srgbClr val="000000"/>
                           </a:solidFill>
@@ -18158,37 +16859,6 @@
           <a:chExt cx="0" cy="0"/>
         </a:xfrm>
       </p:grpSpPr>
-      <p:graphicFrame>
-        <p:nvGraphicFramePr>
-          <p:cNvPr id="7" name="Content Placeholder 6">
-            <a:extLst>
-              <a:ext uri="{FF2B5EF4-FFF2-40B4-BE49-F238E27FC236}">
-                <a16:creationId xmlns:a16="http://schemas.microsoft.com/office/drawing/2014/main" id="{235DF65F-7C74-4570-99E5-5BBC798BC4DF}"/>
-              </a:ext>
-            </a:extLst>
-          </p:cNvPr>
-          <p:cNvGraphicFramePr>
-            <a:graphicFrameLocks noGrp="1"/>
-          </p:cNvGraphicFramePr>
-          <p:nvPr>
-            <p:ph idx="1"/>
-            <p:extLst>
-              <p:ext uri="{D42A27DB-BD31-4B8C-83A1-F6EECF244321}">
-                <p14:modId xmlns:p14="http://schemas.microsoft.com/office/powerpoint/2010/main" val="490992598"/>
-              </p:ext>
-            </p:extLst>
-          </p:nvPr>
-        </p:nvGraphicFramePr>
-        <p:xfrm>
-          <a:off x="838200" y="1825625"/>
-          <a:ext cx="10515600" cy="4351338"/>
-        </p:xfrm>
-        <a:graphic>
-          <a:graphicData uri="http://schemas.openxmlformats.org/drawingml/2006/chart">
-            <c:chart xmlns:c="http://schemas.openxmlformats.org/drawingml/2006/chart" xmlns:r="http://schemas.openxmlformats.org/officeDocument/2006/relationships" r:id="rId2"/>
-          </a:graphicData>
-        </a:graphic>
-      </p:graphicFrame>
       <p:sp>
         <p:nvSpPr>
           <p:cNvPr id="8" name="Title 9">
@@ -18222,10 +16892,41 @@
           </a:p>
         </p:txBody>
       </p:sp>
+      <p:graphicFrame>
+        <p:nvGraphicFramePr>
+          <p:cNvPr id="7" name="Content Placeholder 6">
+            <a:extLst>
+              <a:ext uri="{FF2B5EF4-FFF2-40B4-BE49-F238E27FC236}">
+                <a16:creationId xmlns:a16="http://schemas.microsoft.com/office/drawing/2014/main" id="{235DF65F-7C74-4570-99E5-5BBC798BC4DF}"/>
+              </a:ext>
+            </a:extLst>
+          </p:cNvPr>
+          <p:cNvGraphicFramePr>
+            <a:graphicFrameLocks noGrp="1"/>
+          </p:cNvGraphicFramePr>
+          <p:nvPr>
+            <p:ph idx="1"/>
+            <p:extLst>
+              <p:ext uri="{D42A27DB-BD31-4B8C-83A1-F6EECF244321}">
+                <p14:modId xmlns:p14="http://schemas.microsoft.com/office/powerpoint/2010/main" val="1365872991"/>
+              </p:ext>
+            </p:extLst>
+          </p:nvPr>
+        </p:nvGraphicFramePr>
+        <p:xfrm>
+          <a:off x="838200" y="1825625"/>
+          <a:ext cx="10515600" cy="4351338"/>
+        </p:xfrm>
+        <a:graphic>
+          <a:graphicData uri="http://schemas.openxmlformats.org/drawingml/2006/chart">
+            <c:chart xmlns:c="http://schemas.openxmlformats.org/drawingml/2006/chart" xmlns:r="http://schemas.openxmlformats.org/officeDocument/2006/relationships" r:id="rId3"/>
+          </a:graphicData>
+        </a:graphic>
+      </p:graphicFrame>
     </p:spTree>
     <p:extLst>
       <p:ext uri="{BB962C8B-B14F-4D97-AF65-F5344CB8AC3E}">
-        <p14:creationId xmlns:p14="http://schemas.microsoft.com/office/powerpoint/2010/main" val="2491731863"/>
+        <p14:creationId xmlns:p14="http://schemas.microsoft.com/office/powerpoint/2010/main" val="3751381641"/>
       </p:ext>
     </p:extLst>
   </p:cSld>
@@ -18327,7 +17028,7 @@
             <p:ph sz="half" idx="2"/>
             <p:extLst>
               <p:ext uri="{D42A27DB-BD31-4B8C-83A1-F6EECF244321}">
-                <p14:modId xmlns:p14="http://schemas.microsoft.com/office/powerpoint/2010/main" val="3798932729"/>
+                <p14:modId xmlns:p14="http://schemas.microsoft.com/office/powerpoint/2010/main" val="1176804755"/>
               </p:ext>
             </p:extLst>
           </p:nvPr>
@@ -18626,7 +17327,7 @@
                     <a:p>
                       <a:pPr algn="ctr" rtl="0" fontAlgn="ctr"/>
                       <a:r>
-                        <a:rPr lang="en-US" sz="1050" b="1" i="0" u="none" strike="noStrike">
+                        <a:rPr lang="en-US" sz="1050" b="1" i="0" u="none" strike="noStrike" dirty="0">
                           <a:solidFill>
                             <a:srgbClr val="FFFFFF"/>
                           </a:solidFill>
@@ -18686,7 +17387,7 @@
                     <a:p>
                       <a:pPr algn="ctr" rtl="0" fontAlgn="ctr"/>
                       <a:r>
-                        <a:rPr lang="en-US" sz="1050" b="1" i="0" u="none" strike="noStrike">
+                        <a:rPr lang="en-US" sz="1050" b="1" i="0" u="none" strike="noStrike" dirty="0">
                           <a:solidFill>
                             <a:srgbClr val="FFFFFF"/>
                           </a:solidFill>
@@ -18753,7 +17454,7 @@
                     <a:p>
                       <a:pPr algn="ctr" rtl="0" fontAlgn="ctr"/>
                       <a:r>
-                        <a:rPr lang="en-US" sz="1050" b="0" i="0" u="none" strike="noStrike">
+                        <a:rPr lang="en-US" sz="1050" b="0" i="0" u="none" strike="noStrike" dirty="0">
                           <a:solidFill>
                             <a:srgbClr val="000000"/>
                           </a:solidFill>
@@ -18813,7 +17514,7 @@
                     <a:p>
                       <a:pPr algn="ctr" rtl="0" fontAlgn="ctr"/>
                       <a:r>
-                        <a:rPr lang="en-US" sz="1050" b="0" i="0" u="none" strike="noStrike">
+                        <a:rPr lang="en-US" sz="1050" b="0" i="0" u="none" strike="noStrike" dirty="0">
                           <a:solidFill>
                             <a:srgbClr val="000000"/>
                           </a:solidFill>
@@ -18873,7 +17574,7 @@
                     <a:p>
                       <a:pPr algn="ctr" rtl="0" fontAlgn="ctr"/>
                       <a:r>
-                        <a:rPr lang="en-US" sz="1050" b="0" i="0" u="none" strike="noStrike">
+                        <a:rPr lang="en-US" sz="1050" b="0" i="0" u="none" strike="noStrike" dirty="0">
                           <a:solidFill>
                             <a:srgbClr val="000000"/>
                           </a:solidFill>
@@ -19053,7 +17754,7 @@
                     <a:p>
                       <a:pPr algn="ctr" rtl="0" fontAlgn="ctr"/>
                       <a:r>
-                        <a:rPr lang="en-US" sz="1050" b="0" i="0" u="none" strike="noStrike">
+                        <a:rPr lang="en-US" sz="1050" b="0" i="0" u="none" strike="noStrike" dirty="0">
                           <a:solidFill>
                             <a:srgbClr val="000000"/>
                           </a:solidFill>
@@ -19120,7 +17821,7 @@
                     <a:p>
                       <a:pPr algn="ctr" rtl="0" fontAlgn="ctr"/>
                       <a:r>
-                        <a:rPr lang="en-US" sz="1050" b="0" i="0" u="none" strike="noStrike">
+                        <a:rPr lang="en-US" sz="1050" b="0" i="0" u="none" strike="noStrike" dirty="0">
                           <a:solidFill>
                             <a:srgbClr val="000000"/>
                           </a:solidFill>
@@ -19180,7 +17881,7 @@
                     <a:p>
                       <a:pPr algn="ctr" rtl="0" fontAlgn="ctr"/>
                       <a:r>
-                        <a:rPr lang="en-US" sz="1050" b="0" i="0" u="none" strike="noStrike">
+                        <a:rPr lang="en-US" sz="1050" b="0" i="0" u="none" strike="noStrike" dirty="0">
                           <a:solidFill>
                             <a:srgbClr val="000000"/>
                           </a:solidFill>
@@ -19240,7 +17941,7 @@
                     <a:p>
                       <a:pPr algn="ctr" rtl="0" fontAlgn="ctr"/>
                       <a:r>
-                        <a:rPr lang="en-US" sz="1050" b="0" i="0" u="none" strike="noStrike">
+                        <a:rPr lang="en-US" sz="1050" b="0" i="0" u="none" strike="noStrike" dirty="0">
                           <a:solidFill>
                             <a:srgbClr val="000000"/>
                           </a:solidFill>
@@ -19297,7 +17998,7 @@
                     <a:p>
                       <a:pPr algn="ctr" rtl="0" fontAlgn="ctr"/>
                       <a:r>
-                        <a:rPr lang="en-US" sz="1050" b="0" i="0" u="none" strike="noStrike">
+                        <a:rPr lang="en-US" sz="1050" b="0" i="0" u="none" strike="noStrike" dirty="0">
                           <a:solidFill>
                             <a:srgbClr val="000000"/>
                           </a:solidFill>
@@ -19411,7 +18112,7 @@
                     <a:p>
                       <a:pPr algn="ctr" rtl="0" fontAlgn="ctr"/>
                       <a:r>
-                        <a:rPr lang="en-US" sz="1050" b="0" i="0" u="none" strike="noStrike">
+                        <a:rPr lang="en-US" sz="1050" b="0" i="0" u="none" strike="noStrike" dirty="0">
                           <a:solidFill>
                             <a:srgbClr val="000000"/>
                           </a:solidFill>
@@ -19475,7 +18176,7 @@
                     <a:p>
                       <a:pPr algn="ctr" rtl="0" fontAlgn="ctr"/>
                       <a:r>
-                        <a:rPr lang="en-US" sz="1050" b="0" i="0" u="none" strike="noStrike">
+                        <a:rPr lang="en-US" sz="1050" b="0" i="0" u="none" strike="noStrike" dirty="0">
                           <a:solidFill>
                             <a:srgbClr val="000000"/>
                           </a:solidFill>
@@ -19535,7 +18236,7 @@
                     <a:p>
                       <a:pPr algn="ctr" rtl="0" fontAlgn="ctr"/>
                       <a:r>
-                        <a:rPr lang="en-US" sz="1050" b="0" i="0" u="none" strike="noStrike">
+                        <a:rPr lang="en-US" sz="1050" b="0" i="0" u="none" strike="noStrike" dirty="0">
                           <a:solidFill>
                             <a:srgbClr val="000000"/>
                           </a:solidFill>
@@ -19595,7 +18296,7 @@
                     <a:p>
                       <a:pPr algn="ctr" rtl="0" fontAlgn="ctr"/>
                       <a:r>
-                        <a:rPr lang="en-US" sz="1050" b="0" i="0" u="none" strike="noStrike">
+                        <a:rPr lang="en-US" sz="1050" b="0" i="0" u="none" strike="noStrike" dirty="0">
                           <a:solidFill>
                             <a:srgbClr val="000000"/>
                           </a:solidFill>
@@ -19655,7 +18356,7 @@
                     <a:p>
                       <a:pPr algn="ctr" rtl="0" fontAlgn="ctr"/>
                       <a:r>
-                        <a:rPr lang="en-US" sz="1050" b="0" i="0" u="none" strike="noStrike">
+                        <a:rPr lang="en-US" sz="1050" b="0" i="0" u="none" strike="noStrike" dirty="0">
                           <a:solidFill>
                             <a:srgbClr val="000000"/>
                           </a:solidFill>
@@ -19775,7 +18476,7 @@
                     <a:p>
                       <a:pPr algn="ctr" rtl="0" fontAlgn="ctr"/>
                       <a:r>
-                        <a:rPr lang="en-US" sz="1050" b="0" i="0" u="none" strike="noStrike">
+                        <a:rPr lang="en-US" sz="1050" b="0" i="0" u="none" strike="noStrike" dirty="0">
                           <a:solidFill>
                             <a:srgbClr val="000000"/>
                           </a:solidFill>
@@ -19842,7 +18543,7 @@
                     <a:p>
                       <a:pPr algn="ctr" rtl="0" fontAlgn="ctr"/>
                       <a:r>
-                        <a:rPr lang="en-US" sz="1050" b="0" i="0" u="none" strike="noStrike">
+                        <a:rPr lang="en-US" sz="1050" b="0" i="0" u="none" strike="noStrike" dirty="0">
                           <a:solidFill>
                             <a:srgbClr val="000000"/>
                           </a:solidFill>
@@ -19902,7 +18603,7 @@
                     <a:p>
                       <a:pPr algn="ctr" rtl="0" fontAlgn="ctr"/>
                       <a:r>
-                        <a:rPr lang="en-US" sz="1050" b="0" i="0" u="none" strike="noStrike">
+                        <a:rPr lang="en-US" sz="1050" b="0" i="0" u="none" strike="noStrike" dirty="0">
                           <a:solidFill>
                             <a:srgbClr val="000000"/>
                           </a:solidFill>
@@ -19962,7 +18663,7 @@
                     <a:p>
                       <a:pPr algn="ctr" rtl="0" fontAlgn="ctr"/>
                       <a:r>
-                        <a:rPr lang="en-US" sz="1050" b="0" i="0" u="none" strike="noStrike">
+                        <a:rPr lang="en-US" sz="1050" b="0" i="0" u="none" strike="noStrike" dirty="0">
                           <a:solidFill>
                             <a:srgbClr val="000000"/>
                           </a:solidFill>
@@ -20019,7 +18720,7 @@
                     <a:p>
                       <a:pPr algn="ctr" rtl="0" fontAlgn="ctr"/>
                       <a:r>
-                        <a:rPr lang="en-US" sz="1050" b="0" i="0" u="none" strike="noStrike">
+                        <a:rPr lang="en-US" sz="1050" b="0" i="0" u="none" strike="noStrike" dirty="0">
                           <a:solidFill>
                             <a:srgbClr val="000000"/>
                           </a:solidFill>
@@ -20133,7 +18834,7 @@
                     <a:p>
                       <a:pPr algn="ctr" rtl="0" fontAlgn="ctr"/>
                       <a:r>
-                        <a:rPr lang="en-US" sz="1050" b="0" i="0" u="none" strike="noStrike">
+                        <a:rPr lang="en-US" sz="1050" b="0" i="0" u="none" strike="noStrike" dirty="0">
                           <a:solidFill>
                             <a:srgbClr val="000000"/>
                           </a:solidFill>
@@ -20197,7 +18898,7 @@
                     <a:p>
                       <a:pPr algn="ctr" rtl="0" fontAlgn="ctr"/>
                       <a:r>
-                        <a:rPr lang="en-US" sz="1050" b="0" i="0" u="none" strike="noStrike">
+                        <a:rPr lang="en-US" sz="1050" b="0" i="0" u="none" strike="noStrike" dirty="0">
                           <a:solidFill>
                             <a:srgbClr val="000000"/>
                           </a:solidFill>
@@ -20257,7 +18958,7 @@
                     <a:p>
                       <a:pPr algn="ctr" rtl="0" fontAlgn="ctr"/>
                       <a:r>
-                        <a:rPr lang="en-US" sz="1050" b="0" i="0" u="none" strike="noStrike">
+                        <a:rPr lang="en-US" sz="1050" b="0" i="0" u="none" strike="noStrike" dirty="0">
                           <a:solidFill>
                             <a:srgbClr val="000000"/>
                           </a:solidFill>
@@ -20317,7 +19018,7 @@
                     <a:p>
                       <a:pPr algn="ctr" rtl="0" fontAlgn="ctr"/>
                       <a:r>
-                        <a:rPr lang="en-US" sz="1050" b="0" i="0" u="none" strike="noStrike">
+                        <a:rPr lang="en-US" sz="1050" b="0" i="0" u="none" strike="noStrike" dirty="0">
                           <a:solidFill>
                             <a:srgbClr val="000000"/>
                           </a:solidFill>
@@ -20377,7 +19078,7 @@
                     <a:p>
                       <a:pPr algn="ctr" rtl="0" fontAlgn="ctr"/>
                       <a:r>
-                        <a:rPr lang="en-US" sz="1050" b="0" i="0" u="none" strike="noStrike">
+                        <a:rPr lang="en-US" sz="1050" b="0" i="0" u="none" strike="noStrike" dirty="0">
                           <a:solidFill>
                             <a:srgbClr val="000000"/>
                           </a:solidFill>
@@ -20497,7 +19198,7 @@
                     <a:p>
                       <a:pPr algn="ctr" rtl="0" fontAlgn="ctr"/>
                       <a:r>
-                        <a:rPr lang="en-US" sz="1050" b="0" i="0" u="none" strike="noStrike">
+                        <a:rPr lang="en-US" sz="1050" b="0" i="0" u="none" strike="noStrike" dirty="0">
                           <a:solidFill>
                             <a:srgbClr val="000000"/>
                           </a:solidFill>
@@ -20564,7 +19265,7 @@
                     <a:p>
                       <a:pPr algn="ctr" rtl="0" fontAlgn="ctr"/>
                       <a:r>
-                        <a:rPr lang="en-US" sz="1050" b="0" i="0" u="none" strike="noStrike">
+                        <a:rPr lang="en-US" sz="1050" b="0" i="0" u="none" strike="noStrike" dirty="0">
                           <a:solidFill>
                             <a:srgbClr val="000000"/>
                           </a:solidFill>
@@ -20624,7 +19325,7 @@
                     <a:p>
                       <a:pPr algn="ctr" rtl="0" fontAlgn="ctr"/>
                       <a:r>
-                        <a:rPr lang="en-US" sz="1050" b="0" i="0" u="none" strike="noStrike">
+                        <a:rPr lang="en-US" sz="1050" b="0" i="0" u="none" strike="noStrike" dirty="0">
                           <a:solidFill>
                             <a:srgbClr val="000000"/>
                           </a:solidFill>
@@ -20684,7 +19385,7 @@
                     <a:p>
                       <a:pPr algn="ctr" rtl="0" fontAlgn="ctr"/>
                       <a:r>
-                        <a:rPr lang="en-US" sz="1050" b="0" i="0" u="none" strike="noStrike">
+                        <a:rPr lang="en-US" sz="1050" b="0" i="0" u="none" strike="noStrike" dirty="0">
                           <a:solidFill>
                             <a:srgbClr val="000000"/>
                           </a:solidFill>
@@ -20741,7 +19442,7 @@
                     <a:p>
                       <a:pPr algn="ctr" rtl="0" fontAlgn="ctr"/>
                       <a:r>
-                        <a:rPr lang="en-US" sz="1050" b="0" i="0" u="none" strike="noStrike">
+                        <a:rPr lang="en-US" sz="1050" b="0" i="0" u="none" strike="noStrike" dirty="0">
                           <a:solidFill>
                             <a:srgbClr val="000000"/>
                           </a:solidFill>
@@ -20855,7 +19556,7 @@
                     <a:p>
                       <a:pPr algn="ctr" rtl="0" fontAlgn="ctr"/>
                       <a:r>
-                        <a:rPr lang="en-US" sz="1050" b="0" i="0" u="none" strike="noStrike">
+                        <a:rPr lang="en-US" sz="1050" b="0" i="0" u="none" strike="noStrike" dirty="0">
                           <a:solidFill>
                             <a:srgbClr val="000000"/>
                           </a:solidFill>
@@ -20919,7 +19620,7 @@
                     <a:p>
                       <a:pPr algn="ctr" rtl="0" fontAlgn="ctr"/>
                       <a:r>
-                        <a:rPr lang="en-US" sz="1050" b="0" i="0" u="none" strike="noStrike">
+                        <a:rPr lang="en-US" sz="1050" b="0" i="0" u="none" strike="noStrike" dirty="0">
                           <a:solidFill>
                             <a:srgbClr val="000000"/>
                           </a:solidFill>
@@ -20979,7 +19680,7 @@
                     <a:p>
                       <a:pPr algn="ctr" rtl="0" fontAlgn="ctr"/>
                       <a:r>
-                        <a:rPr lang="en-US" sz="1050" b="0" i="0" u="none" strike="noStrike">
+                        <a:rPr lang="en-US" sz="1050" b="0" i="0" u="none" strike="noStrike" dirty="0">
                           <a:solidFill>
                             <a:srgbClr val="000000"/>
                           </a:solidFill>
@@ -21039,7 +19740,7 @@
                     <a:p>
                       <a:pPr algn="ctr" rtl="0" fontAlgn="ctr"/>
                       <a:r>
-                        <a:rPr lang="en-US" sz="1050" b="0" i="0" u="none" strike="noStrike">
+                        <a:rPr lang="en-US" sz="1050" b="0" i="0" u="none" strike="noStrike" dirty="0">
                           <a:solidFill>
                             <a:srgbClr val="000000"/>
                           </a:solidFill>
@@ -21099,7 +19800,7 @@
                     <a:p>
                       <a:pPr algn="ctr" rtl="0" fontAlgn="ctr"/>
                       <a:r>
-                        <a:rPr lang="en-US" sz="1050" b="0" i="0" u="none" strike="noStrike">
+                        <a:rPr lang="en-US" sz="1050" b="0" i="0" u="none" strike="noStrike" dirty="0">
                           <a:solidFill>
                             <a:srgbClr val="000000"/>
                           </a:solidFill>
@@ -21219,7 +19920,7 @@
                     <a:p>
                       <a:pPr algn="ctr" rtl="0" fontAlgn="ctr"/>
                       <a:r>
-                        <a:rPr lang="en-US" sz="1050" b="0" i="0" u="none" strike="noStrike">
+                        <a:rPr lang="en-US" sz="1050" b="0" i="0" u="none" strike="noStrike" dirty="0">
                           <a:solidFill>
                             <a:srgbClr val="000000"/>
                           </a:solidFill>
@@ -21286,7 +19987,7 @@
                     <a:p>
                       <a:pPr algn="ctr" rtl="0" fontAlgn="ctr"/>
                       <a:r>
-                        <a:rPr lang="en-US" sz="1050" b="1" i="0" u="none" strike="noStrike">
+                        <a:rPr lang="en-US" sz="1050" b="1" i="0" u="none" strike="noStrike" dirty="0">
                           <a:solidFill>
                             <a:srgbClr val="000000"/>
                           </a:solidFill>
@@ -21346,7 +20047,7 @@
                     <a:p>
                       <a:pPr algn="ctr" rtl="0" fontAlgn="ctr"/>
                       <a:r>
-                        <a:rPr lang="en-US" sz="1050" b="1" i="0" u="none" strike="noStrike">
+                        <a:rPr lang="en-US" sz="1050" b="1" i="0" u="none" strike="noStrike" dirty="0">
                           <a:solidFill>
                             <a:srgbClr val="000000"/>
                           </a:solidFill>
@@ -21406,7 +20107,7 @@
                     <a:p>
                       <a:pPr algn="ctr" rtl="0" fontAlgn="ctr"/>
                       <a:r>
-                        <a:rPr lang="en-US" sz="1050" b="1" i="0" u="none" strike="noStrike">
+                        <a:rPr lang="en-US" sz="1050" b="1" i="0" u="none" strike="noStrike" dirty="0">
                           <a:solidFill>
                             <a:srgbClr val="000000"/>
                           </a:solidFill>
@@ -21463,7 +20164,7 @@
                     <a:p>
                       <a:pPr algn="ctr" rtl="0" fontAlgn="ctr"/>
                       <a:r>
-                        <a:rPr lang="en-US" sz="1050" b="1" i="0" u="none" strike="noStrike">
+                        <a:rPr lang="en-US" sz="1050" b="1" i="0" u="none" strike="noStrike" dirty="0">
                           <a:solidFill>
                             <a:srgbClr val="000000"/>
                           </a:solidFill>
@@ -21757,7 +20458,7 @@
           <a:lstStyle/>
           <a:p>
             <a:pPr algn="ctr"/>
-            <a:endParaRPr lang="en-US"/>
+            <a:endParaRPr lang="en-US" dirty="0"/>
           </a:p>
         </p:txBody>
       </p:sp>
@@ -21835,7 +20536,7 @@
           <a:lstStyle/>
           <a:p>
             <a:r>
-              <a:rPr lang="en-US" kern="1200">
+              <a:rPr lang="en-US" kern="1200" dirty="0">
                 <a:solidFill>
                   <a:srgbClr val="000000"/>
                 </a:solidFill>
@@ -22042,7 +20743,7 @@
           <a:lstStyle/>
           <a:p>
             <a:pPr algn="ctr"/>
-            <a:endParaRPr lang="en-US"/>
+            <a:endParaRPr lang="en-US" dirty="0"/>
           </a:p>
         </p:txBody>
       </p:sp>
